--- a/assets/Dev/VuetoReact.pptx
+++ b/assets/Dev/VuetoReact.pptx
@@ -4,17 +4,29 @@
   <p:sldMasterIdLst>
     <p:sldMasterId id="2147483648" r:id="rId1"/>
   </p:sldMasterIdLst>
+  <p:notesMasterIdLst>
+    <p:notesMasterId r:id="rId21"/>
+  </p:notesMasterIdLst>
   <p:sldIdLst>
     <p:sldId id="256" r:id="rId2"/>
     <p:sldId id="257" r:id="rId3"/>
     <p:sldId id="258" r:id="rId4"/>
     <p:sldId id="261" r:id="rId5"/>
     <p:sldId id="262" r:id="rId6"/>
-    <p:sldId id="259" r:id="rId7"/>
-    <p:sldId id="260" r:id="rId8"/>
-    <p:sldId id="263" r:id="rId9"/>
-    <p:sldId id="264" r:id="rId10"/>
-    <p:sldId id="265" r:id="rId11"/>
+    <p:sldId id="273" r:id="rId7"/>
+    <p:sldId id="259" r:id="rId8"/>
+    <p:sldId id="267" r:id="rId9"/>
+    <p:sldId id="260" r:id="rId10"/>
+    <p:sldId id="263" r:id="rId11"/>
+    <p:sldId id="264" r:id="rId12"/>
+    <p:sldId id="265" r:id="rId13"/>
+    <p:sldId id="266" r:id="rId14"/>
+    <p:sldId id="270" r:id="rId15"/>
+    <p:sldId id="268" r:id="rId16"/>
+    <p:sldId id="269" r:id="rId17"/>
+    <p:sldId id="271" r:id="rId18"/>
+    <p:sldId id="272" r:id="rId19"/>
+    <p:sldId id="275" r:id="rId20"/>
   </p:sldIdLst>
   <p:sldSz cx="12192000" cy="6858000"/>
   <p:notesSz cx="6858000" cy="9144000"/>
@@ -113,7 +125,478 @@
       </a:defRPr>
     </a:lvl9pPr>
   </p:defaultTextStyle>
+  <p:extLst>
+    <p:ext uri="{EFAFB233-063F-42B5-8137-9DF3F51BA10A}">
+      <p15:sldGuideLst xmlns:p15="http://schemas.microsoft.com/office/powerpoint/2012/main"/>
+    </p:ext>
+  </p:extLst>
 </p:presentation>
+</file>
+
+<file path=ppt/notesMasters/notesMaster1.xml><?xml version="1.0" encoding="utf-8"?>
+<p:notesMaster xmlns:a="http://schemas.openxmlformats.org/drawingml/2006/main" xmlns:r="http://schemas.openxmlformats.org/officeDocument/2006/relationships" xmlns:p="http://schemas.openxmlformats.org/presentationml/2006/main">
+  <p:cSld>
+    <p:bg>
+      <p:bgRef idx="1001">
+        <a:schemeClr val="bg1"/>
+      </p:bgRef>
+    </p:bg>
+    <p:spTree>
+      <p:nvGrpSpPr>
+        <p:cNvPr id="1" name=""/>
+        <p:cNvGrpSpPr/>
+        <p:nvPr/>
+      </p:nvGrpSpPr>
+      <p:grpSpPr>
+        <a:xfrm>
+          <a:off x="0" y="0"/>
+          <a:ext cx="0" cy="0"/>
+          <a:chOff x="0" y="0"/>
+          <a:chExt cx="0" cy="0"/>
+        </a:xfrm>
+      </p:grpSpPr>
+      <p:sp>
+        <p:nvSpPr>
+          <p:cNvPr id="2" name="ヘッダー プレースホルダー 1"/>
+          <p:cNvSpPr>
+            <a:spLocks noGrp="1"/>
+          </p:cNvSpPr>
+          <p:nvPr>
+            <p:ph type="hdr" sz="quarter"/>
+          </p:nvPr>
+        </p:nvSpPr>
+        <p:spPr>
+          <a:xfrm>
+            <a:off x="0" y="0"/>
+            <a:ext cx="2971800" cy="458788"/>
+          </a:xfrm>
+          <a:prstGeom prst="rect">
+            <a:avLst/>
+          </a:prstGeom>
+        </p:spPr>
+        <p:txBody>
+          <a:bodyPr vert="horz" lIns="91440" tIns="45720" rIns="91440" bIns="45720" rtlCol="0"/>
+          <a:lstStyle>
+            <a:lvl1pPr algn="l">
+              <a:defRPr sz="1200"/>
+            </a:lvl1pPr>
+          </a:lstStyle>
+          <a:p>
+            <a:endParaRPr lang="en-US"/>
+          </a:p>
+        </p:txBody>
+      </p:sp>
+      <p:sp>
+        <p:nvSpPr>
+          <p:cNvPr id="3" name="日付プレースホルダー 2"/>
+          <p:cNvSpPr>
+            <a:spLocks noGrp="1"/>
+          </p:cNvSpPr>
+          <p:nvPr>
+            <p:ph type="dt" idx="1"/>
+          </p:nvPr>
+        </p:nvSpPr>
+        <p:spPr>
+          <a:xfrm>
+            <a:off x="3884613" y="0"/>
+            <a:ext cx="2971800" cy="458788"/>
+          </a:xfrm>
+          <a:prstGeom prst="rect">
+            <a:avLst/>
+          </a:prstGeom>
+        </p:spPr>
+        <p:txBody>
+          <a:bodyPr vert="horz" lIns="91440" tIns="45720" rIns="91440" bIns="45720" rtlCol="0"/>
+          <a:lstStyle>
+            <a:lvl1pPr algn="r">
+              <a:defRPr sz="1200"/>
+            </a:lvl1pPr>
+          </a:lstStyle>
+          <a:p>
+            <a:fld id="{6D2DAA21-6A95-4CC3-A4FC-AE7EB045C8F1}" type="datetimeFigureOut">
+              <a:rPr lang="en-US" smtClean="0"/>
+              <a:t>8/26/2024</a:t>
+            </a:fld>
+            <a:endParaRPr lang="en-US"/>
+          </a:p>
+        </p:txBody>
+      </p:sp>
+      <p:sp>
+        <p:nvSpPr>
+          <p:cNvPr id="4" name="スライド イメージ プレースホルダー 3"/>
+          <p:cNvSpPr>
+            <a:spLocks noGrp="1" noRot="1" noChangeAspect="1"/>
+          </p:cNvSpPr>
+          <p:nvPr>
+            <p:ph type="sldImg" idx="2"/>
+          </p:nvPr>
+        </p:nvSpPr>
+        <p:spPr>
+          <a:xfrm>
+            <a:off x="685800" y="1143000"/>
+            <a:ext cx="5486400" cy="3086100"/>
+          </a:xfrm>
+          <a:prstGeom prst="rect">
+            <a:avLst/>
+          </a:prstGeom>
+          <a:noFill/>
+          <a:ln w="12700">
+            <a:solidFill>
+              <a:prstClr val="black"/>
+            </a:solidFill>
+          </a:ln>
+        </p:spPr>
+        <p:txBody>
+          <a:bodyPr vert="horz" lIns="91440" tIns="45720" rIns="91440" bIns="45720" rtlCol="0" anchor="ctr"/>
+          <a:lstStyle/>
+          <a:p>
+            <a:endParaRPr lang="en-US"/>
+          </a:p>
+        </p:txBody>
+      </p:sp>
+      <p:sp>
+        <p:nvSpPr>
+          <p:cNvPr id="5" name="ノート プレースホルダー 4"/>
+          <p:cNvSpPr>
+            <a:spLocks noGrp="1"/>
+          </p:cNvSpPr>
+          <p:nvPr>
+            <p:ph type="body" sz="quarter" idx="3"/>
+          </p:nvPr>
+        </p:nvSpPr>
+        <p:spPr>
+          <a:xfrm>
+            <a:off x="685800" y="4400550"/>
+            <a:ext cx="5486400" cy="3600450"/>
+          </a:xfrm>
+          <a:prstGeom prst="rect">
+            <a:avLst/>
+          </a:prstGeom>
+        </p:spPr>
+        <p:txBody>
+          <a:bodyPr vert="horz" lIns="91440" tIns="45720" rIns="91440" bIns="45720" rtlCol="0"/>
+          <a:lstStyle/>
+          <a:p>
+            <a:pPr lvl="0"/>
+            <a:r>
+              <a:rPr lang="ja-JP" altLang="en-US"/>
+              <a:t>マスター テキストの書式設定</a:t>
+            </a:r>
+          </a:p>
+          <a:p>
+            <a:pPr lvl="1"/>
+            <a:r>
+              <a:rPr lang="ja-JP" altLang="en-US"/>
+              <a:t>第 </a:t>
+            </a:r>
+            <a:r>
+              <a:rPr lang="en-US" altLang="ja-JP"/>
+              <a:t>2 </a:t>
+            </a:r>
+            <a:r>
+              <a:rPr lang="ja-JP" altLang="en-US"/>
+              <a:t>レベル</a:t>
+            </a:r>
+          </a:p>
+          <a:p>
+            <a:pPr lvl="2"/>
+            <a:r>
+              <a:rPr lang="ja-JP" altLang="en-US"/>
+              <a:t>第 </a:t>
+            </a:r>
+            <a:r>
+              <a:rPr lang="en-US" altLang="ja-JP"/>
+              <a:t>3 </a:t>
+            </a:r>
+            <a:r>
+              <a:rPr lang="ja-JP" altLang="en-US"/>
+              <a:t>レベル</a:t>
+            </a:r>
+          </a:p>
+          <a:p>
+            <a:pPr lvl="3"/>
+            <a:r>
+              <a:rPr lang="ja-JP" altLang="en-US"/>
+              <a:t>第 </a:t>
+            </a:r>
+            <a:r>
+              <a:rPr lang="en-US" altLang="ja-JP"/>
+              <a:t>4 </a:t>
+            </a:r>
+            <a:r>
+              <a:rPr lang="ja-JP" altLang="en-US"/>
+              <a:t>レベル</a:t>
+            </a:r>
+          </a:p>
+          <a:p>
+            <a:pPr lvl="4"/>
+            <a:r>
+              <a:rPr lang="ja-JP" altLang="en-US"/>
+              <a:t>第 </a:t>
+            </a:r>
+            <a:r>
+              <a:rPr lang="en-US" altLang="ja-JP"/>
+              <a:t>5 </a:t>
+            </a:r>
+            <a:r>
+              <a:rPr lang="ja-JP" altLang="en-US"/>
+              <a:t>レベル</a:t>
+            </a:r>
+            <a:endParaRPr lang="en-US"/>
+          </a:p>
+        </p:txBody>
+      </p:sp>
+      <p:sp>
+        <p:nvSpPr>
+          <p:cNvPr id="6" name="フッター プレースホルダー 5"/>
+          <p:cNvSpPr>
+            <a:spLocks noGrp="1"/>
+          </p:cNvSpPr>
+          <p:nvPr>
+            <p:ph type="ftr" sz="quarter" idx="4"/>
+          </p:nvPr>
+        </p:nvSpPr>
+        <p:spPr>
+          <a:xfrm>
+            <a:off x="0" y="8685213"/>
+            <a:ext cx="2971800" cy="458787"/>
+          </a:xfrm>
+          <a:prstGeom prst="rect">
+            <a:avLst/>
+          </a:prstGeom>
+        </p:spPr>
+        <p:txBody>
+          <a:bodyPr vert="horz" lIns="91440" tIns="45720" rIns="91440" bIns="45720" rtlCol="0" anchor="b"/>
+          <a:lstStyle>
+            <a:lvl1pPr algn="l">
+              <a:defRPr sz="1200"/>
+            </a:lvl1pPr>
+          </a:lstStyle>
+          <a:p>
+            <a:endParaRPr lang="en-US"/>
+          </a:p>
+        </p:txBody>
+      </p:sp>
+      <p:sp>
+        <p:nvSpPr>
+          <p:cNvPr id="7" name="スライド番号プレースホルダー 6"/>
+          <p:cNvSpPr>
+            <a:spLocks noGrp="1"/>
+          </p:cNvSpPr>
+          <p:nvPr>
+            <p:ph type="sldNum" sz="quarter" idx="5"/>
+          </p:nvPr>
+        </p:nvSpPr>
+        <p:spPr>
+          <a:xfrm>
+            <a:off x="3884613" y="8685213"/>
+            <a:ext cx="2971800" cy="458787"/>
+          </a:xfrm>
+          <a:prstGeom prst="rect">
+            <a:avLst/>
+          </a:prstGeom>
+        </p:spPr>
+        <p:txBody>
+          <a:bodyPr vert="horz" lIns="91440" tIns="45720" rIns="91440" bIns="45720" rtlCol="0" anchor="b"/>
+          <a:lstStyle>
+            <a:lvl1pPr algn="r">
+              <a:defRPr sz="1200"/>
+            </a:lvl1pPr>
+          </a:lstStyle>
+          <a:p>
+            <a:fld id="{4F47BC7C-8D2E-4965-935F-27FC0C4450BD}" type="slidenum">
+              <a:rPr lang="en-US" smtClean="0"/>
+              <a:t>‹#›</a:t>
+            </a:fld>
+            <a:endParaRPr lang="en-US"/>
+          </a:p>
+        </p:txBody>
+      </p:sp>
+    </p:spTree>
+    <p:extLst>
+      <p:ext uri="{BB962C8B-B14F-4D97-AF65-F5344CB8AC3E}">
+        <p14:creationId xmlns:p14="http://schemas.microsoft.com/office/powerpoint/2010/main" val="898732223"/>
+      </p:ext>
+    </p:extLst>
+  </p:cSld>
+  <p:clrMap bg1="lt1" tx1="dk1" bg2="lt2" tx2="dk2" accent1="accent1" accent2="accent2" accent3="accent3" accent4="accent4" accent5="accent5" accent6="accent6" hlink="hlink" folHlink="folHlink"/>
+  <p:notesStyle>
+    <a:lvl1pPr marL="0" algn="l" defTabSz="914400" rtl="0" eaLnBrk="1" latinLnBrk="0" hangingPunct="1">
+      <a:defRPr sz="1200" kern="1200">
+        <a:solidFill>
+          <a:schemeClr val="tx1"/>
+        </a:solidFill>
+        <a:latin typeface="+mn-lt"/>
+        <a:ea typeface="+mn-ea"/>
+        <a:cs typeface="+mn-cs"/>
+      </a:defRPr>
+    </a:lvl1pPr>
+    <a:lvl2pPr marL="457200" algn="l" defTabSz="914400" rtl="0" eaLnBrk="1" latinLnBrk="0" hangingPunct="1">
+      <a:defRPr sz="1200" kern="1200">
+        <a:solidFill>
+          <a:schemeClr val="tx1"/>
+        </a:solidFill>
+        <a:latin typeface="+mn-lt"/>
+        <a:ea typeface="+mn-ea"/>
+        <a:cs typeface="+mn-cs"/>
+      </a:defRPr>
+    </a:lvl2pPr>
+    <a:lvl3pPr marL="914400" algn="l" defTabSz="914400" rtl="0" eaLnBrk="1" latinLnBrk="0" hangingPunct="1">
+      <a:defRPr sz="1200" kern="1200">
+        <a:solidFill>
+          <a:schemeClr val="tx1"/>
+        </a:solidFill>
+        <a:latin typeface="+mn-lt"/>
+        <a:ea typeface="+mn-ea"/>
+        <a:cs typeface="+mn-cs"/>
+      </a:defRPr>
+    </a:lvl3pPr>
+    <a:lvl4pPr marL="1371600" algn="l" defTabSz="914400" rtl="0" eaLnBrk="1" latinLnBrk="0" hangingPunct="1">
+      <a:defRPr sz="1200" kern="1200">
+        <a:solidFill>
+          <a:schemeClr val="tx1"/>
+        </a:solidFill>
+        <a:latin typeface="+mn-lt"/>
+        <a:ea typeface="+mn-ea"/>
+        <a:cs typeface="+mn-cs"/>
+      </a:defRPr>
+    </a:lvl4pPr>
+    <a:lvl5pPr marL="1828800" algn="l" defTabSz="914400" rtl="0" eaLnBrk="1" latinLnBrk="0" hangingPunct="1">
+      <a:defRPr sz="1200" kern="1200">
+        <a:solidFill>
+          <a:schemeClr val="tx1"/>
+        </a:solidFill>
+        <a:latin typeface="+mn-lt"/>
+        <a:ea typeface="+mn-ea"/>
+        <a:cs typeface="+mn-cs"/>
+      </a:defRPr>
+    </a:lvl5pPr>
+    <a:lvl6pPr marL="2286000" algn="l" defTabSz="914400" rtl="0" eaLnBrk="1" latinLnBrk="0" hangingPunct="1">
+      <a:defRPr sz="1200" kern="1200">
+        <a:solidFill>
+          <a:schemeClr val="tx1"/>
+        </a:solidFill>
+        <a:latin typeface="+mn-lt"/>
+        <a:ea typeface="+mn-ea"/>
+        <a:cs typeface="+mn-cs"/>
+      </a:defRPr>
+    </a:lvl6pPr>
+    <a:lvl7pPr marL="2743200" algn="l" defTabSz="914400" rtl="0" eaLnBrk="1" latinLnBrk="0" hangingPunct="1">
+      <a:defRPr sz="1200" kern="1200">
+        <a:solidFill>
+          <a:schemeClr val="tx1"/>
+        </a:solidFill>
+        <a:latin typeface="+mn-lt"/>
+        <a:ea typeface="+mn-ea"/>
+        <a:cs typeface="+mn-cs"/>
+      </a:defRPr>
+    </a:lvl7pPr>
+    <a:lvl8pPr marL="3200400" algn="l" defTabSz="914400" rtl="0" eaLnBrk="1" latinLnBrk="0" hangingPunct="1">
+      <a:defRPr sz="1200" kern="1200">
+        <a:solidFill>
+          <a:schemeClr val="tx1"/>
+        </a:solidFill>
+        <a:latin typeface="+mn-lt"/>
+        <a:ea typeface="+mn-ea"/>
+        <a:cs typeface="+mn-cs"/>
+      </a:defRPr>
+    </a:lvl8pPr>
+    <a:lvl9pPr marL="3657600" algn="l" defTabSz="914400" rtl="0" eaLnBrk="1" latinLnBrk="0" hangingPunct="1">
+      <a:defRPr sz="1200" kern="1200">
+        <a:solidFill>
+          <a:schemeClr val="tx1"/>
+        </a:solidFill>
+        <a:latin typeface="+mn-lt"/>
+        <a:ea typeface="+mn-ea"/>
+        <a:cs typeface="+mn-cs"/>
+      </a:defRPr>
+    </a:lvl9pPr>
+  </p:notesStyle>
+</p:notesMaster>
+</file>
+
+<file path=ppt/notesSlides/notesSlide1.xml><?xml version="1.0" encoding="utf-8"?>
+<p:notes xmlns:a="http://schemas.openxmlformats.org/drawingml/2006/main" xmlns:r="http://schemas.openxmlformats.org/officeDocument/2006/relationships" xmlns:p="http://schemas.openxmlformats.org/presentationml/2006/main">
+  <p:cSld>
+    <p:spTree>
+      <p:nvGrpSpPr>
+        <p:cNvPr id="1" name=""/>
+        <p:cNvGrpSpPr/>
+        <p:nvPr/>
+      </p:nvGrpSpPr>
+      <p:grpSpPr>
+        <a:xfrm>
+          <a:off x="0" y="0"/>
+          <a:ext cx="0" cy="0"/>
+          <a:chOff x="0" y="0"/>
+          <a:chExt cx="0" cy="0"/>
+        </a:xfrm>
+      </p:grpSpPr>
+      <p:sp>
+        <p:nvSpPr>
+          <p:cNvPr id="2" name="スライド イメージ プレースホルダー 1"/>
+          <p:cNvSpPr>
+            <a:spLocks noGrp="1" noRot="1" noChangeAspect="1"/>
+          </p:cNvSpPr>
+          <p:nvPr>
+            <p:ph type="sldImg"/>
+          </p:nvPr>
+        </p:nvSpPr>
+        <p:spPr/>
+      </p:sp>
+      <p:sp>
+        <p:nvSpPr>
+          <p:cNvPr id="3" name="ノート プレースホルダー 2"/>
+          <p:cNvSpPr>
+            <a:spLocks noGrp="1"/>
+          </p:cNvSpPr>
+          <p:nvPr>
+            <p:ph type="body" idx="1"/>
+          </p:nvPr>
+        </p:nvSpPr>
+        <p:spPr/>
+        <p:txBody>
+          <a:bodyPr/>
+          <a:lstStyle/>
+          <a:p>
+            <a:endParaRPr lang="en-US" dirty="0"/>
+          </a:p>
+        </p:txBody>
+      </p:sp>
+      <p:sp>
+        <p:nvSpPr>
+          <p:cNvPr id="4" name="スライド番号プレースホルダー 3"/>
+          <p:cNvSpPr>
+            <a:spLocks noGrp="1"/>
+          </p:cNvSpPr>
+          <p:nvPr>
+            <p:ph type="sldNum" sz="quarter" idx="5"/>
+          </p:nvPr>
+        </p:nvSpPr>
+        <p:spPr/>
+        <p:txBody>
+          <a:bodyPr/>
+          <a:lstStyle/>
+          <a:p>
+            <a:fld id="{4F47BC7C-8D2E-4965-935F-27FC0C4450BD}" type="slidenum">
+              <a:rPr lang="en-US" smtClean="0"/>
+              <a:t>11</a:t>
+            </a:fld>
+            <a:endParaRPr lang="en-US"/>
+          </a:p>
+        </p:txBody>
+      </p:sp>
+    </p:spTree>
+    <p:extLst>
+      <p:ext uri="{BB962C8B-B14F-4D97-AF65-F5344CB8AC3E}">
+        <p14:creationId xmlns:p14="http://schemas.microsoft.com/office/powerpoint/2010/main" val="1124017691"/>
+      </p:ext>
+    </p:extLst>
+  </p:cSld>
+  <p:clrMapOvr>
+    <a:masterClrMapping/>
+  </p:clrMapOvr>
+</p:notes>
 </file>
 
 <file path=ppt/slideLayouts/slideLayout1.xml><?xml version="1.0" encoding="utf-8"?>
@@ -4702,12 +5185,12 @@
           <a:lstStyle/>
           <a:p>
             <a:r>
-              <a:rPr lang="ja-JP" altLang="en-US" dirty="0">
+              <a:rPr lang="en-US" altLang="ja-JP" dirty="0">
                 <a:solidFill>
                   <a:schemeClr val="bg1"/>
                 </a:solidFill>
               </a:rPr>
-              <a:t>キホン</a:t>
+              <a:t>components</a:t>
             </a:r>
             <a:endParaRPr lang="en-US" dirty="0">
               <a:solidFill>
@@ -4786,8 +5269,8 @@
         </p:nvSpPr>
         <p:spPr>
           <a:xfrm>
-            <a:off x="5576454" y="2895528"/>
-            <a:ext cx="1039091" cy="1066944"/>
+            <a:off x="5525956" y="3135914"/>
+            <a:ext cx="380029" cy="586172"/>
           </a:xfrm>
           <a:prstGeom prst="rect">
             <a:avLst/>
@@ -4818,7 +5301,7 @@
           </a:lstStyle>
           <a:p>
             <a:r>
-              <a:rPr lang="en-US" dirty="0"/>
+              <a:rPr lang="en-US" sz="1200" dirty="0"/>
               <a:t>👉</a:t>
             </a:r>
           </a:p>
@@ -4918,10 +5401,2861 @@
           </a:extLst>
         </p:spPr>
       </p:pic>
+      <p:pic>
+        <p:nvPicPr>
+          <p:cNvPr id="11" name="図 10">
+            <a:extLst>
+              <a:ext uri="{FF2B5EF4-FFF2-40B4-BE49-F238E27FC236}">
+                <a16:creationId xmlns:a16="http://schemas.microsoft.com/office/drawing/2014/main" id="{80137D30-7541-2EA3-7F26-91B2308B6A1D}"/>
+              </a:ext>
+            </a:extLst>
+          </p:cNvPr>
+          <p:cNvPicPr>
+            <a:picLocks noChangeAspect="1"/>
+          </p:cNvPicPr>
+          <p:nvPr/>
+        </p:nvPicPr>
+        <p:blipFill>
+          <a:blip r:embed="rId5">
+            <a:extLst>
+              <a:ext uri="{28A0092B-C50C-407E-A947-70E740481C1C}">
+                <a14:useLocalDpi xmlns:a14="http://schemas.microsoft.com/office/drawing/2010/main" val="0"/>
+              </a:ext>
+            </a:extLst>
+          </a:blip>
+          <a:stretch>
+            <a:fillRect/>
+          </a:stretch>
+        </p:blipFill>
+        <p:spPr>
+          <a:xfrm>
+            <a:off x="5576454" y="1456921"/>
+            <a:ext cx="6716507" cy="4327236"/>
+          </a:xfrm>
+          <a:prstGeom prst="rect">
+            <a:avLst/>
+          </a:prstGeom>
+        </p:spPr>
+      </p:pic>
+      <p:pic>
+        <p:nvPicPr>
+          <p:cNvPr id="15" name="図 14">
+            <a:extLst>
+              <a:ext uri="{FF2B5EF4-FFF2-40B4-BE49-F238E27FC236}">
+                <a16:creationId xmlns:a16="http://schemas.microsoft.com/office/drawing/2014/main" id="{FA3DB3F2-FB41-C55E-BE41-40486804BDF9}"/>
+              </a:ext>
+            </a:extLst>
+          </p:cNvPr>
+          <p:cNvPicPr>
+            <a:picLocks noChangeAspect="1"/>
+          </p:cNvPicPr>
+          <p:nvPr/>
+        </p:nvPicPr>
+        <p:blipFill>
+          <a:blip r:embed="rId6">
+            <a:extLst>
+              <a:ext uri="{28A0092B-C50C-407E-A947-70E740481C1C}">
+                <a14:useLocalDpi xmlns:a14="http://schemas.microsoft.com/office/drawing/2010/main" val="0"/>
+              </a:ext>
+            </a:extLst>
+          </a:blip>
+          <a:stretch>
+            <a:fillRect/>
+          </a:stretch>
+        </p:blipFill>
+        <p:spPr>
+          <a:xfrm>
+            <a:off x="-69758" y="1520130"/>
+            <a:ext cx="5865707" cy="2590052"/>
+          </a:xfrm>
+          <a:prstGeom prst="rect">
+            <a:avLst/>
+          </a:prstGeom>
+        </p:spPr>
+      </p:pic>
+    </p:spTree>
+    <p:extLst>
+      <p:ext uri="{BB962C8B-B14F-4D97-AF65-F5344CB8AC3E}">
+        <p14:creationId xmlns:p14="http://schemas.microsoft.com/office/powerpoint/2010/main" val="1293587865"/>
+      </p:ext>
+    </p:extLst>
+  </p:cSld>
+  <p:clrMapOvr>
+    <a:masterClrMapping/>
+  </p:clrMapOvr>
+</p:sld>
+</file>
+
+<file path=ppt/slides/slide11.xml><?xml version="1.0" encoding="utf-8"?>
+<p:sld xmlns:a="http://schemas.openxmlformats.org/drawingml/2006/main" xmlns:r="http://schemas.openxmlformats.org/officeDocument/2006/relationships" xmlns:p="http://schemas.openxmlformats.org/presentationml/2006/main">
+  <p:cSld>
+    <p:spTree>
+      <p:nvGrpSpPr>
+        <p:cNvPr id="1" name=""/>
+        <p:cNvGrpSpPr/>
+        <p:nvPr/>
+      </p:nvGrpSpPr>
+      <p:grpSpPr>
+        <a:xfrm>
+          <a:off x="0" y="0"/>
+          <a:ext cx="0" cy="0"/>
+          <a:chOff x="0" y="0"/>
+          <a:chExt cx="0" cy="0"/>
+        </a:xfrm>
+      </p:grpSpPr>
+      <p:pic>
+        <p:nvPicPr>
+          <p:cNvPr id="5" name="コンテンツ プレースホルダー 4">
+            <a:extLst>
+              <a:ext uri="{FF2B5EF4-FFF2-40B4-BE49-F238E27FC236}">
+                <a16:creationId xmlns:a16="http://schemas.microsoft.com/office/drawing/2014/main" id="{CA4230A3-DCFB-6784-93C5-7288726716F3}"/>
+              </a:ext>
+            </a:extLst>
+          </p:cNvPr>
+          <p:cNvPicPr>
+            <a:picLocks noGrp="1" noChangeAspect="1"/>
+          </p:cNvPicPr>
+          <p:nvPr>
+            <p:ph idx="1"/>
+          </p:nvPr>
+        </p:nvPicPr>
+        <p:blipFill>
+          <a:blip r:embed="rId3">
+            <a:extLst>
+              <a:ext uri="{28A0092B-C50C-407E-A947-70E740481C1C}">
+                <a14:useLocalDpi xmlns:a14="http://schemas.microsoft.com/office/drawing/2010/main" val="0"/>
+              </a:ext>
+            </a:extLst>
+          </a:blip>
+          <a:stretch>
+            <a:fillRect/>
+          </a:stretch>
+        </p:blipFill>
+        <p:spPr>
+          <a:xfrm>
+            <a:off x="0" y="0"/>
+            <a:ext cx="12192000" cy="6858001"/>
+          </a:xfrm>
+        </p:spPr>
+      </p:pic>
+      <p:sp>
+        <p:nvSpPr>
+          <p:cNvPr id="2" name="タイトル 1">
+            <a:extLst>
+              <a:ext uri="{FF2B5EF4-FFF2-40B4-BE49-F238E27FC236}">
+                <a16:creationId xmlns:a16="http://schemas.microsoft.com/office/drawing/2014/main" id="{99A8EF4D-58F1-68B6-4B57-3BDAA4E34A6D}"/>
+              </a:ext>
+            </a:extLst>
+          </p:cNvPr>
+          <p:cNvSpPr>
+            <a:spLocks noGrp="1"/>
+          </p:cNvSpPr>
+          <p:nvPr>
+            <p:ph type="title"/>
+          </p:nvPr>
+        </p:nvSpPr>
+        <p:spPr/>
+        <p:txBody>
+          <a:bodyPr/>
+          <a:lstStyle/>
+          <a:p>
+            <a:r>
+              <a:rPr lang="en-US" dirty="0">
+                <a:solidFill>
+                  <a:schemeClr val="bg1"/>
+                </a:solidFill>
+              </a:rPr>
+              <a:t>Props</a:t>
+            </a:r>
+          </a:p>
+        </p:txBody>
+      </p:sp>
+      <p:sp>
+        <p:nvSpPr>
+          <p:cNvPr id="6" name="楕円 5">
+            <a:extLst>
+              <a:ext uri="{FF2B5EF4-FFF2-40B4-BE49-F238E27FC236}">
+                <a16:creationId xmlns:a16="http://schemas.microsoft.com/office/drawing/2014/main" id="{581C55BE-C550-F450-5FF0-5BD966A5833E}"/>
+              </a:ext>
+            </a:extLst>
+          </p:cNvPr>
+          <p:cNvSpPr/>
+          <p:nvPr/>
+        </p:nvSpPr>
+        <p:spPr>
+          <a:xfrm>
+            <a:off x="433749" y="825680"/>
+            <a:ext cx="404451" cy="404451"/>
+          </a:xfrm>
+          <a:prstGeom prst="ellipse">
+            <a:avLst/>
+          </a:prstGeom>
+          <a:solidFill>
+            <a:schemeClr val="bg1"/>
+          </a:solidFill>
+        </p:spPr>
+        <p:style>
+          <a:lnRef idx="2">
+            <a:schemeClr val="accent1">
+              <a:shade val="15000"/>
+            </a:schemeClr>
+          </a:lnRef>
+          <a:fillRef idx="1">
+            <a:schemeClr val="accent1"/>
+          </a:fillRef>
+          <a:effectRef idx="0">
+            <a:schemeClr val="accent1"/>
+          </a:effectRef>
+          <a:fontRef idx="minor">
+            <a:schemeClr val="lt1"/>
+          </a:fontRef>
+        </p:style>
+        <p:txBody>
+          <a:bodyPr rtlCol="0" anchor="ctr"/>
+          <a:lstStyle/>
+          <a:p>
+            <a:pPr algn="ctr"/>
+            <a:endParaRPr lang="en-US">
+              <a:solidFill>
+                <a:schemeClr val="bg1"/>
+              </a:solidFill>
+            </a:endParaRPr>
+          </a:p>
+        </p:txBody>
+      </p:sp>
+      <p:pic>
+        <p:nvPicPr>
+          <p:cNvPr id="13" name="Picture 4" descr="React - Wikipedia">
+            <a:extLst>
+              <a:ext uri="{FF2B5EF4-FFF2-40B4-BE49-F238E27FC236}">
+                <a16:creationId xmlns:a16="http://schemas.microsoft.com/office/drawing/2014/main" id="{2D376E7B-FD46-BD91-962D-06D65BDB3D97}"/>
+              </a:ext>
+            </a:extLst>
+          </p:cNvPr>
+          <p:cNvPicPr>
+            <a:picLocks noChangeAspect="1" noChangeArrowheads="1"/>
+          </p:cNvPicPr>
+          <p:nvPr/>
+        </p:nvPicPr>
+        <p:blipFill>
+          <a:blip r:embed="rId4">
+            <a:extLst>
+              <a:ext uri="{28A0092B-C50C-407E-A947-70E740481C1C}">
+                <a14:useLocalDpi xmlns:a14="http://schemas.microsoft.com/office/drawing/2010/main" val="0"/>
+              </a:ext>
+            </a:extLst>
+          </a:blip>
+          <a:srcRect/>
+          <a:stretch>
+            <a:fillRect/>
+          </a:stretch>
+        </p:blipFill>
+        <p:spPr bwMode="auto">
+          <a:xfrm>
+            <a:off x="5710462" y="162826"/>
+            <a:ext cx="1258958" cy="1091796"/>
+          </a:xfrm>
+          <a:prstGeom prst="rect">
+            <a:avLst/>
+          </a:prstGeom>
+          <a:noFill/>
+          <a:extLst>
+            <a:ext uri="{909E8E84-426E-40DD-AFC4-6F175D3DCCD1}">
+              <a14:hiddenFill xmlns:a14="http://schemas.microsoft.com/office/drawing/2010/main">
+                <a:solidFill>
+                  <a:srgbClr val="FFFFFF"/>
+                </a:solidFill>
+              </a14:hiddenFill>
+            </a:ext>
+          </a:extLst>
+        </p:spPr>
+      </p:pic>
+      <p:pic>
+        <p:nvPicPr>
+          <p:cNvPr id="3" name="図 2">
+            <a:extLst>
+              <a:ext uri="{FF2B5EF4-FFF2-40B4-BE49-F238E27FC236}">
+                <a16:creationId xmlns:a16="http://schemas.microsoft.com/office/drawing/2014/main" id="{F62555EB-D328-FCA6-6725-F3FC380AFC22}"/>
+              </a:ext>
+            </a:extLst>
+          </p:cNvPr>
+          <p:cNvPicPr>
+            <a:picLocks noChangeAspect="1"/>
+          </p:cNvPicPr>
+          <p:nvPr/>
+        </p:nvPicPr>
+        <p:blipFill>
+          <a:blip r:embed="rId5">
+            <a:extLst>
+              <a:ext uri="{28A0092B-C50C-407E-A947-70E740481C1C}">
+                <a14:useLocalDpi xmlns:a14="http://schemas.microsoft.com/office/drawing/2010/main" val="0"/>
+              </a:ext>
+            </a:extLst>
+          </a:blip>
+          <a:stretch>
+            <a:fillRect/>
+          </a:stretch>
+        </p:blipFill>
+        <p:spPr>
+          <a:xfrm>
+            <a:off x="-84925" y="2055811"/>
+            <a:ext cx="6424866" cy="4418683"/>
+          </a:xfrm>
+          <a:prstGeom prst="rect">
+            <a:avLst/>
+          </a:prstGeom>
+        </p:spPr>
+      </p:pic>
+      <p:pic>
+        <p:nvPicPr>
+          <p:cNvPr id="7" name="図 6">
+            <a:extLst>
+              <a:ext uri="{FF2B5EF4-FFF2-40B4-BE49-F238E27FC236}">
+                <a16:creationId xmlns:a16="http://schemas.microsoft.com/office/drawing/2014/main" id="{A52EC141-A4FD-F713-36B7-17E8E8A32DC5}"/>
+              </a:ext>
+            </a:extLst>
+          </p:cNvPr>
+          <p:cNvPicPr>
+            <a:picLocks noChangeAspect="1"/>
+          </p:cNvPicPr>
+          <p:nvPr/>
+        </p:nvPicPr>
+        <p:blipFill>
+          <a:blip r:embed="rId6">
+            <a:extLst>
+              <a:ext uri="{28A0092B-C50C-407E-A947-70E740481C1C}">
+                <a14:useLocalDpi xmlns:a14="http://schemas.microsoft.com/office/drawing/2010/main" val="0"/>
+              </a:ext>
+            </a:extLst>
+          </a:blip>
+          <a:stretch>
+            <a:fillRect/>
+          </a:stretch>
+        </p:blipFill>
+        <p:spPr>
+          <a:xfrm>
+            <a:off x="6188103" y="2116818"/>
+            <a:ext cx="6003897" cy="4663440"/>
+          </a:xfrm>
+          <a:prstGeom prst="rect">
+            <a:avLst/>
+          </a:prstGeom>
+        </p:spPr>
+      </p:pic>
+      <p:sp>
+        <p:nvSpPr>
+          <p:cNvPr id="8" name="タイトル 1">
+            <a:extLst>
+              <a:ext uri="{FF2B5EF4-FFF2-40B4-BE49-F238E27FC236}">
+                <a16:creationId xmlns:a16="http://schemas.microsoft.com/office/drawing/2014/main" id="{74301E48-F184-2FDA-624B-60D80C9CF2C8}"/>
+              </a:ext>
+            </a:extLst>
+          </p:cNvPr>
+          <p:cNvSpPr txBox="1">
+            <a:spLocks/>
+          </p:cNvSpPr>
+          <p:nvPr/>
+        </p:nvSpPr>
+        <p:spPr>
+          <a:xfrm>
+            <a:off x="2668420" y="1454985"/>
+            <a:ext cx="851263" cy="897537"/>
+          </a:xfrm>
+          <a:prstGeom prst="rect">
+            <a:avLst/>
+          </a:prstGeom>
+        </p:spPr>
+        <p:txBody>
+          <a:bodyPr vert="horz" lIns="91440" tIns="45720" rIns="91440" bIns="45720" rtlCol="0" anchor="ctr">
+            <a:normAutofit/>
+          </a:bodyPr>
+          <a:lstStyle>
+            <a:lvl1pPr algn="l" defTabSz="914400" rtl="0" eaLnBrk="1" latinLnBrk="0" hangingPunct="1">
+              <a:lnSpc>
+                <a:spcPct val="90000"/>
+              </a:lnSpc>
+              <a:spcBef>
+                <a:spcPct val="0"/>
+              </a:spcBef>
+              <a:buNone/>
+              <a:defRPr sz="4400" kern="1200">
+                <a:solidFill>
+                  <a:schemeClr val="tx1"/>
+                </a:solidFill>
+                <a:latin typeface="+mj-lt"/>
+                <a:ea typeface="+mj-ea"/>
+                <a:cs typeface="+mj-cs"/>
+              </a:defRPr>
+            </a:lvl1pPr>
+          </a:lstStyle>
+          <a:p>
+            <a:r>
+              <a:rPr lang="ja-JP" altLang="en-US" dirty="0">
+                <a:solidFill>
+                  <a:schemeClr val="bg1"/>
+                </a:solidFill>
+                <a:latin typeface="BIZ UDPゴシック" panose="020B0400000000000000" pitchFamily="50" charset="-128"/>
+                <a:ea typeface="BIZ UDPゴシック" panose="020B0400000000000000" pitchFamily="50" charset="-128"/>
+              </a:rPr>
+              <a:t>親</a:t>
+            </a:r>
+            <a:endParaRPr lang="en-US" dirty="0">
+              <a:solidFill>
+                <a:schemeClr val="bg1"/>
+              </a:solidFill>
+              <a:latin typeface="BIZ UDPゴシック" panose="020B0400000000000000" pitchFamily="50" charset="-128"/>
+              <a:ea typeface="BIZ UDPゴシック" panose="020B0400000000000000" pitchFamily="50" charset="-128"/>
+            </a:endParaRPr>
+          </a:p>
+        </p:txBody>
+      </p:sp>
+      <p:sp>
+        <p:nvSpPr>
+          <p:cNvPr id="11" name="タイトル 1">
+            <a:extLst>
+              <a:ext uri="{FF2B5EF4-FFF2-40B4-BE49-F238E27FC236}">
+                <a16:creationId xmlns:a16="http://schemas.microsoft.com/office/drawing/2014/main" id="{C9C05260-CCC4-B493-3B17-D30505122D71}"/>
+              </a:ext>
+            </a:extLst>
+          </p:cNvPr>
+          <p:cNvSpPr txBox="1">
+            <a:spLocks/>
+          </p:cNvSpPr>
+          <p:nvPr/>
+        </p:nvSpPr>
+        <p:spPr>
+          <a:xfrm>
+            <a:off x="8840339" y="1454985"/>
+            <a:ext cx="851263" cy="897537"/>
+          </a:xfrm>
+          <a:prstGeom prst="rect">
+            <a:avLst/>
+          </a:prstGeom>
+        </p:spPr>
+        <p:txBody>
+          <a:bodyPr vert="horz" lIns="91440" tIns="45720" rIns="91440" bIns="45720" rtlCol="0" anchor="ctr">
+            <a:normAutofit/>
+          </a:bodyPr>
+          <a:lstStyle>
+            <a:lvl1pPr algn="l" defTabSz="914400" rtl="0" eaLnBrk="1" latinLnBrk="0" hangingPunct="1">
+              <a:lnSpc>
+                <a:spcPct val="90000"/>
+              </a:lnSpc>
+              <a:spcBef>
+                <a:spcPct val="0"/>
+              </a:spcBef>
+              <a:buNone/>
+              <a:defRPr sz="4400" kern="1200">
+                <a:solidFill>
+                  <a:schemeClr val="tx1"/>
+                </a:solidFill>
+                <a:latin typeface="+mj-lt"/>
+                <a:ea typeface="+mj-ea"/>
+                <a:cs typeface="+mj-cs"/>
+              </a:defRPr>
+            </a:lvl1pPr>
+          </a:lstStyle>
+          <a:p>
+            <a:r>
+              <a:rPr lang="ja-JP" altLang="en-US" dirty="0">
+                <a:solidFill>
+                  <a:schemeClr val="bg1"/>
+                </a:solidFill>
+                <a:latin typeface="BIZ UDPゴシック" panose="020B0400000000000000" pitchFamily="50" charset="-128"/>
+                <a:ea typeface="BIZ UDPゴシック" panose="020B0400000000000000" pitchFamily="50" charset="-128"/>
+              </a:rPr>
+              <a:t>子</a:t>
+            </a:r>
+            <a:endParaRPr lang="en-US" dirty="0">
+              <a:solidFill>
+                <a:schemeClr val="bg1"/>
+              </a:solidFill>
+              <a:latin typeface="BIZ UDPゴシック" panose="020B0400000000000000" pitchFamily="50" charset="-128"/>
+              <a:ea typeface="BIZ UDPゴシック" panose="020B0400000000000000" pitchFamily="50" charset="-128"/>
+            </a:endParaRPr>
+          </a:p>
+        </p:txBody>
+      </p:sp>
+    </p:spTree>
+    <p:extLst>
+      <p:ext uri="{BB962C8B-B14F-4D97-AF65-F5344CB8AC3E}">
+        <p14:creationId xmlns:p14="http://schemas.microsoft.com/office/powerpoint/2010/main" val="2796115863"/>
+      </p:ext>
+    </p:extLst>
+  </p:cSld>
+  <p:clrMapOvr>
+    <a:masterClrMapping/>
+  </p:clrMapOvr>
+</p:sld>
+</file>
+
+<file path=ppt/slides/slide12.xml><?xml version="1.0" encoding="utf-8"?>
+<p:sld xmlns:a="http://schemas.openxmlformats.org/drawingml/2006/main" xmlns:r="http://schemas.openxmlformats.org/officeDocument/2006/relationships" xmlns:p="http://schemas.openxmlformats.org/presentationml/2006/main">
+  <p:cSld>
+    <p:spTree>
+      <p:nvGrpSpPr>
+        <p:cNvPr id="1" name=""/>
+        <p:cNvGrpSpPr/>
+        <p:nvPr/>
+      </p:nvGrpSpPr>
+      <p:grpSpPr>
+        <a:xfrm>
+          <a:off x="0" y="0"/>
+          <a:ext cx="0" cy="0"/>
+          <a:chOff x="0" y="0"/>
+          <a:chExt cx="0" cy="0"/>
+        </a:xfrm>
+      </p:grpSpPr>
+      <p:pic>
+        <p:nvPicPr>
+          <p:cNvPr id="5" name="コンテンツ プレースホルダー 4">
+            <a:extLst>
+              <a:ext uri="{FF2B5EF4-FFF2-40B4-BE49-F238E27FC236}">
+                <a16:creationId xmlns:a16="http://schemas.microsoft.com/office/drawing/2014/main" id="{CA4230A3-DCFB-6784-93C5-7288726716F3}"/>
+              </a:ext>
+            </a:extLst>
+          </p:cNvPr>
+          <p:cNvPicPr>
+            <a:picLocks noGrp="1" noChangeAspect="1"/>
+          </p:cNvPicPr>
+          <p:nvPr>
+            <p:ph idx="1"/>
+          </p:nvPr>
+        </p:nvPicPr>
+        <p:blipFill>
+          <a:blip r:embed="rId2">
+            <a:extLst>
+              <a:ext uri="{28A0092B-C50C-407E-A947-70E740481C1C}">
+                <a14:useLocalDpi xmlns:a14="http://schemas.microsoft.com/office/drawing/2010/main" val="0"/>
+              </a:ext>
+            </a:extLst>
+          </a:blip>
+          <a:stretch>
+            <a:fillRect/>
+          </a:stretch>
+        </p:blipFill>
+        <p:spPr>
+          <a:xfrm>
+            <a:off x="0" y="0"/>
+            <a:ext cx="12192000" cy="6858001"/>
+          </a:xfrm>
+        </p:spPr>
+      </p:pic>
+      <p:sp>
+        <p:nvSpPr>
+          <p:cNvPr id="2" name="タイトル 1">
+            <a:extLst>
+              <a:ext uri="{FF2B5EF4-FFF2-40B4-BE49-F238E27FC236}">
+                <a16:creationId xmlns:a16="http://schemas.microsoft.com/office/drawing/2014/main" id="{99A8EF4D-58F1-68B6-4B57-3BDAA4E34A6D}"/>
+              </a:ext>
+            </a:extLst>
+          </p:cNvPr>
+          <p:cNvSpPr>
+            <a:spLocks noGrp="1"/>
+          </p:cNvSpPr>
+          <p:nvPr>
+            <p:ph type="title"/>
+          </p:nvPr>
+        </p:nvSpPr>
+        <p:spPr/>
+        <p:txBody>
+          <a:bodyPr/>
+          <a:lstStyle/>
+          <a:p>
+            <a:r>
+              <a:rPr lang="en-US" dirty="0" err="1">
+                <a:solidFill>
+                  <a:schemeClr val="bg1"/>
+                </a:solidFill>
+              </a:rPr>
+              <a:t>useEffect</a:t>
+            </a:r>
+            <a:endParaRPr lang="en-US" dirty="0">
+              <a:solidFill>
+                <a:schemeClr val="bg1"/>
+              </a:solidFill>
+            </a:endParaRPr>
+          </a:p>
+        </p:txBody>
+      </p:sp>
+      <p:sp>
+        <p:nvSpPr>
+          <p:cNvPr id="6" name="楕円 5">
+            <a:extLst>
+              <a:ext uri="{FF2B5EF4-FFF2-40B4-BE49-F238E27FC236}">
+                <a16:creationId xmlns:a16="http://schemas.microsoft.com/office/drawing/2014/main" id="{581C55BE-C550-F450-5FF0-5BD966A5833E}"/>
+              </a:ext>
+            </a:extLst>
+          </p:cNvPr>
+          <p:cNvSpPr/>
+          <p:nvPr/>
+        </p:nvSpPr>
+        <p:spPr>
+          <a:xfrm>
+            <a:off x="433749" y="825680"/>
+            <a:ext cx="404451" cy="404451"/>
+          </a:xfrm>
+          <a:prstGeom prst="ellipse">
+            <a:avLst/>
+          </a:prstGeom>
+          <a:solidFill>
+            <a:schemeClr val="bg1"/>
+          </a:solidFill>
+        </p:spPr>
+        <p:style>
+          <a:lnRef idx="2">
+            <a:schemeClr val="accent1">
+              <a:shade val="15000"/>
+            </a:schemeClr>
+          </a:lnRef>
+          <a:fillRef idx="1">
+            <a:schemeClr val="accent1"/>
+          </a:fillRef>
+          <a:effectRef idx="0">
+            <a:schemeClr val="accent1"/>
+          </a:effectRef>
+          <a:fontRef idx="minor">
+            <a:schemeClr val="lt1"/>
+          </a:fontRef>
+        </p:style>
+        <p:txBody>
+          <a:bodyPr rtlCol="0" anchor="ctr"/>
+          <a:lstStyle/>
+          <a:p>
+            <a:pPr algn="ctr"/>
+            <a:endParaRPr lang="en-US">
+              <a:solidFill>
+                <a:schemeClr val="bg1"/>
+              </a:solidFill>
+            </a:endParaRPr>
+          </a:p>
+        </p:txBody>
+      </p:sp>
+      <p:sp>
+        <p:nvSpPr>
+          <p:cNvPr id="9" name="タイトル 1">
+            <a:extLst>
+              <a:ext uri="{FF2B5EF4-FFF2-40B4-BE49-F238E27FC236}">
+                <a16:creationId xmlns:a16="http://schemas.microsoft.com/office/drawing/2014/main" id="{9E94EB64-E1E0-2874-DB2A-16543E86211A}"/>
+              </a:ext>
+            </a:extLst>
+          </p:cNvPr>
+          <p:cNvSpPr txBox="1">
+            <a:spLocks/>
+          </p:cNvSpPr>
+          <p:nvPr/>
+        </p:nvSpPr>
+        <p:spPr>
+          <a:xfrm>
+            <a:off x="5260508" y="3026156"/>
+            <a:ext cx="1039091" cy="1066944"/>
+          </a:xfrm>
+          <a:prstGeom prst="rect">
+            <a:avLst/>
+          </a:prstGeom>
+        </p:spPr>
+        <p:txBody>
+          <a:bodyPr vert="horz" lIns="91440" tIns="45720" rIns="91440" bIns="45720" rtlCol="0" anchor="ctr">
+            <a:normAutofit/>
+          </a:bodyPr>
+          <a:lstStyle>
+            <a:lvl1pPr algn="l" defTabSz="914400" rtl="0" eaLnBrk="1" latinLnBrk="0" hangingPunct="1">
+              <a:lnSpc>
+                <a:spcPct val="90000"/>
+              </a:lnSpc>
+              <a:spcBef>
+                <a:spcPct val="0"/>
+              </a:spcBef>
+              <a:buNone/>
+              <a:defRPr sz="4400" kern="1200">
+                <a:solidFill>
+                  <a:schemeClr val="tx1"/>
+                </a:solidFill>
+                <a:latin typeface="+mj-lt"/>
+                <a:ea typeface="+mj-ea"/>
+                <a:cs typeface="+mj-cs"/>
+              </a:defRPr>
+            </a:lvl1pPr>
+          </a:lstStyle>
+          <a:p>
+            <a:r>
+              <a:rPr lang="en-US" dirty="0"/>
+              <a:t>👉</a:t>
+            </a:r>
+          </a:p>
+        </p:txBody>
+      </p:sp>
+      <p:pic>
+        <p:nvPicPr>
+          <p:cNvPr id="12" name="Picture 2" descr="Vue.js - Wikipedia">
+            <a:extLst>
+              <a:ext uri="{FF2B5EF4-FFF2-40B4-BE49-F238E27FC236}">
+                <a16:creationId xmlns:a16="http://schemas.microsoft.com/office/drawing/2014/main" id="{CE088F96-D9AB-B591-726E-804945A99B34}"/>
+              </a:ext>
+            </a:extLst>
+          </p:cNvPr>
+          <p:cNvPicPr>
+            <a:picLocks noChangeAspect="1" noChangeArrowheads="1"/>
+          </p:cNvPicPr>
+          <p:nvPr/>
+        </p:nvPicPr>
+        <p:blipFill>
+          <a:blip r:embed="rId3">
+            <a:extLst>
+              <a:ext uri="{28A0092B-C50C-407E-A947-70E740481C1C}">
+                <a14:useLocalDpi xmlns:a14="http://schemas.microsoft.com/office/drawing/2010/main" val="0"/>
+              </a:ext>
+            </a:extLst>
+          </a:blip>
+          <a:srcRect/>
+          <a:stretch>
+            <a:fillRect/>
+          </a:stretch>
+        </p:blipFill>
+        <p:spPr bwMode="auto">
+          <a:xfrm>
+            <a:off x="4071379" y="304280"/>
+            <a:ext cx="1182252" cy="1025236"/>
+          </a:xfrm>
+          <a:prstGeom prst="rect">
+            <a:avLst/>
+          </a:prstGeom>
+          <a:noFill/>
+          <a:extLst>
+            <a:ext uri="{909E8E84-426E-40DD-AFC4-6F175D3DCCD1}">
+              <a14:hiddenFill xmlns:a14="http://schemas.microsoft.com/office/drawing/2010/main">
+                <a:solidFill>
+                  <a:srgbClr val="FFFFFF"/>
+                </a:solidFill>
+              </a14:hiddenFill>
+            </a:ext>
+          </a:extLst>
+        </p:spPr>
+      </p:pic>
+      <p:pic>
+        <p:nvPicPr>
+          <p:cNvPr id="13" name="Picture 4" descr="React - Wikipedia">
+            <a:extLst>
+              <a:ext uri="{FF2B5EF4-FFF2-40B4-BE49-F238E27FC236}">
+                <a16:creationId xmlns:a16="http://schemas.microsoft.com/office/drawing/2014/main" id="{2D376E7B-FD46-BD91-962D-06D65BDB3D97}"/>
+              </a:ext>
+            </a:extLst>
+          </p:cNvPr>
+          <p:cNvPicPr>
+            <a:picLocks noChangeAspect="1" noChangeArrowheads="1"/>
+          </p:cNvPicPr>
+          <p:nvPr/>
+        </p:nvPicPr>
+        <p:blipFill>
+          <a:blip r:embed="rId4">
+            <a:extLst>
+              <a:ext uri="{28A0092B-C50C-407E-A947-70E740481C1C}">
+                <a14:useLocalDpi xmlns:a14="http://schemas.microsoft.com/office/drawing/2010/main" val="0"/>
+              </a:ext>
+            </a:extLst>
+          </a:blip>
+          <a:srcRect/>
+          <a:stretch>
+            <a:fillRect/>
+          </a:stretch>
+        </p:blipFill>
+        <p:spPr bwMode="auto">
+          <a:xfrm>
+            <a:off x="6938371" y="271000"/>
+            <a:ext cx="1258958" cy="1091796"/>
+          </a:xfrm>
+          <a:prstGeom prst="rect">
+            <a:avLst/>
+          </a:prstGeom>
+          <a:noFill/>
+          <a:extLst>
+            <a:ext uri="{909E8E84-426E-40DD-AFC4-6F175D3DCCD1}">
+              <a14:hiddenFill xmlns:a14="http://schemas.microsoft.com/office/drawing/2010/main">
+                <a:solidFill>
+                  <a:srgbClr val="FFFFFF"/>
+                </a:solidFill>
+              </a14:hiddenFill>
+            </a:ext>
+          </a:extLst>
+        </p:spPr>
+      </p:pic>
+      <p:pic>
+        <p:nvPicPr>
+          <p:cNvPr id="4" name="図 3">
+            <a:extLst>
+              <a:ext uri="{FF2B5EF4-FFF2-40B4-BE49-F238E27FC236}">
+                <a16:creationId xmlns:a16="http://schemas.microsoft.com/office/drawing/2014/main" id="{4B8024AE-81A5-31D9-BFFB-29733B03E645}"/>
+              </a:ext>
+            </a:extLst>
+          </p:cNvPr>
+          <p:cNvPicPr>
+            <a:picLocks noChangeAspect="1"/>
+          </p:cNvPicPr>
+          <p:nvPr/>
+        </p:nvPicPr>
+        <p:blipFill>
+          <a:blip r:embed="rId5">
+            <a:extLst>
+              <a:ext uri="{28A0092B-C50C-407E-A947-70E740481C1C}">
+                <a14:useLocalDpi xmlns:a14="http://schemas.microsoft.com/office/drawing/2010/main" val="0"/>
+              </a:ext>
+            </a:extLst>
+          </a:blip>
+          <a:stretch>
+            <a:fillRect/>
+          </a:stretch>
+        </p:blipFill>
+        <p:spPr>
+          <a:xfrm>
+            <a:off x="5989666" y="1230131"/>
+            <a:ext cx="6344639" cy="5035954"/>
+          </a:xfrm>
+          <a:prstGeom prst="rect">
+            <a:avLst/>
+          </a:prstGeom>
+        </p:spPr>
+      </p:pic>
+      <p:pic>
+        <p:nvPicPr>
+          <p:cNvPr id="8" name="図 7">
+            <a:extLst>
+              <a:ext uri="{FF2B5EF4-FFF2-40B4-BE49-F238E27FC236}">
+                <a16:creationId xmlns:a16="http://schemas.microsoft.com/office/drawing/2014/main" id="{D53DA9C7-F55B-7740-AD25-2B919911B40F}"/>
+              </a:ext>
+            </a:extLst>
+          </p:cNvPr>
+          <p:cNvPicPr>
+            <a:picLocks noChangeAspect="1"/>
+          </p:cNvPicPr>
+          <p:nvPr/>
+        </p:nvPicPr>
+        <p:blipFill>
+          <a:blip r:embed="rId6">
+            <a:extLst>
+              <a:ext uri="{28A0092B-C50C-407E-A947-70E740481C1C}">
+                <a14:useLocalDpi xmlns:a14="http://schemas.microsoft.com/office/drawing/2010/main" val="0"/>
+              </a:ext>
+            </a:extLst>
+          </a:blip>
+          <a:stretch>
+            <a:fillRect/>
+          </a:stretch>
+        </p:blipFill>
+        <p:spPr>
+          <a:xfrm>
+            <a:off x="421808" y="1390361"/>
+            <a:ext cx="4419600" cy="4533900"/>
+          </a:xfrm>
+          <a:prstGeom prst="rect">
+            <a:avLst/>
+          </a:prstGeom>
+        </p:spPr>
+      </p:pic>
     </p:spTree>
     <p:extLst>
       <p:ext uri="{BB962C8B-B14F-4D97-AF65-F5344CB8AC3E}">
         <p14:creationId xmlns:p14="http://schemas.microsoft.com/office/powerpoint/2010/main" val="4031082857"/>
+      </p:ext>
+    </p:extLst>
+  </p:cSld>
+  <p:clrMapOvr>
+    <a:masterClrMapping/>
+  </p:clrMapOvr>
+</p:sld>
+</file>
+
+<file path=ppt/slides/slide13.xml><?xml version="1.0" encoding="utf-8"?>
+<p:sld xmlns:a="http://schemas.openxmlformats.org/drawingml/2006/main" xmlns:r="http://schemas.openxmlformats.org/officeDocument/2006/relationships" xmlns:p="http://schemas.openxmlformats.org/presentationml/2006/main">
+  <p:cSld>
+    <p:spTree>
+      <p:nvGrpSpPr>
+        <p:cNvPr id="1" name=""/>
+        <p:cNvGrpSpPr/>
+        <p:nvPr/>
+      </p:nvGrpSpPr>
+      <p:grpSpPr>
+        <a:xfrm>
+          <a:off x="0" y="0"/>
+          <a:ext cx="0" cy="0"/>
+          <a:chOff x="0" y="0"/>
+          <a:chExt cx="0" cy="0"/>
+        </a:xfrm>
+      </p:grpSpPr>
+      <p:pic>
+        <p:nvPicPr>
+          <p:cNvPr id="5" name="コンテンツ プレースホルダー 4">
+            <a:extLst>
+              <a:ext uri="{FF2B5EF4-FFF2-40B4-BE49-F238E27FC236}">
+                <a16:creationId xmlns:a16="http://schemas.microsoft.com/office/drawing/2014/main" id="{CA4230A3-DCFB-6784-93C5-7288726716F3}"/>
+              </a:ext>
+            </a:extLst>
+          </p:cNvPr>
+          <p:cNvPicPr>
+            <a:picLocks noGrp="1" noChangeAspect="1"/>
+          </p:cNvPicPr>
+          <p:nvPr>
+            <p:ph idx="1"/>
+          </p:nvPr>
+        </p:nvPicPr>
+        <p:blipFill>
+          <a:blip r:embed="rId2">
+            <a:extLst>
+              <a:ext uri="{28A0092B-C50C-407E-A947-70E740481C1C}">
+                <a14:useLocalDpi xmlns:a14="http://schemas.microsoft.com/office/drawing/2010/main" val="0"/>
+              </a:ext>
+            </a:extLst>
+          </a:blip>
+          <a:stretch>
+            <a:fillRect/>
+          </a:stretch>
+        </p:blipFill>
+        <p:spPr>
+          <a:xfrm>
+            <a:off x="0" y="0"/>
+            <a:ext cx="12192000" cy="6858001"/>
+          </a:xfrm>
+        </p:spPr>
+      </p:pic>
+      <p:sp>
+        <p:nvSpPr>
+          <p:cNvPr id="2" name="タイトル 1">
+            <a:extLst>
+              <a:ext uri="{FF2B5EF4-FFF2-40B4-BE49-F238E27FC236}">
+                <a16:creationId xmlns:a16="http://schemas.microsoft.com/office/drawing/2014/main" id="{99A8EF4D-58F1-68B6-4B57-3BDAA4E34A6D}"/>
+              </a:ext>
+            </a:extLst>
+          </p:cNvPr>
+          <p:cNvSpPr>
+            <a:spLocks noGrp="1"/>
+          </p:cNvSpPr>
+          <p:nvPr>
+            <p:ph type="title"/>
+          </p:nvPr>
+        </p:nvSpPr>
+        <p:spPr/>
+        <p:txBody>
+          <a:bodyPr/>
+          <a:lstStyle/>
+          <a:p>
+            <a:r>
+              <a:rPr lang="en-US" altLang="ja-JP" dirty="0" err="1">
+                <a:solidFill>
+                  <a:schemeClr val="bg1"/>
+                </a:solidFill>
+              </a:rPr>
+              <a:t>useEffect</a:t>
+            </a:r>
+            <a:endParaRPr lang="en-US" dirty="0">
+              <a:solidFill>
+                <a:schemeClr val="bg1"/>
+              </a:solidFill>
+            </a:endParaRPr>
+          </a:p>
+        </p:txBody>
+      </p:sp>
+      <p:sp>
+        <p:nvSpPr>
+          <p:cNvPr id="6" name="楕円 5">
+            <a:extLst>
+              <a:ext uri="{FF2B5EF4-FFF2-40B4-BE49-F238E27FC236}">
+                <a16:creationId xmlns:a16="http://schemas.microsoft.com/office/drawing/2014/main" id="{581C55BE-C550-F450-5FF0-5BD966A5833E}"/>
+              </a:ext>
+            </a:extLst>
+          </p:cNvPr>
+          <p:cNvSpPr/>
+          <p:nvPr/>
+        </p:nvSpPr>
+        <p:spPr>
+          <a:xfrm>
+            <a:off x="433749" y="825680"/>
+            <a:ext cx="404451" cy="404451"/>
+          </a:xfrm>
+          <a:prstGeom prst="ellipse">
+            <a:avLst/>
+          </a:prstGeom>
+          <a:solidFill>
+            <a:schemeClr val="bg1"/>
+          </a:solidFill>
+        </p:spPr>
+        <p:style>
+          <a:lnRef idx="2">
+            <a:schemeClr val="accent1">
+              <a:shade val="15000"/>
+            </a:schemeClr>
+          </a:lnRef>
+          <a:fillRef idx="1">
+            <a:schemeClr val="accent1"/>
+          </a:fillRef>
+          <a:effectRef idx="0">
+            <a:schemeClr val="accent1"/>
+          </a:effectRef>
+          <a:fontRef idx="minor">
+            <a:schemeClr val="lt1"/>
+          </a:fontRef>
+        </p:style>
+        <p:txBody>
+          <a:bodyPr rtlCol="0" anchor="ctr"/>
+          <a:lstStyle/>
+          <a:p>
+            <a:pPr algn="ctr"/>
+            <a:endParaRPr lang="en-US">
+              <a:solidFill>
+                <a:schemeClr val="bg1"/>
+              </a:solidFill>
+            </a:endParaRPr>
+          </a:p>
+        </p:txBody>
+      </p:sp>
+      <p:pic>
+        <p:nvPicPr>
+          <p:cNvPr id="13" name="Picture 4" descr="React - Wikipedia">
+            <a:extLst>
+              <a:ext uri="{FF2B5EF4-FFF2-40B4-BE49-F238E27FC236}">
+                <a16:creationId xmlns:a16="http://schemas.microsoft.com/office/drawing/2014/main" id="{2D376E7B-FD46-BD91-962D-06D65BDB3D97}"/>
+              </a:ext>
+            </a:extLst>
+          </p:cNvPr>
+          <p:cNvPicPr>
+            <a:picLocks noChangeAspect="1" noChangeArrowheads="1"/>
+          </p:cNvPicPr>
+          <p:nvPr/>
+        </p:nvPicPr>
+        <p:blipFill>
+          <a:blip r:embed="rId3">
+            <a:extLst>
+              <a:ext uri="{28A0092B-C50C-407E-A947-70E740481C1C}">
+                <a14:useLocalDpi xmlns:a14="http://schemas.microsoft.com/office/drawing/2010/main" val="0"/>
+              </a:ext>
+            </a:extLst>
+          </a:blip>
+          <a:srcRect/>
+          <a:stretch>
+            <a:fillRect/>
+          </a:stretch>
+        </p:blipFill>
+        <p:spPr bwMode="auto">
+          <a:xfrm>
+            <a:off x="5257617" y="279782"/>
+            <a:ext cx="1258958" cy="1091796"/>
+          </a:xfrm>
+          <a:prstGeom prst="rect">
+            <a:avLst/>
+          </a:prstGeom>
+          <a:noFill/>
+          <a:extLst>
+            <a:ext uri="{909E8E84-426E-40DD-AFC4-6F175D3DCCD1}">
+              <a14:hiddenFill xmlns:a14="http://schemas.microsoft.com/office/drawing/2010/main">
+                <a:solidFill>
+                  <a:srgbClr val="FFFFFF"/>
+                </a:solidFill>
+              </a14:hiddenFill>
+            </a:ext>
+          </a:extLst>
+        </p:spPr>
+      </p:pic>
+      <p:pic>
+        <p:nvPicPr>
+          <p:cNvPr id="4" name="図 3">
+            <a:extLst>
+              <a:ext uri="{FF2B5EF4-FFF2-40B4-BE49-F238E27FC236}">
+                <a16:creationId xmlns:a16="http://schemas.microsoft.com/office/drawing/2014/main" id="{B4544228-0FC7-9AFE-A68F-BD7D1D8ABB28}"/>
+              </a:ext>
+            </a:extLst>
+          </p:cNvPr>
+          <p:cNvPicPr>
+            <a:picLocks noChangeAspect="1"/>
+          </p:cNvPicPr>
+          <p:nvPr/>
+        </p:nvPicPr>
+        <p:blipFill>
+          <a:blip r:embed="rId4">
+            <a:extLst>
+              <a:ext uri="{28A0092B-C50C-407E-A947-70E740481C1C}">
+                <a14:useLocalDpi xmlns:a14="http://schemas.microsoft.com/office/drawing/2010/main" val="0"/>
+              </a:ext>
+            </a:extLst>
+          </a:blip>
+          <a:stretch>
+            <a:fillRect/>
+          </a:stretch>
+        </p:blipFill>
+        <p:spPr>
+          <a:xfrm>
+            <a:off x="2534193" y="1329620"/>
+            <a:ext cx="6988199" cy="5163255"/>
+          </a:xfrm>
+          <a:prstGeom prst="rect">
+            <a:avLst/>
+          </a:prstGeom>
+        </p:spPr>
+      </p:pic>
+    </p:spTree>
+    <p:extLst>
+      <p:ext uri="{BB962C8B-B14F-4D97-AF65-F5344CB8AC3E}">
+        <p14:creationId xmlns:p14="http://schemas.microsoft.com/office/powerpoint/2010/main" val="1163861837"/>
+      </p:ext>
+    </p:extLst>
+  </p:cSld>
+  <p:clrMapOvr>
+    <a:masterClrMapping/>
+  </p:clrMapOvr>
+</p:sld>
+</file>
+
+<file path=ppt/slides/slide14.xml><?xml version="1.0" encoding="utf-8"?>
+<p:sld xmlns:a="http://schemas.openxmlformats.org/drawingml/2006/main" xmlns:r="http://schemas.openxmlformats.org/officeDocument/2006/relationships" xmlns:p="http://schemas.openxmlformats.org/presentationml/2006/main">
+  <p:cSld>
+    <p:spTree>
+      <p:nvGrpSpPr>
+        <p:cNvPr id="1" name=""/>
+        <p:cNvGrpSpPr/>
+        <p:nvPr/>
+      </p:nvGrpSpPr>
+      <p:grpSpPr>
+        <a:xfrm>
+          <a:off x="0" y="0"/>
+          <a:ext cx="0" cy="0"/>
+          <a:chOff x="0" y="0"/>
+          <a:chExt cx="0" cy="0"/>
+        </a:xfrm>
+      </p:grpSpPr>
+      <p:pic>
+        <p:nvPicPr>
+          <p:cNvPr id="5" name="コンテンツ プレースホルダー 4">
+            <a:extLst>
+              <a:ext uri="{FF2B5EF4-FFF2-40B4-BE49-F238E27FC236}">
+                <a16:creationId xmlns:a16="http://schemas.microsoft.com/office/drawing/2014/main" id="{CA4230A3-DCFB-6784-93C5-7288726716F3}"/>
+              </a:ext>
+            </a:extLst>
+          </p:cNvPr>
+          <p:cNvPicPr>
+            <a:picLocks noGrp="1" noChangeAspect="1"/>
+          </p:cNvPicPr>
+          <p:nvPr>
+            <p:ph idx="1"/>
+          </p:nvPr>
+        </p:nvPicPr>
+        <p:blipFill>
+          <a:blip r:embed="rId2">
+            <a:extLst>
+              <a:ext uri="{28A0092B-C50C-407E-A947-70E740481C1C}">
+                <a14:useLocalDpi xmlns:a14="http://schemas.microsoft.com/office/drawing/2010/main" val="0"/>
+              </a:ext>
+            </a:extLst>
+          </a:blip>
+          <a:stretch>
+            <a:fillRect/>
+          </a:stretch>
+        </p:blipFill>
+        <p:spPr>
+          <a:xfrm>
+            <a:off x="0" y="0"/>
+            <a:ext cx="12192000" cy="6858001"/>
+          </a:xfrm>
+        </p:spPr>
+      </p:pic>
+      <p:sp>
+        <p:nvSpPr>
+          <p:cNvPr id="2" name="タイトル 1">
+            <a:extLst>
+              <a:ext uri="{FF2B5EF4-FFF2-40B4-BE49-F238E27FC236}">
+                <a16:creationId xmlns:a16="http://schemas.microsoft.com/office/drawing/2014/main" id="{99A8EF4D-58F1-68B6-4B57-3BDAA4E34A6D}"/>
+              </a:ext>
+            </a:extLst>
+          </p:cNvPr>
+          <p:cNvSpPr>
+            <a:spLocks noGrp="1"/>
+          </p:cNvSpPr>
+          <p:nvPr>
+            <p:ph type="title"/>
+          </p:nvPr>
+        </p:nvSpPr>
+        <p:spPr/>
+        <p:txBody>
+          <a:bodyPr/>
+          <a:lstStyle/>
+          <a:p>
+            <a:r>
+              <a:rPr lang="en-US" dirty="0">
+                <a:solidFill>
+                  <a:schemeClr val="bg1"/>
+                </a:solidFill>
+              </a:rPr>
+              <a:t>module.css</a:t>
+            </a:r>
+          </a:p>
+        </p:txBody>
+      </p:sp>
+      <p:sp>
+        <p:nvSpPr>
+          <p:cNvPr id="6" name="楕円 5">
+            <a:extLst>
+              <a:ext uri="{FF2B5EF4-FFF2-40B4-BE49-F238E27FC236}">
+                <a16:creationId xmlns:a16="http://schemas.microsoft.com/office/drawing/2014/main" id="{581C55BE-C550-F450-5FF0-5BD966A5833E}"/>
+              </a:ext>
+            </a:extLst>
+          </p:cNvPr>
+          <p:cNvSpPr/>
+          <p:nvPr/>
+        </p:nvSpPr>
+        <p:spPr>
+          <a:xfrm>
+            <a:off x="433749" y="825680"/>
+            <a:ext cx="404451" cy="404451"/>
+          </a:xfrm>
+          <a:prstGeom prst="ellipse">
+            <a:avLst/>
+          </a:prstGeom>
+          <a:solidFill>
+            <a:schemeClr val="bg1"/>
+          </a:solidFill>
+        </p:spPr>
+        <p:style>
+          <a:lnRef idx="2">
+            <a:schemeClr val="accent1">
+              <a:shade val="15000"/>
+            </a:schemeClr>
+          </a:lnRef>
+          <a:fillRef idx="1">
+            <a:schemeClr val="accent1"/>
+          </a:fillRef>
+          <a:effectRef idx="0">
+            <a:schemeClr val="accent1"/>
+          </a:effectRef>
+          <a:fontRef idx="minor">
+            <a:schemeClr val="lt1"/>
+          </a:fontRef>
+        </p:style>
+        <p:txBody>
+          <a:bodyPr rtlCol="0" anchor="ctr"/>
+          <a:lstStyle/>
+          <a:p>
+            <a:pPr algn="ctr"/>
+            <a:endParaRPr lang="en-US">
+              <a:solidFill>
+                <a:schemeClr val="bg1"/>
+              </a:solidFill>
+            </a:endParaRPr>
+          </a:p>
+        </p:txBody>
+      </p:sp>
+      <p:pic>
+        <p:nvPicPr>
+          <p:cNvPr id="13" name="Picture 4" descr="React - Wikipedia">
+            <a:extLst>
+              <a:ext uri="{FF2B5EF4-FFF2-40B4-BE49-F238E27FC236}">
+                <a16:creationId xmlns:a16="http://schemas.microsoft.com/office/drawing/2014/main" id="{2D376E7B-FD46-BD91-962D-06D65BDB3D97}"/>
+              </a:ext>
+            </a:extLst>
+          </p:cNvPr>
+          <p:cNvPicPr>
+            <a:picLocks noChangeAspect="1" noChangeArrowheads="1"/>
+          </p:cNvPicPr>
+          <p:nvPr/>
+        </p:nvPicPr>
+        <p:blipFill>
+          <a:blip r:embed="rId3">
+            <a:extLst>
+              <a:ext uri="{28A0092B-C50C-407E-A947-70E740481C1C}">
+                <a14:useLocalDpi xmlns:a14="http://schemas.microsoft.com/office/drawing/2010/main" val="0"/>
+              </a:ext>
+            </a:extLst>
+          </a:blip>
+          <a:srcRect/>
+          <a:stretch>
+            <a:fillRect/>
+          </a:stretch>
+        </p:blipFill>
+        <p:spPr bwMode="auto">
+          <a:xfrm>
+            <a:off x="5719171" y="279782"/>
+            <a:ext cx="1258958" cy="1091796"/>
+          </a:xfrm>
+          <a:prstGeom prst="rect">
+            <a:avLst/>
+          </a:prstGeom>
+          <a:noFill/>
+          <a:extLst>
+            <a:ext uri="{909E8E84-426E-40DD-AFC4-6F175D3DCCD1}">
+              <a14:hiddenFill xmlns:a14="http://schemas.microsoft.com/office/drawing/2010/main">
+                <a:solidFill>
+                  <a:srgbClr val="FFFFFF"/>
+                </a:solidFill>
+              </a14:hiddenFill>
+            </a:ext>
+          </a:extLst>
+        </p:spPr>
+      </p:pic>
+      <p:pic>
+        <p:nvPicPr>
+          <p:cNvPr id="4" name="図 3">
+            <a:extLst>
+              <a:ext uri="{FF2B5EF4-FFF2-40B4-BE49-F238E27FC236}">
+                <a16:creationId xmlns:a16="http://schemas.microsoft.com/office/drawing/2014/main" id="{8391D676-645B-87B8-188E-F1E93D75D0DB}"/>
+              </a:ext>
+            </a:extLst>
+          </p:cNvPr>
+          <p:cNvPicPr>
+            <a:picLocks noChangeAspect="1"/>
+          </p:cNvPicPr>
+          <p:nvPr/>
+        </p:nvPicPr>
+        <p:blipFill>
+          <a:blip r:embed="rId4">
+            <a:extLst>
+              <a:ext uri="{28A0092B-C50C-407E-A947-70E740481C1C}">
+                <a14:useLocalDpi xmlns:a14="http://schemas.microsoft.com/office/drawing/2010/main" val="0"/>
+              </a:ext>
+            </a:extLst>
+          </a:blip>
+          <a:stretch>
+            <a:fillRect/>
+          </a:stretch>
+        </p:blipFill>
+        <p:spPr>
+          <a:xfrm>
+            <a:off x="210322" y="1456921"/>
+            <a:ext cx="6682081" cy="4171155"/>
+          </a:xfrm>
+          <a:prstGeom prst="rect">
+            <a:avLst/>
+          </a:prstGeom>
+        </p:spPr>
+      </p:pic>
+      <p:pic>
+        <p:nvPicPr>
+          <p:cNvPr id="11" name="図 10">
+            <a:extLst>
+              <a:ext uri="{FF2B5EF4-FFF2-40B4-BE49-F238E27FC236}">
+                <a16:creationId xmlns:a16="http://schemas.microsoft.com/office/drawing/2014/main" id="{EC517DFF-5038-13C2-8210-9C8018C8072D}"/>
+              </a:ext>
+            </a:extLst>
+          </p:cNvPr>
+          <p:cNvPicPr>
+            <a:picLocks noChangeAspect="1"/>
+          </p:cNvPicPr>
+          <p:nvPr/>
+        </p:nvPicPr>
+        <p:blipFill>
+          <a:blip r:embed="rId5">
+            <a:extLst>
+              <a:ext uri="{28A0092B-C50C-407E-A947-70E740481C1C}">
+                <a14:useLocalDpi xmlns:a14="http://schemas.microsoft.com/office/drawing/2010/main" val="0"/>
+              </a:ext>
+            </a:extLst>
+          </a:blip>
+          <a:stretch>
+            <a:fillRect/>
+          </a:stretch>
+        </p:blipFill>
+        <p:spPr>
+          <a:xfrm>
+            <a:off x="7191375" y="2900627"/>
+            <a:ext cx="4505325" cy="3128698"/>
+          </a:xfrm>
+          <a:prstGeom prst="rect">
+            <a:avLst/>
+          </a:prstGeom>
+        </p:spPr>
+      </p:pic>
+      <p:sp>
+        <p:nvSpPr>
+          <p:cNvPr id="9" name="矢印: 下 8">
+            <a:extLst>
+              <a:ext uri="{FF2B5EF4-FFF2-40B4-BE49-F238E27FC236}">
+                <a16:creationId xmlns:a16="http://schemas.microsoft.com/office/drawing/2014/main" id="{99EB731C-06AD-E0EC-1D7D-BA70983F04BD}"/>
+              </a:ext>
+            </a:extLst>
+          </p:cNvPr>
+          <p:cNvSpPr/>
+          <p:nvPr/>
+        </p:nvSpPr>
+        <p:spPr>
+          <a:xfrm rot="16773538">
+            <a:off x="6904128" y="3182423"/>
+            <a:ext cx="275524" cy="2183844"/>
+          </a:xfrm>
+          <a:prstGeom prst="downArrow">
+            <a:avLst/>
+          </a:prstGeom>
+          <a:solidFill>
+            <a:schemeClr val="bg1"/>
+          </a:solidFill>
+        </p:spPr>
+        <p:style>
+          <a:lnRef idx="2">
+            <a:schemeClr val="accent4">
+              <a:shade val="15000"/>
+            </a:schemeClr>
+          </a:lnRef>
+          <a:fillRef idx="1">
+            <a:schemeClr val="accent4"/>
+          </a:fillRef>
+          <a:effectRef idx="0">
+            <a:schemeClr val="accent4"/>
+          </a:effectRef>
+          <a:fontRef idx="minor">
+            <a:schemeClr val="lt1"/>
+          </a:fontRef>
+        </p:style>
+        <p:txBody>
+          <a:bodyPr rtlCol="0" anchor="ctr"/>
+          <a:lstStyle/>
+          <a:p>
+            <a:pPr algn="ctr"/>
+            <a:endParaRPr lang="en-US"/>
+          </a:p>
+        </p:txBody>
+      </p:sp>
+      <p:sp>
+        <p:nvSpPr>
+          <p:cNvPr id="12" name="矢印: 下 11">
+            <a:extLst>
+              <a:ext uri="{FF2B5EF4-FFF2-40B4-BE49-F238E27FC236}">
+                <a16:creationId xmlns:a16="http://schemas.microsoft.com/office/drawing/2014/main" id="{291EA91B-95EE-6129-11FF-58778F29A505}"/>
+              </a:ext>
+            </a:extLst>
+          </p:cNvPr>
+          <p:cNvSpPr/>
+          <p:nvPr/>
+        </p:nvSpPr>
+        <p:spPr>
+          <a:xfrm rot="4745075">
+            <a:off x="6084768" y="2033853"/>
+            <a:ext cx="275524" cy="972130"/>
+          </a:xfrm>
+          <a:prstGeom prst="downArrow">
+            <a:avLst/>
+          </a:prstGeom>
+          <a:solidFill>
+            <a:schemeClr val="bg1"/>
+          </a:solidFill>
+        </p:spPr>
+        <p:style>
+          <a:lnRef idx="2">
+            <a:schemeClr val="accent4">
+              <a:shade val="15000"/>
+            </a:schemeClr>
+          </a:lnRef>
+          <a:fillRef idx="1">
+            <a:schemeClr val="accent4"/>
+          </a:fillRef>
+          <a:effectRef idx="0">
+            <a:schemeClr val="accent4"/>
+          </a:effectRef>
+          <a:fontRef idx="minor">
+            <a:schemeClr val="lt1"/>
+          </a:fontRef>
+        </p:style>
+        <p:txBody>
+          <a:bodyPr rtlCol="0" anchor="ctr"/>
+          <a:lstStyle/>
+          <a:p>
+            <a:pPr algn="ctr"/>
+            <a:endParaRPr lang="en-US"/>
+          </a:p>
+        </p:txBody>
+      </p:sp>
+      <p:sp>
+        <p:nvSpPr>
+          <p:cNvPr id="14" name="タイトル 1">
+            <a:extLst>
+              <a:ext uri="{FF2B5EF4-FFF2-40B4-BE49-F238E27FC236}">
+                <a16:creationId xmlns:a16="http://schemas.microsoft.com/office/drawing/2014/main" id="{8751FFE6-08B3-7BDE-031D-83B9C85D3E3B}"/>
+              </a:ext>
+            </a:extLst>
+          </p:cNvPr>
+          <p:cNvSpPr txBox="1">
+            <a:spLocks/>
+          </p:cNvSpPr>
+          <p:nvPr/>
+        </p:nvSpPr>
+        <p:spPr>
+          <a:xfrm>
+            <a:off x="6892402" y="1818204"/>
+            <a:ext cx="5089275" cy="1082424"/>
+          </a:xfrm>
+          <a:prstGeom prst="rect">
+            <a:avLst/>
+          </a:prstGeom>
+        </p:spPr>
+        <p:txBody>
+          <a:bodyPr vert="horz" lIns="91440" tIns="45720" rIns="91440" bIns="45720" rtlCol="0" anchor="ctr">
+            <a:normAutofit/>
+          </a:bodyPr>
+          <a:lstStyle>
+            <a:lvl1pPr algn="l" defTabSz="914400" rtl="0" eaLnBrk="1" latinLnBrk="0" hangingPunct="1">
+              <a:lnSpc>
+                <a:spcPct val="90000"/>
+              </a:lnSpc>
+              <a:spcBef>
+                <a:spcPct val="0"/>
+              </a:spcBef>
+              <a:buNone/>
+              <a:defRPr sz="4400" kern="1200">
+                <a:solidFill>
+                  <a:schemeClr val="tx1"/>
+                </a:solidFill>
+                <a:latin typeface="+mj-lt"/>
+                <a:ea typeface="+mj-ea"/>
+                <a:cs typeface="+mj-cs"/>
+              </a:defRPr>
+            </a:lvl1pPr>
+          </a:lstStyle>
+          <a:p>
+            <a:r>
+              <a:rPr lang="en-US" sz="2800" dirty="0">
+                <a:solidFill>
+                  <a:schemeClr val="bg1"/>
+                </a:solidFill>
+                <a:latin typeface="+mn-ea"/>
+                <a:ea typeface="+mn-ea"/>
+              </a:rPr>
+              <a:t>CSS</a:t>
+            </a:r>
+            <a:r>
+              <a:rPr lang="ja-JP" altLang="en-US" sz="2800" dirty="0">
+                <a:solidFill>
+                  <a:schemeClr val="bg1"/>
+                </a:solidFill>
+                <a:latin typeface="+mn-ea"/>
+                <a:ea typeface="+mn-ea"/>
+              </a:rPr>
+              <a:t>のファイルを指定</a:t>
+            </a:r>
+            <a:endParaRPr lang="en-US" sz="2800" dirty="0">
+              <a:solidFill>
+                <a:schemeClr val="bg1"/>
+              </a:solidFill>
+              <a:latin typeface="+mn-ea"/>
+              <a:ea typeface="+mn-ea"/>
+            </a:endParaRPr>
+          </a:p>
+        </p:txBody>
+      </p:sp>
+    </p:spTree>
+    <p:extLst>
+      <p:ext uri="{BB962C8B-B14F-4D97-AF65-F5344CB8AC3E}">
+        <p14:creationId xmlns:p14="http://schemas.microsoft.com/office/powerpoint/2010/main" val="1314718048"/>
+      </p:ext>
+    </p:extLst>
+  </p:cSld>
+  <p:clrMapOvr>
+    <a:masterClrMapping/>
+  </p:clrMapOvr>
+</p:sld>
+</file>
+
+<file path=ppt/slides/slide15.xml><?xml version="1.0" encoding="utf-8"?>
+<p:sld xmlns:a="http://schemas.openxmlformats.org/drawingml/2006/main" xmlns:r="http://schemas.openxmlformats.org/officeDocument/2006/relationships" xmlns:p="http://schemas.openxmlformats.org/presentationml/2006/main">
+  <p:cSld>
+    <p:spTree>
+      <p:nvGrpSpPr>
+        <p:cNvPr id="1" name=""/>
+        <p:cNvGrpSpPr/>
+        <p:nvPr/>
+      </p:nvGrpSpPr>
+      <p:grpSpPr>
+        <a:xfrm>
+          <a:off x="0" y="0"/>
+          <a:ext cx="0" cy="0"/>
+          <a:chOff x="0" y="0"/>
+          <a:chExt cx="0" cy="0"/>
+        </a:xfrm>
+      </p:grpSpPr>
+      <p:pic>
+        <p:nvPicPr>
+          <p:cNvPr id="5" name="コンテンツ プレースホルダー 4">
+            <a:extLst>
+              <a:ext uri="{FF2B5EF4-FFF2-40B4-BE49-F238E27FC236}">
+                <a16:creationId xmlns:a16="http://schemas.microsoft.com/office/drawing/2014/main" id="{CA4230A3-DCFB-6784-93C5-7288726716F3}"/>
+              </a:ext>
+            </a:extLst>
+          </p:cNvPr>
+          <p:cNvPicPr>
+            <a:picLocks noGrp="1" noChangeAspect="1"/>
+          </p:cNvPicPr>
+          <p:nvPr>
+            <p:ph idx="1"/>
+          </p:nvPr>
+        </p:nvPicPr>
+        <p:blipFill>
+          <a:blip r:embed="rId2">
+            <a:extLst>
+              <a:ext uri="{28A0092B-C50C-407E-A947-70E740481C1C}">
+                <a14:useLocalDpi xmlns:a14="http://schemas.microsoft.com/office/drawing/2010/main" val="0"/>
+              </a:ext>
+            </a:extLst>
+          </a:blip>
+          <a:stretch>
+            <a:fillRect/>
+          </a:stretch>
+        </p:blipFill>
+        <p:spPr>
+          <a:xfrm>
+            <a:off x="0" y="0"/>
+            <a:ext cx="12192000" cy="6858001"/>
+          </a:xfrm>
+        </p:spPr>
+      </p:pic>
+      <p:sp>
+        <p:nvSpPr>
+          <p:cNvPr id="2" name="タイトル 1">
+            <a:extLst>
+              <a:ext uri="{FF2B5EF4-FFF2-40B4-BE49-F238E27FC236}">
+                <a16:creationId xmlns:a16="http://schemas.microsoft.com/office/drawing/2014/main" id="{99A8EF4D-58F1-68B6-4B57-3BDAA4E34A6D}"/>
+              </a:ext>
+            </a:extLst>
+          </p:cNvPr>
+          <p:cNvSpPr>
+            <a:spLocks noGrp="1"/>
+          </p:cNvSpPr>
+          <p:nvPr>
+            <p:ph type="title"/>
+          </p:nvPr>
+        </p:nvSpPr>
+        <p:spPr/>
+        <p:txBody>
+          <a:bodyPr/>
+          <a:lstStyle/>
+          <a:p>
+            <a:r>
+              <a:rPr lang="ja-JP" altLang="en-US" dirty="0">
+                <a:solidFill>
+                  <a:schemeClr val="bg1"/>
+                </a:solidFill>
+              </a:rPr>
+              <a:t>条件付きレンダリング</a:t>
+            </a:r>
+            <a:endParaRPr lang="en-US" dirty="0">
+              <a:solidFill>
+                <a:schemeClr val="bg1"/>
+              </a:solidFill>
+            </a:endParaRPr>
+          </a:p>
+        </p:txBody>
+      </p:sp>
+      <p:sp>
+        <p:nvSpPr>
+          <p:cNvPr id="6" name="楕円 5">
+            <a:extLst>
+              <a:ext uri="{FF2B5EF4-FFF2-40B4-BE49-F238E27FC236}">
+                <a16:creationId xmlns:a16="http://schemas.microsoft.com/office/drawing/2014/main" id="{581C55BE-C550-F450-5FF0-5BD966A5833E}"/>
+              </a:ext>
+            </a:extLst>
+          </p:cNvPr>
+          <p:cNvSpPr/>
+          <p:nvPr/>
+        </p:nvSpPr>
+        <p:spPr>
+          <a:xfrm>
+            <a:off x="433749" y="825680"/>
+            <a:ext cx="404451" cy="404451"/>
+          </a:xfrm>
+          <a:prstGeom prst="ellipse">
+            <a:avLst/>
+          </a:prstGeom>
+          <a:solidFill>
+            <a:schemeClr val="bg1"/>
+          </a:solidFill>
+        </p:spPr>
+        <p:style>
+          <a:lnRef idx="2">
+            <a:schemeClr val="accent1">
+              <a:shade val="15000"/>
+            </a:schemeClr>
+          </a:lnRef>
+          <a:fillRef idx="1">
+            <a:schemeClr val="accent1"/>
+          </a:fillRef>
+          <a:effectRef idx="0">
+            <a:schemeClr val="accent1"/>
+          </a:effectRef>
+          <a:fontRef idx="minor">
+            <a:schemeClr val="lt1"/>
+          </a:fontRef>
+        </p:style>
+        <p:txBody>
+          <a:bodyPr rtlCol="0" anchor="ctr"/>
+          <a:lstStyle/>
+          <a:p>
+            <a:pPr algn="ctr"/>
+            <a:endParaRPr lang="en-US">
+              <a:solidFill>
+                <a:schemeClr val="bg1"/>
+              </a:solidFill>
+            </a:endParaRPr>
+          </a:p>
+        </p:txBody>
+      </p:sp>
+      <p:pic>
+        <p:nvPicPr>
+          <p:cNvPr id="13" name="Picture 4" descr="React - Wikipedia">
+            <a:extLst>
+              <a:ext uri="{FF2B5EF4-FFF2-40B4-BE49-F238E27FC236}">
+                <a16:creationId xmlns:a16="http://schemas.microsoft.com/office/drawing/2014/main" id="{2D376E7B-FD46-BD91-962D-06D65BDB3D97}"/>
+              </a:ext>
+            </a:extLst>
+          </p:cNvPr>
+          <p:cNvPicPr>
+            <a:picLocks noChangeAspect="1" noChangeArrowheads="1"/>
+          </p:cNvPicPr>
+          <p:nvPr/>
+        </p:nvPicPr>
+        <p:blipFill>
+          <a:blip r:embed="rId3">
+            <a:extLst>
+              <a:ext uri="{28A0092B-C50C-407E-A947-70E740481C1C}">
+                <a14:useLocalDpi xmlns:a14="http://schemas.microsoft.com/office/drawing/2010/main" val="0"/>
+              </a:ext>
+            </a:extLst>
+          </a:blip>
+          <a:srcRect/>
+          <a:stretch>
+            <a:fillRect/>
+          </a:stretch>
+        </p:blipFill>
+        <p:spPr bwMode="auto">
+          <a:xfrm>
+            <a:off x="7338421" y="365125"/>
+            <a:ext cx="1258958" cy="1091796"/>
+          </a:xfrm>
+          <a:prstGeom prst="rect">
+            <a:avLst/>
+          </a:prstGeom>
+          <a:noFill/>
+          <a:extLst>
+            <a:ext uri="{909E8E84-426E-40DD-AFC4-6F175D3DCCD1}">
+              <a14:hiddenFill xmlns:a14="http://schemas.microsoft.com/office/drawing/2010/main">
+                <a:solidFill>
+                  <a:srgbClr val="FFFFFF"/>
+                </a:solidFill>
+              </a14:hiddenFill>
+            </a:ext>
+          </a:extLst>
+        </p:spPr>
+      </p:pic>
+      <p:pic>
+        <p:nvPicPr>
+          <p:cNvPr id="8" name="図 7">
+            <a:extLst>
+              <a:ext uri="{FF2B5EF4-FFF2-40B4-BE49-F238E27FC236}">
+                <a16:creationId xmlns:a16="http://schemas.microsoft.com/office/drawing/2014/main" id="{FAA1D0B3-3AC1-D9CF-98E0-7BBDB138EC80}"/>
+              </a:ext>
+            </a:extLst>
+          </p:cNvPr>
+          <p:cNvPicPr>
+            <a:picLocks noChangeAspect="1"/>
+          </p:cNvPicPr>
+          <p:nvPr/>
+        </p:nvPicPr>
+        <p:blipFill>
+          <a:blip r:embed="rId4">
+            <a:extLst>
+              <a:ext uri="{28A0092B-C50C-407E-A947-70E740481C1C}">
+                <a14:useLocalDpi xmlns:a14="http://schemas.microsoft.com/office/drawing/2010/main" val="0"/>
+              </a:ext>
+            </a:extLst>
+          </a:blip>
+          <a:stretch>
+            <a:fillRect/>
+          </a:stretch>
+        </p:blipFill>
+        <p:spPr>
+          <a:xfrm>
+            <a:off x="1671637" y="1129505"/>
+            <a:ext cx="8848725" cy="5899150"/>
+          </a:xfrm>
+          <a:prstGeom prst="rect">
+            <a:avLst/>
+          </a:prstGeom>
+        </p:spPr>
+      </p:pic>
+      <p:sp>
+        <p:nvSpPr>
+          <p:cNvPr id="10" name="四角形: 角を丸くする 9">
+            <a:extLst>
+              <a:ext uri="{FF2B5EF4-FFF2-40B4-BE49-F238E27FC236}">
+                <a16:creationId xmlns:a16="http://schemas.microsoft.com/office/drawing/2014/main" id="{5B08A9BF-92FD-BFA9-F6BE-4371FDDA3C67}"/>
+              </a:ext>
+            </a:extLst>
+          </p:cNvPr>
+          <p:cNvSpPr/>
+          <p:nvPr/>
+        </p:nvSpPr>
+        <p:spPr>
+          <a:xfrm>
+            <a:off x="3124200" y="4533900"/>
+            <a:ext cx="4343400" cy="466725"/>
+          </a:xfrm>
+          <a:prstGeom prst="roundRect">
+            <a:avLst/>
+          </a:prstGeom>
+          <a:noFill/>
+          <a:ln w="19050">
+            <a:solidFill>
+              <a:srgbClr val="FF0000"/>
+            </a:solidFill>
+          </a:ln>
+        </p:spPr>
+        <p:style>
+          <a:lnRef idx="2">
+            <a:schemeClr val="accent1">
+              <a:shade val="15000"/>
+            </a:schemeClr>
+          </a:lnRef>
+          <a:fillRef idx="1">
+            <a:schemeClr val="accent1"/>
+          </a:fillRef>
+          <a:effectRef idx="0">
+            <a:schemeClr val="accent1"/>
+          </a:effectRef>
+          <a:fontRef idx="minor">
+            <a:schemeClr val="lt1"/>
+          </a:fontRef>
+        </p:style>
+        <p:txBody>
+          <a:bodyPr rtlCol="0" anchor="ctr"/>
+          <a:lstStyle/>
+          <a:p>
+            <a:pPr algn="ctr"/>
+            <a:endParaRPr lang="en-US">
+              <a:noFill/>
+            </a:endParaRPr>
+          </a:p>
+        </p:txBody>
+      </p:sp>
+    </p:spTree>
+    <p:extLst>
+      <p:ext uri="{BB962C8B-B14F-4D97-AF65-F5344CB8AC3E}">
+        <p14:creationId xmlns:p14="http://schemas.microsoft.com/office/powerpoint/2010/main" val="2853569152"/>
+      </p:ext>
+    </p:extLst>
+  </p:cSld>
+  <p:clrMapOvr>
+    <a:masterClrMapping/>
+  </p:clrMapOvr>
+</p:sld>
+</file>
+
+<file path=ppt/slides/slide16.xml><?xml version="1.0" encoding="utf-8"?>
+<p:sld xmlns:a="http://schemas.openxmlformats.org/drawingml/2006/main" xmlns:r="http://schemas.openxmlformats.org/officeDocument/2006/relationships" xmlns:p="http://schemas.openxmlformats.org/presentationml/2006/main">
+  <p:cSld>
+    <p:spTree>
+      <p:nvGrpSpPr>
+        <p:cNvPr id="1" name=""/>
+        <p:cNvGrpSpPr/>
+        <p:nvPr/>
+      </p:nvGrpSpPr>
+      <p:grpSpPr>
+        <a:xfrm>
+          <a:off x="0" y="0"/>
+          <a:ext cx="0" cy="0"/>
+          <a:chOff x="0" y="0"/>
+          <a:chExt cx="0" cy="0"/>
+        </a:xfrm>
+      </p:grpSpPr>
+      <p:pic>
+        <p:nvPicPr>
+          <p:cNvPr id="5" name="コンテンツ プレースホルダー 4">
+            <a:extLst>
+              <a:ext uri="{FF2B5EF4-FFF2-40B4-BE49-F238E27FC236}">
+                <a16:creationId xmlns:a16="http://schemas.microsoft.com/office/drawing/2014/main" id="{CA4230A3-DCFB-6784-93C5-7288726716F3}"/>
+              </a:ext>
+            </a:extLst>
+          </p:cNvPr>
+          <p:cNvPicPr>
+            <a:picLocks noGrp="1" noChangeAspect="1"/>
+          </p:cNvPicPr>
+          <p:nvPr>
+            <p:ph idx="1"/>
+          </p:nvPr>
+        </p:nvPicPr>
+        <p:blipFill>
+          <a:blip r:embed="rId2">
+            <a:extLst>
+              <a:ext uri="{28A0092B-C50C-407E-A947-70E740481C1C}">
+                <a14:useLocalDpi xmlns:a14="http://schemas.microsoft.com/office/drawing/2010/main" val="0"/>
+              </a:ext>
+            </a:extLst>
+          </a:blip>
+          <a:stretch>
+            <a:fillRect/>
+          </a:stretch>
+        </p:blipFill>
+        <p:spPr>
+          <a:xfrm>
+            <a:off x="0" y="0"/>
+            <a:ext cx="12192000" cy="6858001"/>
+          </a:xfrm>
+        </p:spPr>
+      </p:pic>
+      <p:sp>
+        <p:nvSpPr>
+          <p:cNvPr id="2" name="タイトル 1">
+            <a:extLst>
+              <a:ext uri="{FF2B5EF4-FFF2-40B4-BE49-F238E27FC236}">
+                <a16:creationId xmlns:a16="http://schemas.microsoft.com/office/drawing/2014/main" id="{99A8EF4D-58F1-68B6-4B57-3BDAA4E34A6D}"/>
+              </a:ext>
+            </a:extLst>
+          </p:cNvPr>
+          <p:cNvSpPr>
+            <a:spLocks noGrp="1"/>
+          </p:cNvSpPr>
+          <p:nvPr>
+            <p:ph type="title"/>
+          </p:nvPr>
+        </p:nvSpPr>
+        <p:spPr/>
+        <p:txBody>
+          <a:bodyPr/>
+          <a:lstStyle/>
+          <a:p>
+            <a:r>
+              <a:rPr lang="ja-JP" altLang="en-US" dirty="0">
+                <a:solidFill>
+                  <a:schemeClr val="bg1"/>
+                </a:solidFill>
+              </a:rPr>
+              <a:t>条件付きレンダリング</a:t>
+            </a:r>
+            <a:endParaRPr lang="en-US" dirty="0">
+              <a:solidFill>
+                <a:schemeClr val="bg1"/>
+              </a:solidFill>
+            </a:endParaRPr>
+          </a:p>
+        </p:txBody>
+      </p:sp>
+      <p:sp>
+        <p:nvSpPr>
+          <p:cNvPr id="6" name="楕円 5">
+            <a:extLst>
+              <a:ext uri="{FF2B5EF4-FFF2-40B4-BE49-F238E27FC236}">
+                <a16:creationId xmlns:a16="http://schemas.microsoft.com/office/drawing/2014/main" id="{581C55BE-C550-F450-5FF0-5BD966A5833E}"/>
+              </a:ext>
+            </a:extLst>
+          </p:cNvPr>
+          <p:cNvSpPr/>
+          <p:nvPr/>
+        </p:nvSpPr>
+        <p:spPr>
+          <a:xfrm>
+            <a:off x="433749" y="825680"/>
+            <a:ext cx="404451" cy="404451"/>
+          </a:xfrm>
+          <a:prstGeom prst="ellipse">
+            <a:avLst/>
+          </a:prstGeom>
+          <a:solidFill>
+            <a:schemeClr val="bg1"/>
+          </a:solidFill>
+        </p:spPr>
+        <p:style>
+          <a:lnRef idx="2">
+            <a:schemeClr val="accent1">
+              <a:shade val="15000"/>
+            </a:schemeClr>
+          </a:lnRef>
+          <a:fillRef idx="1">
+            <a:schemeClr val="accent1"/>
+          </a:fillRef>
+          <a:effectRef idx="0">
+            <a:schemeClr val="accent1"/>
+          </a:effectRef>
+          <a:fontRef idx="minor">
+            <a:schemeClr val="lt1"/>
+          </a:fontRef>
+        </p:style>
+        <p:txBody>
+          <a:bodyPr rtlCol="0" anchor="ctr"/>
+          <a:lstStyle/>
+          <a:p>
+            <a:pPr algn="ctr"/>
+            <a:endParaRPr lang="en-US">
+              <a:solidFill>
+                <a:schemeClr val="bg1"/>
+              </a:solidFill>
+            </a:endParaRPr>
+          </a:p>
+        </p:txBody>
+      </p:sp>
+      <p:pic>
+        <p:nvPicPr>
+          <p:cNvPr id="13" name="Picture 4" descr="React - Wikipedia">
+            <a:extLst>
+              <a:ext uri="{FF2B5EF4-FFF2-40B4-BE49-F238E27FC236}">
+                <a16:creationId xmlns:a16="http://schemas.microsoft.com/office/drawing/2014/main" id="{2D376E7B-FD46-BD91-962D-06D65BDB3D97}"/>
+              </a:ext>
+            </a:extLst>
+          </p:cNvPr>
+          <p:cNvPicPr>
+            <a:picLocks noChangeAspect="1" noChangeArrowheads="1"/>
+          </p:cNvPicPr>
+          <p:nvPr/>
+        </p:nvPicPr>
+        <p:blipFill>
+          <a:blip r:embed="rId3">
+            <a:extLst>
+              <a:ext uri="{28A0092B-C50C-407E-A947-70E740481C1C}">
+                <a14:useLocalDpi xmlns:a14="http://schemas.microsoft.com/office/drawing/2010/main" val="0"/>
+              </a:ext>
+            </a:extLst>
+          </a:blip>
+          <a:srcRect/>
+          <a:stretch>
+            <a:fillRect/>
+          </a:stretch>
+        </p:blipFill>
+        <p:spPr bwMode="auto">
+          <a:xfrm>
+            <a:off x="7681321" y="390705"/>
+            <a:ext cx="1258958" cy="1091796"/>
+          </a:xfrm>
+          <a:prstGeom prst="rect">
+            <a:avLst/>
+          </a:prstGeom>
+          <a:noFill/>
+          <a:extLst>
+            <a:ext uri="{909E8E84-426E-40DD-AFC4-6F175D3DCCD1}">
+              <a14:hiddenFill xmlns:a14="http://schemas.microsoft.com/office/drawing/2010/main">
+                <a:solidFill>
+                  <a:srgbClr val="FFFFFF"/>
+                </a:solidFill>
+              </a14:hiddenFill>
+            </a:ext>
+          </a:extLst>
+        </p:spPr>
+      </p:pic>
+      <p:pic>
+        <p:nvPicPr>
+          <p:cNvPr id="4" name="図 3">
+            <a:extLst>
+              <a:ext uri="{FF2B5EF4-FFF2-40B4-BE49-F238E27FC236}">
+                <a16:creationId xmlns:a16="http://schemas.microsoft.com/office/drawing/2014/main" id="{8F4113C2-5377-2F1E-AE3E-DD69CBD41C75}"/>
+              </a:ext>
+            </a:extLst>
+          </p:cNvPr>
+          <p:cNvPicPr>
+            <a:picLocks noChangeAspect="1"/>
+          </p:cNvPicPr>
+          <p:nvPr/>
+        </p:nvPicPr>
+        <p:blipFill>
+          <a:blip r:embed="rId4">
+            <a:extLst>
+              <a:ext uri="{28A0092B-C50C-407E-A947-70E740481C1C}">
+                <a14:useLocalDpi xmlns:a14="http://schemas.microsoft.com/office/drawing/2010/main" val="0"/>
+              </a:ext>
+            </a:extLst>
+          </a:blip>
+          <a:stretch>
+            <a:fillRect/>
+          </a:stretch>
+        </p:blipFill>
+        <p:spPr>
+          <a:xfrm>
+            <a:off x="1676400" y="1230131"/>
+            <a:ext cx="8608621" cy="5751694"/>
+          </a:xfrm>
+          <a:prstGeom prst="rect">
+            <a:avLst/>
+          </a:prstGeom>
+        </p:spPr>
+      </p:pic>
+    </p:spTree>
+    <p:extLst>
+      <p:ext uri="{BB962C8B-B14F-4D97-AF65-F5344CB8AC3E}">
+        <p14:creationId xmlns:p14="http://schemas.microsoft.com/office/powerpoint/2010/main" val="2839110241"/>
+      </p:ext>
+    </p:extLst>
+  </p:cSld>
+  <p:clrMapOvr>
+    <a:masterClrMapping/>
+  </p:clrMapOvr>
+</p:sld>
+</file>
+
+<file path=ppt/slides/slide17.xml><?xml version="1.0" encoding="utf-8"?>
+<p:sld xmlns:a="http://schemas.openxmlformats.org/drawingml/2006/main" xmlns:r="http://schemas.openxmlformats.org/officeDocument/2006/relationships" xmlns:p="http://schemas.openxmlformats.org/presentationml/2006/main">
+  <p:cSld>
+    <p:spTree>
+      <p:nvGrpSpPr>
+        <p:cNvPr id="1" name=""/>
+        <p:cNvGrpSpPr/>
+        <p:nvPr/>
+      </p:nvGrpSpPr>
+      <p:grpSpPr>
+        <a:xfrm>
+          <a:off x="0" y="0"/>
+          <a:ext cx="0" cy="0"/>
+          <a:chOff x="0" y="0"/>
+          <a:chExt cx="0" cy="0"/>
+        </a:xfrm>
+      </p:grpSpPr>
+      <p:pic>
+        <p:nvPicPr>
+          <p:cNvPr id="5" name="コンテンツ プレースホルダー 4">
+            <a:extLst>
+              <a:ext uri="{FF2B5EF4-FFF2-40B4-BE49-F238E27FC236}">
+                <a16:creationId xmlns:a16="http://schemas.microsoft.com/office/drawing/2014/main" id="{CA4230A3-DCFB-6784-93C5-7288726716F3}"/>
+              </a:ext>
+            </a:extLst>
+          </p:cNvPr>
+          <p:cNvPicPr>
+            <a:picLocks noGrp="1" noChangeAspect="1"/>
+          </p:cNvPicPr>
+          <p:nvPr>
+            <p:ph idx="1"/>
+          </p:nvPr>
+        </p:nvPicPr>
+        <p:blipFill>
+          <a:blip r:embed="rId2">
+            <a:extLst>
+              <a:ext uri="{28A0092B-C50C-407E-A947-70E740481C1C}">
+                <a14:useLocalDpi xmlns:a14="http://schemas.microsoft.com/office/drawing/2010/main" val="0"/>
+              </a:ext>
+            </a:extLst>
+          </a:blip>
+          <a:stretch>
+            <a:fillRect/>
+          </a:stretch>
+        </p:blipFill>
+        <p:spPr>
+          <a:xfrm>
+            <a:off x="0" y="0"/>
+            <a:ext cx="12192000" cy="6858001"/>
+          </a:xfrm>
+        </p:spPr>
+      </p:pic>
+      <p:sp>
+        <p:nvSpPr>
+          <p:cNvPr id="2" name="タイトル 1">
+            <a:extLst>
+              <a:ext uri="{FF2B5EF4-FFF2-40B4-BE49-F238E27FC236}">
+                <a16:creationId xmlns:a16="http://schemas.microsoft.com/office/drawing/2014/main" id="{99A8EF4D-58F1-68B6-4B57-3BDAA4E34A6D}"/>
+              </a:ext>
+            </a:extLst>
+          </p:cNvPr>
+          <p:cNvSpPr>
+            <a:spLocks noGrp="1"/>
+          </p:cNvSpPr>
+          <p:nvPr>
+            <p:ph type="title"/>
+          </p:nvPr>
+        </p:nvSpPr>
+        <p:spPr/>
+        <p:txBody>
+          <a:bodyPr/>
+          <a:lstStyle/>
+          <a:p>
+            <a:r>
+              <a:rPr lang="en-US" dirty="0" err="1">
+                <a:solidFill>
+                  <a:schemeClr val="bg1"/>
+                </a:solidFill>
+              </a:rPr>
+              <a:t>onClick</a:t>
+            </a:r>
+            <a:endParaRPr lang="en-US" dirty="0">
+              <a:solidFill>
+                <a:schemeClr val="bg1"/>
+              </a:solidFill>
+            </a:endParaRPr>
+          </a:p>
+        </p:txBody>
+      </p:sp>
+      <p:sp>
+        <p:nvSpPr>
+          <p:cNvPr id="6" name="楕円 5">
+            <a:extLst>
+              <a:ext uri="{FF2B5EF4-FFF2-40B4-BE49-F238E27FC236}">
+                <a16:creationId xmlns:a16="http://schemas.microsoft.com/office/drawing/2014/main" id="{581C55BE-C550-F450-5FF0-5BD966A5833E}"/>
+              </a:ext>
+            </a:extLst>
+          </p:cNvPr>
+          <p:cNvSpPr/>
+          <p:nvPr/>
+        </p:nvSpPr>
+        <p:spPr>
+          <a:xfrm>
+            <a:off x="433749" y="825680"/>
+            <a:ext cx="404451" cy="404451"/>
+          </a:xfrm>
+          <a:prstGeom prst="ellipse">
+            <a:avLst/>
+          </a:prstGeom>
+          <a:solidFill>
+            <a:schemeClr val="bg1"/>
+          </a:solidFill>
+        </p:spPr>
+        <p:style>
+          <a:lnRef idx="2">
+            <a:schemeClr val="accent1">
+              <a:shade val="15000"/>
+            </a:schemeClr>
+          </a:lnRef>
+          <a:fillRef idx="1">
+            <a:schemeClr val="accent1"/>
+          </a:fillRef>
+          <a:effectRef idx="0">
+            <a:schemeClr val="accent1"/>
+          </a:effectRef>
+          <a:fontRef idx="minor">
+            <a:schemeClr val="lt1"/>
+          </a:fontRef>
+        </p:style>
+        <p:txBody>
+          <a:bodyPr rtlCol="0" anchor="ctr"/>
+          <a:lstStyle/>
+          <a:p>
+            <a:pPr algn="ctr"/>
+            <a:endParaRPr lang="en-US">
+              <a:solidFill>
+                <a:schemeClr val="bg1"/>
+              </a:solidFill>
+            </a:endParaRPr>
+          </a:p>
+        </p:txBody>
+      </p:sp>
+      <p:pic>
+        <p:nvPicPr>
+          <p:cNvPr id="13" name="Picture 4" descr="React - Wikipedia">
+            <a:extLst>
+              <a:ext uri="{FF2B5EF4-FFF2-40B4-BE49-F238E27FC236}">
+                <a16:creationId xmlns:a16="http://schemas.microsoft.com/office/drawing/2014/main" id="{2D376E7B-FD46-BD91-962D-06D65BDB3D97}"/>
+              </a:ext>
+            </a:extLst>
+          </p:cNvPr>
+          <p:cNvPicPr>
+            <a:picLocks noChangeAspect="1" noChangeArrowheads="1"/>
+          </p:cNvPicPr>
+          <p:nvPr/>
+        </p:nvPicPr>
+        <p:blipFill>
+          <a:blip r:embed="rId3">
+            <a:extLst>
+              <a:ext uri="{28A0092B-C50C-407E-A947-70E740481C1C}">
+                <a14:useLocalDpi xmlns:a14="http://schemas.microsoft.com/office/drawing/2010/main" val="0"/>
+              </a:ext>
+            </a:extLst>
+          </a:blip>
+          <a:srcRect/>
+          <a:stretch>
+            <a:fillRect/>
+          </a:stretch>
+        </p:blipFill>
+        <p:spPr bwMode="auto">
+          <a:xfrm>
+            <a:off x="5719171" y="279782"/>
+            <a:ext cx="1258958" cy="1091796"/>
+          </a:xfrm>
+          <a:prstGeom prst="rect">
+            <a:avLst/>
+          </a:prstGeom>
+          <a:noFill/>
+          <a:extLst>
+            <a:ext uri="{909E8E84-426E-40DD-AFC4-6F175D3DCCD1}">
+              <a14:hiddenFill xmlns:a14="http://schemas.microsoft.com/office/drawing/2010/main">
+                <a:solidFill>
+                  <a:srgbClr val="FFFFFF"/>
+                </a:solidFill>
+              </a14:hiddenFill>
+            </a:ext>
+          </a:extLst>
+        </p:spPr>
+      </p:pic>
+      <p:pic>
+        <p:nvPicPr>
+          <p:cNvPr id="4" name="図 3">
+            <a:extLst>
+              <a:ext uri="{FF2B5EF4-FFF2-40B4-BE49-F238E27FC236}">
+                <a16:creationId xmlns:a16="http://schemas.microsoft.com/office/drawing/2014/main" id="{25E268DE-6E8B-5E25-4967-03A1A320B2C7}"/>
+              </a:ext>
+            </a:extLst>
+          </p:cNvPr>
+          <p:cNvPicPr>
+            <a:picLocks noChangeAspect="1"/>
+          </p:cNvPicPr>
+          <p:nvPr/>
+        </p:nvPicPr>
+        <p:blipFill>
+          <a:blip r:embed="rId4">
+            <a:extLst>
+              <a:ext uri="{28A0092B-C50C-407E-A947-70E740481C1C}">
+                <a14:useLocalDpi xmlns:a14="http://schemas.microsoft.com/office/drawing/2010/main" val="0"/>
+              </a:ext>
+            </a:extLst>
+          </a:blip>
+          <a:stretch>
+            <a:fillRect/>
+          </a:stretch>
+        </p:blipFill>
+        <p:spPr>
+          <a:xfrm>
+            <a:off x="3015357" y="1115703"/>
+            <a:ext cx="6161285" cy="5827641"/>
+          </a:xfrm>
+          <a:prstGeom prst="rect">
+            <a:avLst/>
+          </a:prstGeom>
+        </p:spPr>
+      </p:pic>
+    </p:spTree>
+    <p:extLst>
+      <p:ext uri="{BB962C8B-B14F-4D97-AF65-F5344CB8AC3E}">
+        <p14:creationId xmlns:p14="http://schemas.microsoft.com/office/powerpoint/2010/main" val="1719306341"/>
+      </p:ext>
+    </p:extLst>
+  </p:cSld>
+  <p:clrMapOvr>
+    <a:masterClrMapping/>
+  </p:clrMapOvr>
+</p:sld>
+</file>
+
+<file path=ppt/slides/slide18.xml><?xml version="1.0" encoding="utf-8"?>
+<p:sld xmlns:a="http://schemas.openxmlformats.org/drawingml/2006/main" xmlns:r="http://schemas.openxmlformats.org/officeDocument/2006/relationships" xmlns:p="http://schemas.openxmlformats.org/presentationml/2006/main">
+  <p:cSld>
+    <p:spTree>
+      <p:nvGrpSpPr>
+        <p:cNvPr id="1" name=""/>
+        <p:cNvGrpSpPr/>
+        <p:nvPr/>
+      </p:nvGrpSpPr>
+      <p:grpSpPr>
+        <a:xfrm>
+          <a:off x="0" y="0"/>
+          <a:ext cx="0" cy="0"/>
+          <a:chOff x="0" y="0"/>
+          <a:chExt cx="0" cy="0"/>
+        </a:xfrm>
+      </p:grpSpPr>
+      <p:pic>
+        <p:nvPicPr>
+          <p:cNvPr id="5" name="コンテンツ プレースホルダー 4">
+            <a:extLst>
+              <a:ext uri="{FF2B5EF4-FFF2-40B4-BE49-F238E27FC236}">
+                <a16:creationId xmlns:a16="http://schemas.microsoft.com/office/drawing/2014/main" id="{CA4230A3-DCFB-6784-93C5-7288726716F3}"/>
+              </a:ext>
+            </a:extLst>
+          </p:cNvPr>
+          <p:cNvPicPr>
+            <a:picLocks noGrp="1" noChangeAspect="1"/>
+          </p:cNvPicPr>
+          <p:nvPr>
+            <p:ph idx="1"/>
+          </p:nvPr>
+        </p:nvPicPr>
+        <p:blipFill>
+          <a:blip r:embed="rId2">
+            <a:extLst>
+              <a:ext uri="{28A0092B-C50C-407E-A947-70E740481C1C}">
+                <a14:useLocalDpi xmlns:a14="http://schemas.microsoft.com/office/drawing/2010/main" val="0"/>
+              </a:ext>
+            </a:extLst>
+          </a:blip>
+          <a:stretch>
+            <a:fillRect/>
+          </a:stretch>
+        </p:blipFill>
+        <p:spPr>
+          <a:xfrm>
+            <a:off x="0" y="0"/>
+            <a:ext cx="12192000" cy="6858001"/>
+          </a:xfrm>
+        </p:spPr>
+      </p:pic>
+      <p:sp>
+        <p:nvSpPr>
+          <p:cNvPr id="2" name="タイトル 1">
+            <a:extLst>
+              <a:ext uri="{FF2B5EF4-FFF2-40B4-BE49-F238E27FC236}">
+                <a16:creationId xmlns:a16="http://schemas.microsoft.com/office/drawing/2014/main" id="{99A8EF4D-58F1-68B6-4B57-3BDAA4E34A6D}"/>
+              </a:ext>
+            </a:extLst>
+          </p:cNvPr>
+          <p:cNvSpPr>
+            <a:spLocks noGrp="1"/>
+          </p:cNvSpPr>
+          <p:nvPr>
+            <p:ph type="title"/>
+          </p:nvPr>
+        </p:nvSpPr>
+        <p:spPr/>
+        <p:txBody>
+          <a:bodyPr/>
+          <a:lstStyle/>
+          <a:p>
+            <a:r>
+              <a:rPr lang="en-US" dirty="0" err="1">
+                <a:solidFill>
+                  <a:schemeClr val="bg1"/>
+                </a:solidFill>
+              </a:rPr>
+              <a:t>onClick</a:t>
+            </a:r>
+            <a:endParaRPr lang="en-US" dirty="0">
+              <a:solidFill>
+                <a:schemeClr val="bg1"/>
+              </a:solidFill>
+            </a:endParaRPr>
+          </a:p>
+        </p:txBody>
+      </p:sp>
+      <p:sp>
+        <p:nvSpPr>
+          <p:cNvPr id="6" name="楕円 5">
+            <a:extLst>
+              <a:ext uri="{FF2B5EF4-FFF2-40B4-BE49-F238E27FC236}">
+                <a16:creationId xmlns:a16="http://schemas.microsoft.com/office/drawing/2014/main" id="{581C55BE-C550-F450-5FF0-5BD966A5833E}"/>
+              </a:ext>
+            </a:extLst>
+          </p:cNvPr>
+          <p:cNvSpPr/>
+          <p:nvPr/>
+        </p:nvSpPr>
+        <p:spPr>
+          <a:xfrm>
+            <a:off x="433749" y="825680"/>
+            <a:ext cx="404451" cy="404451"/>
+          </a:xfrm>
+          <a:prstGeom prst="ellipse">
+            <a:avLst/>
+          </a:prstGeom>
+          <a:solidFill>
+            <a:schemeClr val="bg1"/>
+          </a:solidFill>
+        </p:spPr>
+        <p:style>
+          <a:lnRef idx="2">
+            <a:schemeClr val="accent1">
+              <a:shade val="15000"/>
+            </a:schemeClr>
+          </a:lnRef>
+          <a:fillRef idx="1">
+            <a:schemeClr val="accent1"/>
+          </a:fillRef>
+          <a:effectRef idx="0">
+            <a:schemeClr val="accent1"/>
+          </a:effectRef>
+          <a:fontRef idx="minor">
+            <a:schemeClr val="lt1"/>
+          </a:fontRef>
+        </p:style>
+        <p:txBody>
+          <a:bodyPr rtlCol="0" anchor="ctr"/>
+          <a:lstStyle/>
+          <a:p>
+            <a:pPr algn="ctr"/>
+            <a:endParaRPr lang="en-US">
+              <a:solidFill>
+                <a:schemeClr val="bg1"/>
+              </a:solidFill>
+            </a:endParaRPr>
+          </a:p>
+        </p:txBody>
+      </p:sp>
+      <p:pic>
+        <p:nvPicPr>
+          <p:cNvPr id="13" name="Picture 4" descr="React - Wikipedia">
+            <a:extLst>
+              <a:ext uri="{FF2B5EF4-FFF2-40B4-BE49-F238E27FC236}">
+                <a16:creationId xmlns:a16="http://schemas.microsoft.com/office/drawing/2014/main" id="{2D376E7B-FD46-BD91-962D-06D65BDB3D97}"/>
+              </a:ext>
+            </a:extLst>
+          </p:cNvPr>
+          <p:cNvPicPr>
+            <a:picLocks noChangeAspect="1" noChangeArrowheads="1"/>
+          </p:cNvPicPr>
+          <p:nvPr/>
+        </p:nvPicPr>
+        <p:blipFill>
+          <a:blip r:embed="rId3">
+            <a:extLst>
+              <a:ext uri="{28A0092B-C50C-407E-A947-70E740481C1C}">
+                <a14:useLocalDpi xmlns:a14="http://schemas.microsoft.com/office/drawing/2010/main" val="0"/>
+              </a:ext>
+            </a:extLst>
+          </a:blip>
+          <a:srcRect/>
+          <a:stretch>
+            <a:fillRect/>
+          </a:stretch>
+        </p:blipFill>
+        <p:spPr bwMode="auto">
+          <a:xfrm>
+            <a:off x="5719171" y="279782"/>
+            <a:ext cx="1258958" cy="1091796"/>
+          </a:xfrm>
+          <a:prstGeom prst="rect">
+            <a:avLst/>
+          </a:prstGeom>
+          <a:noFill/>
+          <a:extLst>
+            <a:ext uri="{909E8E84-426E-40DD-AFC4-6F175D3DCCD1}">
+              <a14:hiddenFill xmlns:a14="http://schemas.microsoft.com/office/drawing/2010/main">
+                <a:solidFill>
+                  <a:srgbClr val="FFFFFF"/>
+                </a:solidFill>
+              </a14:hiddenFill>
+            </a:ext>
+          </a:extLst>
+        </p:spPr>
+      </p:pic>
+    </p:spTree>
+    <p:extLst>
+      <p:ext uri="{BB962C8B-B14F-4D97-AF65-F5344CB8AC3E}">
+        <p14:creationId xmlns:p14="http://schemas.microsoft.com/office/powerpoint/2010/main" val="3356599904"/>
+      </p:ext>
+    </p:extLst>
+  </p:cSld>
+  <p:clrMapOvr>
+    <a:masterClrMapping/>
+  </p:clrMapOvr>
+</p:sld>
+</file>
+
+<file path=ppt/slides/slide19.xml><?xml version="1.0" encoding="utf-8"?>
+<p:sld xmlns:a="http://schemas.openxmlformats.org/drawingml/2006/main" xmlns:r="http://schemas.openxmlformats.org/officeDocument/2006/relationships" xmlns:p="http://schemas.openxmlformats.org/presentationml/2006/main">
+  <p:cSld>
+    <p:spTree>
+      <p:nvGrpSpPr>
+        <p:cNvPr id="1" name=""/>
+        <p:cNvGrpSpPr/>
+        <p:nvPr/>
+      </p:nvGrpSpPr>
+      <p:grpSpPr>
+        <a:xfrm>
+          <a:off x="0" y="0"/>
+          <a:ext cx="0" cy="0"/>
+          <a:chOff x="0" y="0"/>
+          <a:chExt cx="0" cy="0"/>
+        </a:xfrm>
+      </p:grpSpPr>
+      <p:pic>
+        <p:nvPicPr>
+          <p:cNvPr id="4" name="コンテンツ プレースホルダー 4">
+            <a:extLst>
+              <a:ext uri="{FF2B5EF4-FFF2-40B4-BE49-F238E27FC236}">
+                <a16:creationId xmlns:a16="http://schemas.microsoft.com/office/drawing/2014/main" id="{4D669C68-45B9-6DDB-C767-85131022425E}"/>
+              </a:ext>
+            </a:extLst>
+          </p:cNvPr>
+          <p:cNvPicPr>
+            <a:picLocks noChangeAspect="1"/>
+          </p:cNvPicPr>
+          <p:nvPr/>
+        </p:nvPicPr>
+        <p:blipFill>
+          <a:blip r:embed="rId2">
+            <a:extLst>
+              <a:ext uri="{28A0092B-C50C-407E-A947-70E740481C1C}">
+                <a14:useLocalDpi xmlns:a14="http://schemas.microsoft.com/office/drawing/2010/main" val="0"/>
+              </a:ext>
+            </a:extLst>
+          </a:blip>
+          <a:stretch>
+            <a:fillRect/>
+          </a:stretch>
+        </p:blipFill>
+        <p:spPr>
+          <a:xfrm>
+            <a:off x="0" y="0"/>
+            <a:ext cx="12192000" cy="6858001"/>
+          </a:xfrm>
+          <a:prstGeom prst="rect">
+            <a:avLst/>
+          </a:prstGeom>
+        </p:spPr>
+      </p:pic>
+      <p:sp>
+        <p:nvSpPr>
+          <p:cNvPr id="6" name="四角形: 角を丸くする 5">
+            <a:extLst>
+              <a:ext uri="{FF2B5EF4-FFF2-40B4-BE49-F238E27FC236}">
+                <a16:creationId xmlns:a16="http://schemas.microsoft.com/office/drawing/2014/main" id="{6CF3D8A3-CDD7-B736-6CFC-8975B4204DD5}"/>
+              </a:ext>
+            </a:extLst>
+          </p:cNvPr>
+          <p:cNvSpPr/>
+          <p:nvPr/>
+        </p:nvSpPr>
+        <p:spPr>
+          <a:xfrm>
+            <a:off x="3190875" y="4010025"/>
+            <a:ext cx="7715251" cy="2171700"/>
+          </a:xfrm>
+          <a:prstGeom prst="roundRect">
+            <a:avLst/>
+          </a:prstGeom>
+          <a:solidFill>
+            <a:schemeClr val="bg2">
+              <a:lumMod val="25000"/>
+            </a:schemeClr>
+          </a:solidFill>
+        </p:spPr>
+        <p:style>
+          <a:lnRef idx="2">
+            <a:schemeClr val="accent1">
+              <a:shade val="15000"/>
+            </a:schemeClr>
+          </a:lnRef>
+          <a:fillRef idx="1">
+            <a:schemeClr val="accent1"/>
+          </a:fillRef>
+          <a:effectRef idx="0">
+            <a:schemeClr val="accent1"/>
+          </a:effectRef>
+          <a:fontRef idx="minor">
+            <a:schemeClr val="lt1"/>
+          </a:fontRef>
+        </p:style>
+        <p:txBody>
+          <a:bodyPr rtlCol="0" anchor="ctr"/>
+          <a:lstStyle/>
+          <a:p>
+            <a:pPr algn="ctr"/>
+            <a:endParaRPr lang="en-US"/>
+          </a:p>
+        </p:txBody>
+      </p:sp>
+      <p:sp>
+        <p:nvSpPr>
+          <p:cNvPr id="2" name="タイトル 1">
+            <a:extLst>
+              <a:ext uri="{FF2B5EF4-FFF2-40B4-BE49-F238E27FC236}">
+                <a16:creationId xmlns:a16="http://schemas.microsoft.com/office/drawing/2014/main" id="{3FAD60CA-D477-A45B-5A8C-5735EDC9127D}"/>
+              </a:ext>
+            </a:extLst>
+          </p:cNvPr>
+          <p:cNvSpPr>
+            <a:spLocks noGrp="1"/>
+          </p:cNvSpPr>
+          <p:nvPr>
+            <p:ph type="ctrTitle"/>
+          </p:nvPr>
+        </p:nvSpPr>
+        <p:spPr>
+          <a:xfrm>
+            <a:off x="823912" y="750887"/>
+            <a:ext cx="10544175" cy="2954337"/>
+          </a:xfrm>
+        </p:spPr>
+        <p:txBody>
+          <a:bodyPr>
+            <a:normAutofit/>
+          </a:bodyPr>
+          <a:lstStyle/>
+          <a:p>
+            <a:r>
+              <a:rPr lang="ja-JP" altLang="en-US" dirty="0">
+                <a:solidFill>
+                  <a:schemeClr val="bg1"/>
+                </a:solidFill>
+                <a:latin typeface="BIZ UDPゴシック" panose="020B0400000000000000" pitchFamily="50" charset="-128"/>
+                <a:ea typeface="BIZ UDPゴシック" panose="020B0400000000000000" pitchFamily="50" charset="-128"/>
+              </a:rPr>
+              <a:t>この</a:t>
+            </a:r>
+            <a:r>
+              <a:rPr lang="en-US" altLang="ja-JP" dirty="0">
+                <a:solidFill>
+                  <a:schemeClr val="bg1"/>
+                </a:solidFill>
+                <a:latin typeface="BIZ UDPゴシック" panose="020B0400000000000000" pitchFamily="50" charset="-128"/>
+                <a:ea typeface="BIZ UDPゴシック" panose="020B0400000000000000" pitchFamily="50" charset="-128"/>
+              </a:rPr>
+              <a:t>ppt</a:t>
+            </a:r>
+            <a:r>
+              <a:rPr lang="ja-JP" altLang="en-US" dirty="0">
+                <a:solidFill>
+                  <a:schemeClr val="bg1"/>
+                </a:solidFill>
+                <a:latin typeface="BIZ UDPゴシック" panose="020B0400000000000000" pitchFamily="50" charset="-128"/>
+                <a:ea typeface="BIZ UDPゴシック" panose="020B0400000000000000" pitchFamily="50" charset="-128"/>
+              </a:rPr>
+              <a:t>はプロジェクトファイルにあるから、</a:t>
+            </a:r>
+            <a:r>
+              <a:rPr lang="ja-JP" altLang="en-US">
+                <a:solidFill>
+                  <a:schemeClr val="bg1"/>
+                </a:solidFill>
+                <a:latin typeface="BIZ UDPゴシック" panose="020B0400000000000000" pitchFamily="50" charset="-128"/>
+                <a:ea typeface="BIZ UDPゴシック" panose="020B0400000000000000" pitchFamily="50" charset="-128"/>
+              </a:rPr>
+              <a:t>わからなくなったら見る</a:t>
+            </a:r>
+            <a:r>
+              <a:rPr lang="ja-JP" altLang="en-US" dirty="0">
+                <a:solidFill>
+                  <a:schemeClr val="bg1"/>
+                </a:solidFill>
+                <a:latin typeface="BIZ UDPゴシック" panose="020B0400000000000000" pitchFamily="50" charset="-128"/>
+                <a:ea typeface="BIZ UDPゴシック" panose="020B0400000000000000" pitchFamily="50" charset="-128"/>
+              </a:rPr>
+              <a:t>！</a:t>
+            </a:r>
+            <a:endParaRPr lang="en-US" dirty="0">
+              <a:solidFill>
+                <a:schemeClr val="bg1"/>
+              </a:solidFill>
+              <a:latin typeface="BIZ UDPゴシック" panose="020B0400000000000000" pitchFamily="50" charset="-128"/>
+              <a:ea typeface="BIZ UDPゴシック" panose="020B0400000000000000" pitchFamily="50" charset="-128"/>
+            </a:endParaRPr>
+          </a:p>
+        </p:txBody>
+      </p:sp>
+      <p:sp>
+        <p:nvSpPr>
+          <p:cNvPr id="5" name="タイトル 1">
+            <a:extLst>
+              <a:ext uri="{FF2B5EF4-FFF2-40B4-BE49-F238E27FC236}">
+                <a16:creationId xmlns:a16="http://schemas.microsoft.com/office/drawing/2014/main" id="{FD27990F-B268-6647-5578-F6BD20B2B220}"/>
+              </a:ext>
+            </a:extLst>
+          </p:cNvPr>
+          <p:cNvSpPr txBox="1">
+            <a:spLocks/>
+          </p:cNvSpPr>
+          <p:nvPr/>
+        </p:nvSpPr>
+        <p:spPr>
+          <a:xfrm>
+            <a:off x="3386137" y="4010025"/>
+            <a:ext cx="7339013" cy="2038351"/>
+          </a:xfrm>
+          <a:prstGeom prst="rect">
+            <a:avLst/>
+          </a:prstGeom>
+        </p:spPr>
+        <p:txBody>
+          <a:bodyPr vert="horz" lIns="91440" tIns="45720" rIns="91440" bIns="45720" rtlCol="0" anchor="b">
+            <a:normAutofit/>
+          </a:bodyPr>
+          <a:lstStyle>
+            <a:lvl1pPr algn="ctr" defTabSz="914400" rtl="0" eaLnBrk="1" latinLnBrk="0" hangingPunct="1">
+              <a:lnSpc>
+                <a:spcPct val="90000"/>
+              </a:lnSpc>
+              <a:spcBef>
+                <a:spcPct val="0"/>
+              </a:spcBef>
+              <a:buNone/>
+              <a:defRPr sz="6000" kern="1200">
+                <a:solidFill>
+                  <a:schemeClr val="tx1"/>
+                </a:solidFill>
+                <a:latin typeface="+mj-lt"/>
+                <a:ea typeface="+mj-ea"/>
+                <a:cs typeface="+mj-cs"/>
+              </a:defRPr>
+            </a:lvl1pPr>
+          </a:lstStyle>
+          <a:p>
+            <a:pPr algn="l"/>
+            <a:r>
+              <a:rPr lang="en-US" sz="3200" b="0" i="0" dirty="0" err="1">
+                <a:solidFill>
+                  <a:srgbClr val="FFFFFF"/>
+                </a:solidFill>
+                <a:effectLst/>
+                <a:latin typeface="Fira code" panose="020B0809050000020004" pitchFamily="49" charset="0"/>
+              </a:rPr>
+              <a:t>ClockShare_React</a:t>
+            </a:r>
+            <a:endParaRPr lang="en-US" sz="3200" b="0" i="0" dirty="0">
+              <a:solidFill>
+                <a:srgbClr val="FFFFFF"/>
+              </a:solidFill>
+              <a:effectLst/>
+              <a:latin typeface="Fira code" panose="020B0809050000020004" pitchFamily="49" charset="0"/>
+            </a:endParaRPr>
+          </a:p>
+          <a:p>
+            <a:pPr algn="l"/>
+            <a:r>
+              <a:rPr lang="en-US" sz="3200" b="0" i="0" dirty="0">
+                <a:solidFill>
+                  <a:srgbClr val="FFFFFF"/>
+                </a:solidFill>
+                <a:effectLst/>
+                <a:latin typeface="Fira code" panose="020B0809050000020004" pitchFamily="49" charset="0"/>
+              </a:rPr>
+              <a:t> └── assets</a:t>
+            </a:r>
+          </a:p>
+          <a:p>
+            <a:pPr algn="l"/>
+            <a:r>
+              <a:rPr lang="en-US" sz="3200" b="0" i="0" dirty="0">
+                <a:solidFill>
+                  <a:srgbClr val="FFFFFF"/>
+                </a:solidFill>
+                <a:effectLst/>
+                <a:latin typeface="Fira code" panose="020B0809050000020004" pitchFamily="49" charset="0"/>
+              </a:rPr>
+              <a:t> </a:t>
+            </a:r>
+            <a:r>
+              <a:rPr lang="ja-JP" altLang="en-US" sz="3200" b="0" i="0" dirty="0">
+                <a:solidFill>
+                  <a:srgbClr val="FFFFFF"/>
+                </a:solidFill>
+                <a:effectLst/>
+                <a:latin typeface="Fira code" panose="020B0809050000020004" pitchFamily="49" charset="0"/>
+              </a:rPr>
+              <a:t>　　　</a:t>
+            </a:r>
+            <a:r>
+              <a:rPr lang="en-US" sz="3200" b="0" i="0" dirty="0">
+                <a:solidFill>
+                  <a:srgbClr val="FFFFFF"/>
+                </a:solidFill>
+                <a:effectLst/>
+                <a:latin typeface="Fira code" panose="020B0809050000020004" pitchFamily="49" charset="0"/>
+              </a:rPr>
+              <a:t>└── Dev </a:t>
+            </a:r>
+          </a:p>
+          <a:p>
+            <a:pPr algn="l"/>
+            <a:r>
+              <a:rPr lang="ja-JP" altLang="en-US" sz="3200" b="0" i="0" dirty="0">
+                <a:solidFill>
+                  <a:srgbClr val="FFFFFF"/>
+                </a:solidFill>
+                <a:effectLst/>
+                <a:latin typeface="Fira code" panose="020B0809050000020004" pitchFamily="49" charset="0"/>
+              </a:rPr>
+              <a:t>　　　　　　</a:t>
+            </a:r>
+            <a:r>
+              <a:rPr lang="en-US" sz="3200" b="0" i="0" dirty="0">
+                <a:solidFill>
+                  <a:srgbClr val="FFFFFF"/>
+                </a:solidFill>
+                <a:effectLst/>
+                <a:latin typeface="Fira code" panose="020B0809050000020004" pitchFamily="49" charset="0"/>
+              </a:rPr>
+              <a:t>└── VuetoReact.pptx</a:t>
+            </a:r>
+            <a:endParaRPr lang="en-US" sz="3200" dirty="0">
+              <a:solidFill>
+                <a:schemeClr val="bg1"/>
+              </a:solidFill>
+              <a:latin typeface="BIZ UDPゴシック" panose="020B0400000000000000" pitchFamily="50" charset="-128"/>
+              <a:ea typeface="BIZ UDPゴシック" panose="020B0400000000000000" pitchFamily="50" charset="-128"/>
+            </a:endParaRPr>
+          </a:p>
+        </p:txBody>
+      </p:sp>
+    </p:spTree>
+    <p:extLst>
+      <p:ext uri="{BB962C8B-B14F-4D97-AF65-F5344CB8AC3E}">
+        <p14:creationId xmlns:p14="http://schemas.microsoft.com/office/powerpoint/2010/main" val="2130425698"/>
       </p:ext>
     </p:extLst>
   </p:cSld>
@@ -5096,8 +8430,8 @@
         </p:blipFill>
         <p:spPr>
           <a:xfrm>
-            <a:off x="2937163" y="2055813"/>
-            <a:ext cx="5881293" cy="3071020"/>
+            <a:off x="1918260" y="2167275"/>
+            <a:ext cx="8070472" cy="4214138"/>
           </a:xfrm>
           <a:prstGeom prst="rect">
             <a:avLst/>
@@ -5120,8 +8454,8 @@
         </p:nvSpPr>
         <p:spPr>
           <a:xfrm>
-            <a:off x="3484418" y="1615534"/>
-            <a:ext cx="3027219" cy="1277757"/>
+            <a:off x="1817914" y="1695450"/>
+            <a:ext cx="9535886" cy="1325563"/>
           </a:xfrm>
           <a:prstGeom prst="rect">
             <a:avLst/>
@@ -5152,13 +8486,22 @@
           </a:lstStyle>
           <a:p>
             <a:r>
-              <a:rPr lang="en-US" dirty="0">
+              <a:rPr lang="ja-JP" altLang="en-US" sz="3200" dirty="0">
                 <a:solidFill>
                   <a:schemeClr val="bg1"/>
                 </a:solidFill>
+                <a:latin typeface="BIZ UDPゴシック" panose="020B0400000000000000" pitchFamily="50" charset="-128"/>
+                <a:ea typeface="BIZ UDPゴシック" panose="020B0400000000000000" pitchFamily="50" charset="-128"/>
               </a:rPr>
-              <a:t>“use client”</a:t>
-            </a:r>
+              <a:t>エラー発生したらとりあえずこれ最初に書いとけ</a:t>
+            </a:r>
+            <a:endParaRPr lang="en-US" sz="3200" dirty="0">
+              <a:solidFill>
+                <a:schemeClr val="bg1"/>
+              </a:solidFill>
+              <a:latin typeface="BIZ UDPゴシック" panose="020B0400000000000000" pitchFamily="50" charset="-128"/>
+              <a:ea typeface="BIZ UDPゴシック" panose="020B0400000000000000" pitchFamily="50" charset="-128"/>
+            </a:endParaRPr>
           </a:p>
         </p:txBody>
       </p:sp>
@@ -5720,8 +9063,8 @@
         </p:blipFill>
         <p:spPr>
           <a:xfrm>
-            <a:off x="3389168" y="4245889"/>
-            <a:ext cx="8953500" cy="2019300"/>
+            <a:off x="5253631" y="2755648"/>
+            <a:ext cx="7099435" cy="1601150"/>
           </a:xfrm>
           <a:prstGeom prst="rect">
             <a:avLst/>
@@ -5730,15 +9073,15 @@
       </p:pic>
       <p:pic>
         <p:nvPicPr>
-          <p:cNvPr id="15" name="図 14">
-            <a:extLst>
-              <a:ext uri="{FF2B5EF4-FFF2-40B4-BE49-F238E27FC236}">
-                <a16:creationId xmlns:a16="http://schemas.microsoft.com/office/drawing/2014/main" id="{2761E1E1-D674-90B9-598E-E3F7E82A39A8}"/>
+          <p:cNvPr id="16" name="Picture 2" descr="Vue.js - Wikipedia">
+            <a:extLst>
+              <a:ext uri="{FF2B5EF4-FFF2-40B4-BE49-F238E27FC236}">
+                <a16:creationId xmlns:a16="http://schemas.microsoft.com/office/drawing/2014/main" id="{12DB7881-6FC7-9620-95AC-50846F332881}"/>
               </a:ext>
             </a:extLst>
           </p:cNvPr>
           <p:cNvPicPr>
-            <a:picLocks noChangeAspect="1"/>
+            <a:picLocks noChangeAspect="1" noChangeArrowheads="1"/>
           </p:cNvPicPr>
           <p:nvPr/>
         </p:nvPicPr>
@@ -5750,26 +9093,37 @@
               </a:ext>
             </a:extLst>
           </a:blip>
+          <a:srcRect/>
           <a:stretch>
             <a:fillRect/>
           </a:stretch>
         </p:blipFill>
-        <p:spPr>
-          <a:xfrm>
-            <a:off x="150668" y="1859443"/>
-            <a:ext cx="4953000" cy="2857500"/>
+        <p:spPr bwMode="auto">
+          <a:xfrm>
+            <a:off x="4071379" y="304280"/>
+            <a:ext cx="1182252" cy="1025236"/>
           </a:xfrm>
           <a:prstGeom prst="rect">
             <a:avLst/>
           </a:prstGeom>
+          <a:noFill/>
+          <a:extLst>
+            <a:ext uri="{909E8E84-426E-40DD-AFC4-6F175D3DCCD1}">
+              <a14:hiddenFill xmlns:a14="http://schemas.microsoft.com/office/drawing/2010/main">
+                <a:solidFill>
+                  <a:srgbClr val="FFFFFF"/>
+                </a:solidFill>
+              </a14:hiddenFill>
+            </a:ext>
+          </a:extLst>
         </p:spPr>
       </p:pic>
       <p:pic>
         <p:nvPicPr>
-          <p:cNvPr id="16" name="Picture 2" descr="Vue.js - Wikipedia">
-            <a:extLst>
-              <a:ext uri="{FF2B5EF4-FFF2-40B4-BE49-F238E27FC236}">
-                <a16:creationId xmlns:a16="http://schemas.microsoft.com/office/drawing/2014/main" id="{12DB7881-6FC7-9620-95AC-50846F332881}"/>
+          <p:cNvPr id="17" name="Picture 4" descr="React - Wikipedia">
+            <a:extLst>
+              <a:ext uri="{FF2B5EF4-FFF2-40B4-BE49-F238E27FC236}">
+                <a16:creationId xmlns:a16="http://schemas.microsoft.com/office/drawing/2014/main" id="{CF097062-A80F-736E-FBCD-A143D202BD56}"/>
               </a:ext>
             </a:extLst>
           </p:cNvPr>
@@ -5793,8 +9147,8 @@
         </p:blipFill>
         <p:spPr bwMode="auto">
           <a:xfrm>
-            <a:off x="4071379" y="304280"/>
-            <a:ext cx="1182252" cy="1025236"/>
+            <a:off x="6938371" y="271000"/>
+            <a:ext cx="1258958" cy="1091796"/>
           </a:xfrm>
           <a:prstGeom prst="rect">
             <a:avLst/>
@@ -5811,53 +9165,6 @@
           </a:extLst>
         </p:spPr>
       </p:pic>
-      <p:pic>
-        <p:nvPicPr>
-          <p:cNvPr id="17" name="Picture 4" descr="React - Wikipedia">
-            <a:extLst>
-              <a:ext uri="{FF2B5EF4-FFF2-40B4-BE49-F238E27FC236}">
-                <a16:creationId xmlns:a16="http://schemas.microsoft.com/office/drawing/2014/main" id="{CF097062-A80F-736E-FBCD-A143D202BD56}"/>
-              </a:ext>
-            </a:extLst>
-          </p:cNvPr>
-          <p:cNvPicPr>
-            <a:picLocks noChangeAspect="1" noChangeArrowheads="1"/>
-          </p:cNvPicPr>
-          <p:nvPr/>
-        </p:nvPicPr>
-        <p:blipFill>
-          <a:blip r:embed="rId6">
-            <a:extLst>
-              <a:ext uri="{28A0092B-C50C-407E-A947-70E740481C1C}">
-                <a14:useLocalDpi xmlns:a14="http://schemas.microsoft.com/office/drawing/2010/main" val="0"/>
-              </a:ext>
-            </a:extLst>
-          </a:blip>
-          <a:srcRect/>
-          <a:stretch>
-            <a:fillRect/>
-          </a:stretch>
-        </p:blipFill>
-        <p:spPr bwMode="auto">
-          <a:xfrm>
-            <a:off x="6938371" y="271000"/>
-            <a:ext cx="1258958" cy="1091796"/>
-          </a:xfrm>
-          <a:prstGeom prst="rect">
-            <a:avLst/>
-          </a:prstGeom>
-          <a:noFill/>
-          <a:extLst>
-            <a:ext uri="{909E8E84-426E-40DD-AFC4-6F175D3DCCD1}">
-              <a14:hiddenFill xmlns:a14="http://schemas.microsoft.com/office/drawing/2010/main">
-                <a:solidFill>
-                  <a:srgbClr val="FFFFFF"/>
-                </a:solidFill>
-              </a14:hiddenFill>
-            </a:ext>
-          </a:extLst>
-        </p:spPr>
-      </p:pic>
       <p:sp>
         <p:nvSpPr>
           <p:cNvPr id="18" name="タイトル 1">
@@ -5873,8 +9180,8 @@
           <p:nvPr/>
         </p:nvSpPr>
         <p:spPr>
-          <a:xfrm rot="2799554">
-            <a:off x="5478654" y="3119604"/>
+          <a:xfrm>
+            <a:off x="4734085" y="3003590"/>
             <a:ext cx="1039091" cy="1066944"/>
           </a:xfrm>
           <a:prstGeom prst="rect">
@@ -5912,6 +9219,42 @@
           </a:p>
         </p:txBody>
       </p:sp>
+      <p:pic>
+        <p:nvPicPr>
+          <p:cNvPr id="4" name="図 3">
+            <a:extLst>
+              <a:ext uri="{FF2B5EF4-FFF2-40B4-BE49-F238E27FC236}">
+                <a16:creationId xmlns:a16="http://schemas.microsoft.com/office/drawing/2014/main" id="{A5E45B96-E34C-F093-9D08-ADF059EE2673}"/>
+              </a:ext>
+            </a:extLst>
+          </p:cNvPr>
+          <p:cNvPicPr>
+            <a:picLocks noChangeAspect="1"/>
+          </p:cNvPicPr>
+          <p:nvPr/>
+        </p:nvPicPr>
+        <p:blipFill>
+          <a:blip r:embed="rId6">
+            <a:extLst>
+              <a:ext uri="{28A0092B-C50C-407E-A947-70E740481C1C}">
+                <a14:useLocalDpi xmlns:a14="http://schemas.microsoft.com/office/drawing/2010/main" val="0"/>
+              </a:ext>
+            </a:extLst>
+          </a:blip>
+          <a:stretch>
+            <a:fillRect/>
+          </a:stretch>
+        </p:blipFill>
+        <p:spPr>
+          <a:xfrm>
+            <a:off x="-271229" y="2516368"/>
+            <a:ext cx="5328781" cy="2155919"/>
+          </a:xfrm>
+          <a:prstGeom prst="rect">
+            <a:avLst/>
+          </a:prstGeom>
+        </p:spPr>
+      </p:pic>
     </p:spTree>
     <p:extLst>
       <p:ext uri="{BB962C8B-B14F-4D97-AF65-F5344CB8AC3E}">
@@ -6004,7 +9347,7 @@
                   <a:schemeClr val="bg1"/>
                 </a:solidFill>
               </a:rPr>
-              <a:t>変数</a:t>
+              <a:t>変数の書き方</a:t>
             </a:r>
             <a:endParaRPr lang="en-US" dirty="0">
               <a:solidFill>
@@ -6166,7 +9509,7 @@
         </p:nvSpPr>
         <p:spPr>
           <a:xfrm>
-            <a:off x="2182804" y="1972702"/>
+            <a:off x="2324392" y="1251825"/>
             <a:ext cx="2841682" cy="993278"/>
           </a:xfrm>
           <a:prstGeom prst="rect">
@@ -6233,7 +9576,7 @@
         </p:nvSpPr>
         <p:spPr>
           <a:xfrm>
-            <a:off x="4048808" y="2818966"/>
+            <a:off x="4217480" y="3672284"/>
             <a:ext cx="2938557" cy="1220068"/>
           </a:xfrm>
           <a:prstGeom prst="rect">
@@ -6300,7 +9643,7 @@
         </p:nvSpPr>
         <p:spPr>
           <a:xfrm>
-            <a:off x="8120404" y="1970470"/>
+            <a:off x="7623339" y="1260155"/>
             <a:ext cx="2938557" cy="1220068"/>
           </a:xfrm>
           <a:prstGeom prst="rect">
@@ -6479,6 +9822,275 @@
               <a:latin typeface="UD デジタル 教科書体 NP-R" panose="02020400000000000000" pitchFamily="18" charset="-128"/>
               <a:ea typeface="UD デジタル 教科書体 NP-R" panose="02020400000000000000" pitchFamily="18" charset="-128"/>
             </a:endParaRPr>
+          </a:p>
+        </p:txBody>
+      </p:sp>
+      <p:sp>
+        <p:nvSpPr>
+          <p:cNvPr id="10" name="矢印: 下 9">
+            <a:extLst>
+              <a:ext uri="{FF2B5EF4-FFF2-40B4-BE49-F238E27FC236}">
+                <a16:creationId xmlns:a16="http://schemas.microsoft.com/office/drawing/2014/main" id="{2C7821AF-98F0-1338-E47F-60BC26BC3AC6}"/>
+              </a:ext>
+            </a:extLst>
+          </p:cNvPr>
+          <p:cNvSpPr/>
+          <p:nvPr/>
+        </p:nvSpPr>
+        <p:spPr>
+          <a:xfrm rot="20888530">
+            <a:off x="3248297" y="1970470"/>
+            <a:ext cx="322217" cy="628103"/>
+          </a:xfrm>
+          <a:prstGeom prst="downArrow">
+            <a:avLst/>
+          </a:prstGeom>
+          <a:solidFill>
+            <a:schemeClr val="accent1">
+              <a:lumMod val="40000"/>
+              <a:lumOff val="60000"/>
+            </a:schemeClr>
+          </a:solidFill>
+        </p:spPr>
+        <p:style>
+          <a:lnRef idx="2">
+            <a:schemeClr val="accent4">
+              <a:shade val="15000"/>
+            </a:schemeClr>
+          </a:lnRef>
+          <a:fillRef idx="1">
+            <a:schemeClr val="accent4"/>
+          </a:fillRef>
+          <a:effectRef idx="0">
+            <a:schemeClr val="accent4"/>
+          </a:effectRef>
+          <a:fontRef idx="minor">
+            <a:schemeClr val="lt1"/>
+          </a:fontRef>
+        </p:style>
+        <p:txBody>
+          <a:bodyPr rtlCol="0" anchor="ctr"/>
+          <a:lstStyle/>
+          <a:p>
+            <a:pPr algn="ctr"/>
+            <a:endParaRPr lang="en-US"/>
+          </a:p>
+        </p:txBody>
+      </p:sp>
+      <p:sp>
+        <p:nvSpPr>
+          <p:cNvPr id="12" name="矢印: 下 11">
+            <a:extLst>
+              <a:ext uri="{FF2B5EF4-FFF2-40B4-BE49-F238E27FC236}">
+                <a16:creationId xmlns:a16="http://schemas.microsoft.com/office/drawing/2014/main" id="{FA218112-2583-A20D-F36C-F4FBBCFC3555}"/>
+              </a:ext>
+            </a:extLst>
+          </p:cNvPr>
+          <p:cNvSpPr/>
+          <p:nvPr/>
+        </p:nvSpPr>
+        <p:spPr>
+          <a:xfrm rot="10266292">
+            <a:off x="5212698" y="3216942"/>
+            <a:ext cx="322217" cy="628103"/>
+          </a:xfrm>
+          <a:prstGeom prst="downArrow">
+            <a:avLst/>
+          </a:prstGeom>
+        </p:spPr>
+        <p:style>
+          <a:lnRef idx="2">
+            <a:schemeClr val="accent4">
+              <a:shade val="15000"/>
+            </a:schemeClr>
+          </a:lnRef>
+          <a:fillRef idx="1">
+            <a:schemeClr val="accent4"/>
+          </a:fillRef>
+          <a:effectRef idx="0">
+            <a:schemeClr val="accent4"/>
+          </a:effectRef>
+          <a:fontRef idx="minor">
+            <a:schemeClr val="lt1"/>
+          </a:fontRef>
+        </p:style>
+        <p:txBody>
+          <a:bodyPr rtlCol="0" anchor="ctr"/>
+          <a:lstStyle/>
+          <a:p>
+            <a:pPr algn="ctr"/>
+            <a:endParaRPr lang="en-US"/>
+          </a:p>
+        </p:txBody>
+      </p:sp>
+      <p:sp>
+        <p:nvSpPr>
+          <p:cNvPr id="13" name="矢印: 下 12">
+            <a:extLst>
+              <a:ext uri="{FF2B5EF4-FFF2-40B4-BE49-F238E27FC236}">
+                <a16:creationId xmlns:a16="http://schemas.microsoft.com/office/drawing/2014/main" id="{369D491A-A3C3-D313-1CD7-A7D46E433611}"/>
+              </a:ext>
+            </a:extLst>
+          </p:cNvPr>
+          <p:cNvSpPr/>
+          <p:nvPr/>
+        </p:nvSpPr>
+        <p:spPr>
+          <a:xfrm rot="21389505">
+            <a:off x="9372273" y="2154982"/>
+            <a:ext cx="322217" cy="628103"/>
+          </a:xfrm>
+          <a:prstGeom prst="downArrow">
+            <a:avLst/>
+          </a:prstGeom>
+          <a:solidFill>
+            <a:schemeClr val="accent6">
+              <a:lumMod val="60000"/>
+              <a:lumOff val="40000"/>
+            </a:schemeClr>
+          </a:solidFill>
+        </p:spPr>
+        <p:style>
+          <a:lnRef idx="2">
+            <a:schemeClr val="accent4">
+              <a:shade val="15000"/>
+            </a:schemeClr>
+          </a:lnRef>
+          <a:fillRef idx="1">
+            <a:schemeClr val="accent4"/>
+          </a:fillRef>
+          <a:effectRef idx="0">
+            <a:schemeClr val="accent4"/>
+          </a:effectRef>
+          <a:fontRef idx="minor">
+            <a:schemeClr val="lt1"/>
+          </a:fontRef>
+        </p:style>
+        <p:txBody>
+          <a:bodyPr rtlCol="0" anchor="ctr"/>
+          <a:lstStyle/>
+          <a:p>
+            <a:pPr algn="ctr"/>
+            <a:endParaRPr lang="en-US"/>
+          </a:p>
+        </p:txBody>
+      </p:sp>
+      <p:sp>
+        <p:nvSpPr>
+          <p:cNvPr id="14" name="タイトル 1">
+            <a:extLst>
+              <a:ext uri="{FF2B5EF4-FFF2-40B4-BE49-F238E27FC236}">
+                <a16:creationId xmlns:a16="http://schemas.microsoft.com/office/drawing/2014/main" id="{A6857B5E-22F4-B554-C26A-45BC4E894EA7}"/>
+              </a:ext>
+            </a:extLst>
+          </p:cNvPr>
+          <p:cNvSpPr txBox="1">
+            <a:spLocks/>
+          </p:cNvSpPr>
+          <p:nvPr/>
+        </p:nvSpPr>
+        <p:spPr>
+          <a:xfrm>
+            <a:off x="10502652" y="804887"/>
+            <a:ext cx="1960153" cy="1220068"/>
+          </a:xfrm>
+          <a:prstGeom prst="rect">
+            <a:avLst/>
+          </a:prstGeom>
+        </p:spPr>
+        <p:txBody>
+          <a:bodyPr vert="horz" lIns="91440" tIns="45720" rIns="91440" bIns="45720" rtlCol="0" anchor="ctr">
+            <a:normAutofit/>
+          </a:bodyPr>
+          <a:lstStyle>
+            <a:lvl1pPr algn="l" defTabSz="914400" rtl="0" eaLnBrk="1" latinLnBrk="0" hangingPunct="1">
+              <a:lnSpc>
+                <a:spcPct val="90000"/>
+              </a:lnSpc>
+              <a:spcBef>
+                <a:spcPct val="0"/>
+              </a:spcBef>
+              <a:buNone/>
+              <a:defRPr sz="4400" kern="1200">
+                <a:solidFill>
+                  <a:schemeClr val="tx1"/>
+                </a:solidFill>
+                <a:latin typeface="+mj-lt"/>
+                <a:ea typeface="+mj-ea"/>
+                <a:cs typeface="+mj-cs"/>
+              </a:defRPr>
+            </a:lvl1pPr>
+          </a:lstStyle>
+          <a:p>
+            <a:r>
+              <a:rPr lang="ja-JP" altLang="en-US" sz="3600" dirty="0">
+                <a:solidFill>
+                  <a:schemeClr val="bg1"/>
+                </a:solidFill>
+                <a:latin typeface="UD デジタル 教科書体 NP-R" panose="02020400000000000000" pitchFamily="18" charset="-128"/>
+                <a:ea typeface="UD デジタル 教科書体 NP-R" panose="02020400000000000000" pitchFamily="18" charset="-128"/>
+              </a:rPr>
+              <a:t>初期値</a:t>
+            </a:r>
+            <a:endParaRPr lang="en-US" sz="3600" dirty="0">
+              <a:solidFill>
+                <a:schemeClr val="bg1"/>
+              </a:solidFill>
+              <a:latin typeface="UD デジタル 教科書体 NP-R" panose="02020400000000000000" pitchFamily="18" charset="-128"/>
+              <a:ea typeface="UD デジタル 教科書体 NP-R" panose="02020400000000000000" pitchFamily="18" charset="-128"/>
+            </a:endParaRPr>
+          </a:p>
+        </p:txBody>
+      </p:sp>
+      <p:sp>
+        <p:nvSpPr>
+          <p:cNvPr id="15" name="矢印: 下 14">
+            <a:extLst>
+              <a:ext uri="{FF2B5EF4-FFF2-40B4-BE49-F238E27FC236}">
+                <a16:creationId xmlns:a16="http://schemas.microsoft.com/office/drawing/2014/main" id="{FC12DED8-278E-7AF7-7C25-6D5013B7B427}"/>
+              </a:ext>
+            </a:extLst>
+          </p:cNvPr>
+          <p:cNvSpPr/>
+          <p:nvPr/>
+        </p:nvSpPr>
+        <p:spPr>
+          <a:xfrm rot="967416">
+            <a:off x="10756226" y="1770754"/>
+            <a:ext cx="322217" cy="905720"/>
+          </a:xfrm>
+          <a:prstGeom prst="downArrow">
+            <a:avLst/>
+          </a:prstGeom>
+          <a:solidFill>
+            <a:schemeClr val="accent2">
+              <a:lumMod val="20000"/>
+              <a:lumOff val="80000"/>
+            </a:schemeClr>
+          </a:solidFill>
+        </p:spPr>
+        <p:style>
+          <a:lnRef idx="2">
+            <a:schemeClr val="accent4">
+              <a:shade val="15000"/>
+            </a:schemeClr>
+          </a:lnRef>
+          <a:fillRef idx="1">
+            <a:schemeClr val="accent4"/>
+          </a:fillRef>
+          <a:effectRef idx="0">
+            <a:schemeClr val="accent4"/>
+          </a:effectRef>
+          <a:fontRef idx="minor">
+            <a:schemeClr val="lt1"/>
+          </a:fontRef>
+        </p:style>
+        <p:txBody>
+          <a:bodyPr rtlCol="0" anchor="ctr"/>
+          <a:lstStyle/>
+          <a:p>
+            <a:pPr algn="ctr"/>
+            <a:endParaRPr lang="en-US"/>
           </a:p>
         </p:txBody>
       </p:sp>
@@ -6574,7 +10186,7 @@
                   <a:schemeClr val="bg1"/>
                 </a:solidFill>
               </a:rPr>
-              <a:t>変数</a:t>
+              <a:t>変数の変え方</a:t>
             </a:r>
             <a:endParaRPr lang="en-US" dirty="0">
               <a:solidFill>
@@ -6666,7 +10278,7 @@
         </p:blipFill>
         <p:spPr bwMode="auto">
           <a:xfrm>
-            <a:off x="5466521" y="279782"/>
+            <a:off x="5719171" y="279782"/>
             <a:ext cx="1258958" cy="1091796"/>
           </a:xfrm>
           <a:prstGeom prst="rect">
@@ -6689,7 +10301,7 @@
           <p:cNvPr id="4" name="図 3">
             <a:extLst>
               <a:ext uri="{FF2B5EF4-FFF2-40B4-BE49-F238E27FC236}">
-                <a16:creationId xmlns:a16="http://schemas.microsoft.com/office/drawing/2014/main" id="{81768D03-67C1-3C9C-5F79-629BEAFA999A}"/>
+                <a16:creationId xmlns:a16="http://schemas.microsoft.com/office/drawing/2014/main" id="{2B72F0C4-AA7F-2EFA-D3D2-80C49283A96B}"/>
               </a:ext>
             </a:extLst>
           </p:cNvPr>
@@ -6712,8 +10324,8 @@
         </p:blipFill>
         <p:spPr>
           <a:xfrm>
-            <a:off x="433749" y="2055811"/>
-            <a:ext cx="11677650" cy="3276600"/>
+            <a:off x="3428876" y="1230131"/>
+            <a:ext cx="6300550" cy="5883295"/>
           </a:xfrm>
           <a:prstGeom prst="rect">
             <a:avLst/>
@@ -6723,7 +10335,7 @@
     </p:spTree>
     <p:extLst>
       <p:ext uri="{BB962C8B-B14F-4D97-AF65-F5344CB8AC3E}">
-        <p14:creationId xmlns:p14="http://schemas.microsoft.com/office/powerpoint/2010/main" val="3793657650"/>
+        <p14:creationId xmlns:p14="http://schemas.microsoft.com/office/powerpoint/2010/main" val="964972700"/>
       </p:ext>
     </p:extLst>
   </p:cSld>
@@ -6812,7 +10424,7 @@
                   <a:schemeClr val="bg1"/>
                 </a:solidFill>
               </a:rPr>
-              <a:t>画像</a:t>
+              <a:t>変数の種類</a:t>
             </a:r>
             <a:endParaRPr lang="en-US" dirty="0">
               <a:solidFill>
@@ -6875,66 +10487,12 @@
           </a:p>
         </p:txBody>
       </p:sp>
-      <p:sp>
-        <p:nvSpPr>
-          <p:cNvPr id="9" name="タイトル 1">
-            <a:extLst>
-              <a:ext uri="{FF2B5EF4-FFF2-40B4-BE49-F238E27FC236}">
-                <a16:creationId xmlns:a16="http://schemas.microsoft.com/office/drawing/2014/main" id="{9E94EB64-E1E0-2874-DB2A-16543E86211A}"/>
-              </a:ext>
-            </a:extLst>
-          </p:cNvPr>
-          <p:cNvSpPr txBox="1">
-            <a:spLocks/>
-          </p:cNvSpPr>
-          <p:nvPr/>
-        </p:nvSpPr>
-        <p:spPr>
-          <a:xfrm>
-            <a:off x="5576454" y="2895528"/>
-            <a:ext cx="1039091" cy="1066944"/>
-          </a:xfrm>
-          <a:prstGeom prst="rect">
-            <a:avLst/>
-          </a:prstGeom>
-        </p:spPr>
-        <p:txBody>
-          <a:bodyPr vert="horz" lIns="91440" tIns="45720" rIns="91440" bIns="45720" rtlCol="0" anchor="ctr">
-            <a:normAutofit/>
-          </a:bodyPr>
-          <a:lstStyle>
-            <a:lvl1pPr algn="l" defTabSz="914400" rtl="0" eaLnBrk="1" latinLnBrk="0" hangingPunct="1">
-              <a:lnSpc>
-                <a:spcPct val="90000"/>
-              </a:lnSpc>
-              <a:spcBef>
-                <a:spcPct val="0"/>
-              </a:spcBef>
-              <a:buNone/>
-              <a:defRPr sz="4400" kern="1200">
-                <a:solidFill>
-                  <a:schemeClr val="tx1"/>
-                </a:solidFill>
-                <a:latin typeface="+mj-lt"/>
-                <a:ea typeface="+mj-ea"/>
-                <a:cs typeface="+mj-cs"/>
-              </a:defRPr>
-            </a:lvl1pPr>
-          </a:lstStyle>
-          <a:p>
-            <a:r>
-              <a:rPr lang="en-US" dirty="0"/>
-              <a:t>👉</a:t>
-            </a:r>
-          </a:p>
-        </p:txBody>
-      </p:sp>
       <p:pic>
         <p:nvPicPr>
-          <p:cNvPr id="12" name="Picture 2" descr="Vue.js - Wikipedia">
-            <a:extLst>
-              <a:ext uri="{FF2B5EF4-FFF2-40B4-BE49-F238E27FC236}">
-                <a16:creationId xmlns:a16="http://schemas.microsoft.com/office/drawing/2014/main" id="{CE088F96-D9AB-B591-726E-804945A99B34}"/>
+          <p:cNvPr id="13" name="Picture 4" descr="React - Wikipedia">
+            <a:extLst>
+              <a:ext uri="{FF2B5EF4-FFF2-40B4-BE49-F238E27FC236}">
+                <a16:creationId xmlns:a16="http://schemas.microsoft.com/office/drawing/2014/main" id="{2D376E7B-FD46-BD91-962D-06D65BDB3D97}"/>
               </a:ext>
             </a:extLst>
           </p:cNvPr>
@@ -6958,8 +10516,8 @@
         </p:blipFill>
         <p:spPr bwMode="auto">
           <a:xfrm>
-            <a:off x="4071379" y="304280"/>
-            <a:ext cx="1182252" cy="1025236"/>
+            <a:off x="5466521" y="279782"/>
+            <a:ext cx="1258958" cy="1091796"/>
           </a:xfrm>
           <a:prstGeom prst="rect">
             <a:avLst/>
@@ -6978,15 +10536,15 @@
       </p:pic>
       <p:pic>
         <p:nvPicPr>
-          <p:cNvPr id="13" name="Picture 4" descr="React - Wikipedia">
-            <a:extLst>
-              <a:ext uri="{FF2B5EF4-FFF2-40B4-BE49-F238E27FC236}">
-                <a16:creationId xmlns:a16="http://schemas.microsoft.com/office/drawing/2014/main" id="{2D376E7B-FD46-BD91-962D-06D65BDB3D97}"/>
+          <p:cNvPr id="4" name="図 3">
+            <a:extLst>
+              <a:ext uri="{FF2B5EF4-FFF2-40B4-BE49-F238E27FC236}">
+                <a16:creationId xmlns:a16="http://schemas.microsoft.com/office/drawing/2014/main" id="{81768D03-67C1-3C9C-5F79-629BEAFA999A}"/>
               </a:ext>
             </a:extLst>
           </p:cNvPr>
           <p:cNvPicPr>
-            <a:picLocks noChangeAspect="1" noChangeArrowheads="1"/>
+            <a:picLocks noChangeAspect="1"/>
           </p:cNvPicPr>
           <p:nvPr/>
         </p:nvPicPr>
@@ -6998,35 +10556,24 @@
               </a:ext>
             </a:extLst>
           </a:blip>
-          <a:srcRect/>
           <a:stretch>
             <a:fillRect/>
           </a:stretch>
         </p:blipFill>
-        <p:spPr bwMode="auto">
-          <a:xfrm>
-            <a:off x="6938371" y="271000"/>
-            <a:ext cx="1258958" cy="1091796"/>
+        <p:spPr>
+          <a:xfrm>
+            <a:off x="-144347" y="1825883"/>
+            <a:ext cx="12480694" cy="3501924"/>
           </a:xfrm>
           <a:prstGeom prst="rect">
             <a:avLst/>
           </a:prstGeom>
-          <a:noFill/>
-          <a:extLst>
-            <a:ext uri="{909E8E84-426E-40DD-AFC4-6F175D3DCCD1}">
-              <a14:hiddenFill xmlns:a14="http://schemas.microsoft.com/office/drawing/2010/main">
-                <a:solidFill>
-                  <a:srgbClr val="FFFFFF"/>
-                </a:solidFill>
-              </a14:hiddenFill>
-            </a:ext>
-          </a:extLst>
         </p:spPr>
       </p:pic>
     </p:spTree>
     <p:extLst>
       <p:ext uri="{BB962C8B-B14F-4D97-AF65-F5344CB8AC3E}">
-        <p14:creationId xmlns:p14="http://schemas.microsoft.com/office/powerpoint/2010/main" val="1387897286"/>
+        <p14:creationId xmlns:p14="http://schemas.microsoft.com/office/powerpoint/2010/main" val="3793657650"/>
       </p:ext>
     </p:extLst>
   </p:cSld>
@@ -7110,12 +10657,12 @@
           <a:lstStyle/>
           <a:p>
             <a:r>
-              <a:rPr lang="en-US" altLang="ja-JP" dirty="0">
+              <a:rPr lang="ja-JP" altLang="en-US" dirty="0">
                 <a:solidFill>
                   <a:schemeClr val="bg1"/>
                 </a:solidFill>
               </a:rPr>
-              <a:t>components</a:t>
+              <a:t>変数表示</a:t>
             </a:r>
             <a:endParaRPr lang="en-US" dirty="0">
               <a:solidFill>
@@ -7178,6 +10725,42 @@
           </a:p>
         </p:txBody>
       </p:sp>
+      <p:pic>
+        <p:nvPicPr>
+          <p:cNvPr id="4" name="図 3">
+            <a:extLst>
+              <a:ext uri="{FF2B5EF4-FFF2-40B4-BE49-F238E27FC236}">
+                <a16:creationId xmlns:a16="http://schemas.microsoft.com/office/drawing/2014/main" id="{37404771-295D-6C45-BE72-7C7EE1767D01}"/>
+              </a:ext>
+            </a:extLst>
+          </p:cNvPr>
+          <p:cNvPicPr>
+            <a:picLocks noChangeAspect="1"/>
+          </p:cNvPicPr>
+          <p:nvPr/>
+        </p:nvPicPr>
+        <p:blipFill>
+          <a:blip r:embed="rId3">
+            <a:extLst>
+              <a:ext uri="{28A0092B-C50C-407E-A947-70E740481C1C}">
+                <a14:useLocalDpi xmlns:a14="http://schemas.microsoft.com/office/drawing/2010/main" val="0"/>
+              </a:ext>
+            </a:extLst>
+          </a:blip>
+          <a:stretch>
+            <a:fillRect/>
+          </a:stretch>
+        </p:blipFill>
+        <p:spPr>
+          <a:xfrm>
+            <a:off x="5896476" y="2003849"/>
+            <a:ext cx="6418343" cy="3543035"/>
+          </a:xfrm>
+          <a:prstGeom prst="rect">
+            <a:avLst/>
+          </a:prstGeom>
+        </p:spPr>
+      </p:pic>
       <p:sp>
         <p:nvSpPr>
           <p:cNvPr id="9" name="タイトル 1">
@@ -7194,7 +10777,7 @@
         </p:nvSpPr>
         <p:spPr>
           <a:xfrm>
-            <a:off x="5576454" y="2895528"/>
+            <a:off x="5429892" y="2895528"/>
             <a:ext cx="1039091" cy="1066944"/>
           </a:xfrm>
           <a:prstGeom prst="rect">
@@ -7247,7 +10830,7 @@
           <p:nvPr/>
         </p:nvPicPr>
         <p:blipFill>
-          <a:blip r:embed="rId3">
+          <a:blip r:embed="rId4">
             <a:extLst>
               <a:ext uri="{28A0092B-C50C-407E-A947-70E740481C1C}">
                 <a14:useLocalDpi xmlns:a14="http://schemas.microsoft.com/office/drawing/2010/main" val="0"/>
@@ -7294,7 +10877,7 @@
           <p:nvPr/>
         </p:nvPicPr>
         <p:blipFill>
-          <a:blip r:embed="rId4">
+          <a:blip r:embed="rId5">
             <a:extLst>
               <a:ext uri="{28A0092B-C50C-407E-A947-70E740481C1C}">
                 <a14:useLocalDpi xmlns:a14="http://schemas.microsoft.com/office/drawing/2010/main" val="0"/>
@@ -7326,10 +10909,46 @@
           </a:extLst>
         </p:spPr>
       </p:pic>
+      <p:pic>
+        <p:nvPicPr>
+          <p:cNvPr id="8" name="図 7">
+            <a:extLst>
+              <a:ext uri="{FF2B5EF4-FFF2-40B4-BE49-F238E27FC236}">
+                <a16:creationId xmlns:a16="http://schemas.microsoft.com/office/drawing/2014/main" id="{CAC452AD-FE5A-77DC-2074-C9F850934586}"/>
+              </a:ext>
+            </a:extLst>
+          </p:cNvPr>
+          <p:cNvPicPr>
+            <a:picLocks noChangeAspect="1"/>
+          </p:cNvPicPr>
+          <p:nvPr/>
+        </p:nvPicPr>
+        <p:blipFill>
+          <a:blip r:embed="rId6">
+            <a:extLst>
+              <a:ext uri="{28A0092B-C50C-407E-A947-70E740481C1C}">
+                <a14:useLocalDpi xmlns:a14="http://schemas.microsoft.com/office/drawing/2010/main" val="0"/>
+              </a:ext>
+            </a:extLst>
+          </a:blip>
+          <a:stretch>
+            <a:fillRect/>
+          </a:stretch>
+        </p:blipFill>
+        <p:spPr>
+          <a:xfrm>
+            <a:off x="-122819" y="1871184"/>
+            <a:ext cx="6072257" cy="3726158"/>
+          </a:xfrm>
+          <a:prstGeom prst="rect">
+            <a:avLst/>
+          </a:prstGeom>
+        </p:spPr>
+      </p:pic>
     </p:spTree>
     <p:extLst>
       <p:ext uri="{BB962C8B-B14F-4D97-AF65-F5344CB8AC3E}">
-        <p14:creationId xmlns:p14="http://schemas.microsoft.com/office/powerpoint/2010/main" val="1293587865"/>
+        <p14:creationId xmlns:p14="http://schemas.microsoft.com/office/powerpoint/2010/main" val="119501391"/>
       </p:ext>
     </p:extLst>
   </p:cSld>
@@ -7418,7 +11037,7 @@
                   <a:schemeClr val="bg1"/>
                 </a:solidFill>
               </a:rPr>
-              <a:t>キホン</a:t>
+              <a:t>画像</a:t>
             </a:r>
             <a:endParaRPr lang="en-US" dirty="0">
               <a:solidFill>
@@ -7629,10 +11248,82 @@
           </a:extLst>
         </p:spPr>
       </p:pic>
+      <p:pic>
+        <p:nvPicPr>
+          <p:cNvPr id="8" name="図 7">
+            <a:extLst>
+              <a:ext uri="{FF2B5EF4-FFF2-40B4-BE49-F238E27FC236}">
+                <a16:creationId xmlns:a16="http://schemas.microsoft.com/office/drawing/2014/main" id="{A2BE6CC8-09FC-D4D5-C714-7073A729A3CE}"/>
+              </a:ext>
+            </a:extLst>
+          </p:cNvPr>
+          <p:cNvPicPr>
+            <a:picLocks noChangeAspect="1"/>
+          </p:cNvPicPr>
+          <p:nvPr/>
+        </p:nvPicPr>
+        <p:blipFill>
+          <a:blip r:embed="rId5">
+            <a:extLst>
+              <a:ext uri="{28A0092B-C50C-407E-A947-70E740481C1C}">
+                <a14:useLocalDpi xmlns:a14="http://schemas.microsoft.com/office/drawing/2010/main" val="0"/>
+              </a:ext>
+            </a:extLst>
+          </a:blip>
+          <a:stretch>
+            <a:fillRect/>
+          </a:stretch>
+        </p:blipFill>
+        <p:spPr>
+          <a:xfrm>
+            <a:off x="45263" y="2055811"/>
+            <a:ext cx="5862311" cy="2808684"/>
+          </a:xfrm>
+          <a:prstGeom prst="rect">
+            <a:avLst/>
+          </a:prstGeom>
+        </p:spPr>
+      </p:pic>
+      <p:pic>
+        <p:nvPicPr>
+          <p:cNvPr id="15" name="図 14">
+            <a:extLst>
+              <a:ext uri="{FF2B5EF4-FFF2-40B4-BE49-F238E27FC236}">
+                <a16:creationId xmlns:a16="http://schemas.microsoft.com/office/drawing/2014/main" id="{B6D7AAA1-47D4-C53C-95E6-5F18B8EB925F}"/>
+              </a:ext>
+            </a:extLst>
+          </p:cNvPr>
+          <p:cNvPicPr>
+            <a:picLocks noChangeAspect="1"/>
+          </p:cNvPicPr>
+          <p:nvPr/>
+        </p:nvPicPr>
+        <p:blipFill>
+          <a:blip r:embed="rId6">
+            <a:extLst>
+              <a:ext uri="{28A0092B-C50C-407E-A947-70E740481C1C}">
+                <a14:useLocalDpi xmlns:a14="http://schemas.microsoft.com/office/drawing/2010/main" val="0"/>
+              </a:ext>
+            </a:extLst>
+          </a:blip>
+          <a:stretch>
+            <a:fillRect/>
+          </a:stretch>
+        </p:blipFill>
+        <p:spPr>
+          <a:xfrm>
+            <a:off x="6095999" y="1150215"/>
+            <a:ext cx="6169746" cy="5624513"/>
+          </a:xfrm>
+          <a:prstGeom prst="rect">
+            <a:avLst/>
+          </a:prstGeom>
+        </p:spPr>
+      </p:pic>
     </p:spTree>
     <p:extLst>
       <p:ext uri="{BB962C8B-B14F-4D97-AF65-F5344CB8AC3E}">
-        <p14:creationId xmlns:p14="http://schemas.microsoft.com/office/powerpoint/2010/main" val="2796115863"/>
+        <p14:creationId xmlns:p14="http://schemas.microsoft.com/office/powerpoint/2010/main" val="1387897286"/>
       </p:ext>
     </p:extLst>
   </p:cSld>
@@ -7935,4 +11626,299 @@
     </a:ext>
   </a:extLst>
 </a:theme>
+</file>
+
+<file path=ppt/theme/theme2.xml><?xml version="1.0" encoding="utf-8"?>
+<a:theme xmlns:a="http://schemas.openxmlformats.org/drawingml/2006/main" name="Office テーマ">
+  <a:themeElements>
+    <a:clrScheme name="Office">
+      <a:dk1>
+        <a:sysClr val="windowText" lastClr="000000"/>
+      </a:dk1>
+      <a:lt1>
+        <a:sysClr val="window" lastClr="FFFFFF"/>
+      </a:lt1>
+      <a:dk2>
+        <a:srgbClr val="44546A"/>
+      </a:dk2>
+      <a:lt2>
+        <a:srgbClr val="E7E6E6"/>
+      </a:lt2>
+      <a:accent1>
+        <a:srgbClr val="4472C4"/>
+      </a:accent1>
+      <a:accent2>
+        <a:srgbClr val="ED7D31"/>
+      </a:accent2>
+      <a:accent3>
+        <a:srgbClr val="A5A5A5"/>
+      </a:accent3>
+      <a:accent4>
+        <a:srgbClr val="FFC000"/>
+      </a:accent4>
+      <a:accent5>
+        <a:srgbClr val="5B9BD5"/>
+      </a:accent5>
+      <a:accent6>
+        <a:srgbClr val="70AD47"/>
+      </a:accent6>
+      <a:hlink>
+        <a:srgbClr val="0563C1"/>
+      </a:hlink>
+      <a:folHlink>
+        <a:srgbClr val="954F72"/>
+      </a:folHlink>
+    </a:clrScheme>
+    <a:fontScheme name="Office">
+      <a:majorFont>
+        <a:latin typeface="Calibri Light" panose="020F0302020204030204"/>
+        <a:ea typeface=""/>
+        <a:cs typeface=""/>
+        <a:font script="Jpan" typeface="游ゴシック Light"/>
+        <a:font script="Hang" typeface="맑은 고딕"/>
+        <a:font script="Hans" typeface="等线 Light"/>
+        <a:font script="Hant" typeface="新細明體"/>
+        <a:font script="Arab" typeface="Times New Roman"/>
+        <a:font script="Hebr" typeface="Times New Roman"/>
+        <a:font script="Thai" typeface="Angsana New"/>
+        <a:font script="Ethi" typeface="Nyala"/>
+        <a:font script="Beng" typeface="Vrinda"/>
+        <a:font script="Gujr" typeface="Shruti"/>
+        <a:font script="Khmr" typeface="MoolBoran"/>
+        <a:font script="Knda" typeface="Tunga"/>
+        <a:font script="Guru" typeface="Raavi"/>
+        <a:font script="Cans" typeface="Euphemia"/>
+        <a:font script="Cher" typeface="Plantagenet Cherokee"/>
+        <a:font script="Yiii" typeface="Microsoft Yi Baiti"/>
+        <a:font script="Tibt" typeface="Microsoft Himalaya"/>
+        <a:font script="Thaa" typeface="MV Boli"/>
+        <a:font script="Deva" typeface="Mangal"/>
+        <a:font script="Telu" typeface="Gautami"/>
+        <a:font script="Taml" typeface="Latha"/>
+        <a:font script="Syrc" typeface="Estrangelo Edessa"/>
+        <a:font script="Orya" typeface="Kalinga"/>
+        <a:font script="Mlym" typeface="Kartika"/>
+        <a:font script="Laoo" typeface="DokChampa"/>
+        <a:font script="Sinh" typeface="Iskoola Pota"/>
+        <a:font script="Mong" typeface="Mongolian Baiti"/>
+        <a:font script="Viet" typeface="Times New Roman"/>
+        <a:font script="Uigh" typeface="Microsoft Uighur"/>
+        <a:font script="Geor" typeface="Sylfaen"/>
+        <a:font script="Armn" typeface="Arial"/>
+        <a:font script="Bugi" typeface="Leelawadee UI"/>
+        <a:font script="Bopo" typeface="Microsoft JhengHei"/>
+        <a:font script="Java" typeface="Javanese Text"/>
+        <a:font script="Lisu" typeface="Segoe UI"/>
+        <a:font script="Mymr" typeface="Myanmar Text"/>
+        <a:font script="Nkoo" typeface="Ebrima"/>
+        <a:font script="Olck" typeface="Nirmala UI"/>
+        <a:font script="Osma" typeface="Ebrima"/>
+        <a:font script="Phag" typeface="Phagspa"/>
+        <a:font script="Syrn" typeface="Estrangelo Edessa"/>
+        <a:font script="Syrj" typeface="Estrangelo Edessa"/>
+        <a:font script="Syre" typeface="Estrangelo Edessa"/>
+        <a:font script="Sora" typeface="Nirmala UI"/>
+        <a:font script="Tale" typeface="Microsoft Tai Le"/>
+        <a:font script="Talu" typeface="Microsoft New Tai Lue"/>
+        <a:font script="Tfng" typeface="Ebrima"/>
+      </a:majorFont>
+      <a:minorFont>
+        <a:latin typeface="Calibri" panose="020F0502020204030204"/>
+        <a:ea typeface=""/>
+        <a:cs typeface=""/>
+        <a:font script="Jpan" typeface="游ゴシック"/>
+        <a:font script="Hang" typeface="맑은 고딕"/>
+        <a:font script="Hans" typeface="等线"/>
+        <a:font script="Hant" typeface="新細明體"/>
+        <a:font script="Arab" typeface="Arial"/>
+        <a:font script="Hebr" typeface="Arial"/>
+        <a:font script="Thai" typeface="Cordia New"/>
+        <a:font script="Ethi" typeface="Nyala"/>
+        <a:font script="Beng" typeface="Vrinda"/>
+        <a:font script="Gujr" typeface="Shruti"/>
+        <a:font script="Khmr" typeface="DaunPenh"/>
+        <a:font script="Knda" typeface="Tunga"/>
+        <a:font script="Guru" typeface="Raavi"/>
+        <a:font script="Cans" typeface="Euphemia"/>
+        <a:font script="Cher" typeface="Plantagenet Cherokee"/>
+        <a:font script="Yiii" typeface="Microsoft Yi Baiti"/>
+        <a:font script="Tibt" typeface="Microsoft Himalaya"/>
+        <a:font script="Thaa" typeface="MV Boli"/>
+        <a:font script="Deva" typeface="Mangal"/>
+        <a:font script="Telu" typeface="Gautami"/>
+        <a:font script="Taml" typeface="Latha"/>
+        <a:font script="Syrc" typeface="Estrangelo Edessa"/>
+        <a:font script="Orya" typeface="Kalinga"/>
+        <a:font script="Mlym" typeface="Kartika"/>
+        <a:font script="Laoo" typeface="DokChampa"/>
+        <a:font script="Sinh" typeface="Iskoola Pota"/>
+        <a:font script="Mong" typeface="Mongolian Baiti"/>
+        <a:font script="Viet" typeface="Arial"/>
+        <a:font script="Uigh" typeface="Microsoft Uighur"/>
+        <a:font script="Geor" typeface="Sylfaen"/>
+        <a:font script="Armn" typeface="Arial"/>
+        <a:font script="Bugi" typeface="Leelawadee UI"/>
+        <a:font script="Bopo" typeface="Microsoft JhengHei"/>
+        <a:font script="Java" typeface="Javanese Text"/>
+        <a:font script="Lisu" typeface="Segoe UI"/>
+        <a:font script="Mymr" typeface="Myanmar Text"/>
+        <a:font script="Nkoo" typeface="Ebrima"/>
+        <a:font script="Olck" typeface="Nirmala UI"/>
+        <a:font script="Osma" typeface="Ebrima"/>
+        <a:font script="Phag" typeface="Phagspa"/>
+        <a:font script="Syrn" typeface="Estrangelo Edessa"/>
+        <a:font script="Syrj" typeface="Estrangelo Edessa"/>
+        <a:font script="Syre" typeface="Estrangelo Edessa"/>
+        <a:font script="Sora" typeface="Nirmala UI"/>
+        <a:font script="Tale" typeface="Microsoft Tai Le"/>
+        <a:font script="Talu" typeface="Microsoft New Tai Lue"/>
+        <a:font script="Tfng" typeface="Ebrima"/>
+      </a:minorFont>
+    </a:fontScheme>
+    <a:fmtScheme name="Office">
+      <a:fillStyleLst>
+        <a:solidFill>
+          <a:schemeClr val="phClr"/>
+        </a:solidFill>
+        <a:gradFill rotWithShape="1">
+          <a:gsLst>
+            <a:gs pos="0">
+              <a:schemeClr val="phClr">
+                <a:lumMod val="110000"/>
+                <a:satMod val="105000"/>
+                <a:tint val="67000"/>
+              </a:schemeClr>
+            </a:gs>
+            <a:gs pos="50000">
+              <a:schemeClr val="phClr">
+                <a:lumMod val="105000"/>
+                <a:satMod val="103000"/>
+                <a:tint val="73000"/>
+              </a:schemeClr>
+            </a:gs>
+            <a:gs pos="100000">
+              <a:schemeClr val="phClr">
+                <a:lumMod val="105000"/>
+                <a:satMod val="109000"/>
+                <a:tint val="81000"/>
+              </a:schemeClr>
+            </a:gs>
+          </a:gsLst>
+          <a:lin ang="5400000" scaled="0"/>
+        </a:gradFill>
+        <a:gradFill rotWithShape="1">
+          <a:gsLst>
+            <a:gs pos="0">
+              <a:schemeClr val="phClr">
+                <a:satMod val="103000"/>
+                <a:lumMod val="102000"/>
+                <a:tint val="94000"/>
+              </a:schemeClr>
+            </a:gs>
+            <a:gs pos="50000">
+              <a:schemeClr val="phClr">
+                <a:satMod val="110000"/>
+                <a:lumMod val="100000"/>
+                <a:shade val="100000"/>
+              </a:schemeClr>
+            </a:gs>
+            <a:gs pos="100000">
+              <a:schemeClr val="phClr">
+                <a:lumMod val="99000"/>
+                <a:satMod val="120000"/>
+                <a:shade val="78000"/>
+              </a:schemeClr>
+            </a:gs>
+          </a:gsLst>
+          <a:lin ang="5400000" scaled="0"/>
+        </a:gradFill>
+      </a:fillStyleLst>
+      <a:lnStyleLst>
+        <a:ln w="6350" cap="flat" cmpd="sng" algn="ctr">
+          <a:solidFill>
+            <a:schemeClr val="phClr"/>
+          </a:solidFill>
+          <a:prstDash val="solid"/>
+          <a:miter lim="800000"/>
+        </a:ln>
+        <a:ln w="12700" cap="flat" cmpd="sng" algn="ctr">
+          <a:solidFill>
+            <a:schemeClr val="phClr"/>
+          </a:solidFill>
+          <a:prstDash val="solid"/>
+          <a:miter lim="800000"/>
+        </a:ln>
+        <a:ln w="19050" cap="flat" cmpd="sng" algn="ctr">
+          <a:solidFill>
+            <a:schemeClr val="phClr"/>
+          </a:solidFill>
+          <a:prstDash val="solid"/>
+          <a:miter lim="800000"/>
+        </a:ln>
+      </a:lnStyleLst>
+      <a:effectStyleLst>
+        <a:effectStyle>
+          <a:effectLst/>
+        </a:effectStyle>
+        <a:effectStyle>
+          <a:effectLst/>
+        </a:effectStyle>
+        <a:effectStyle>
+          <a:effectLst>
+            <a:outerShdw blurRad="57150" dist="19050" dir="5400000" algn="ctr" rotWithShape="0">
+              <a:srgbClr val="000000">
+                <a:alpha val="63000"/>
+              </a:srgbClr>
+            </a:outerShdw>
+          </a:effectLst>
+        </a:effectStyle>
+      </a:effectStyleLst>
+      <a:bgFillStyleLst>
+        <a:solidFill>
+          <a:schemeClr val="phClr"/>
+        </a:solidFill>
+        <a:solidFill>
+          <a:schemeClr val="phClr">
+            <a:tint val="95000"/>
+            <a:satMod val="170000"/>
+          </a:schemeClr>
+        </a:solidFill>
+        <a:gradFill rotWithShape="1">
+          <a:gsLst>
+            <a:gs pos="0">
+              <a:schemeClr val="phClr">
+                <a:tint val="93000"/>
+                <a:satMod val="150000"/>
+                <a:shade val="98000"/>
+                <a:lumMod val="102000"/>
+              </a:schemeClr>
+            </a:gs>
+            <a:gs pos="50000">
+              <a:schemeClr val="phClr">
+                <a:tint val="98000"/>
+                <a:satMod val="130000"/>
+                <a:shade val="90000"/>
+                <a:lumMod val="103000"/>
+              </a:schemeClr>
+            </a:gs>
+            <a:gs pos="100000">
+              <a:schemeClr val="phClr">
+                <a:shade val="63000"/>
+                <a:satMod val="120000"/>
+              </a:schemeClr>
+            </a:gs>
+          </a:gsLst>
+          <a:lin ang="5400000" scaled="0"/>
+        </a:gradFill>
+      </a:bgFillStyleLst>
+    </a:fmtScheme>
+  </a:themeElements>
+  <a:objectDefaults/>
+  <a:extraClrSchemeLst/>
+  <a:extLst>
+    <a:ext uri="{05A4C25C-085E-4340-85A3-A5531E510DB2}">
+      <thm15:themeFamily xmlns:thm15="http://schemas.microsoft.com/office/thememl/2012/main" name="Office Theme" id="{62F939B6-93AF-4DB8-9C6B-D6C7DFDC589F}" vid="{4A3C46E8-61CC-4603-A589-7422A47A8E4A}"/>
+    </a:ext>
+  </a:extLst>
+</a:theme>
 </file>
--- a/assets/Dev/VuetoReact.pptx
+++ b/assets/Dev/VuetoReact.pptx
@@ -5,7 +5,7 @@
     <p:sldMasterId id="2147483648" r:id="rId1"/>
   </p:sldMasterIdLst>
   <p:notesMasterIdLst>
-    <p:notesMasterId r:id="rId21"/>
+    <p:notesMasterId r:id="rId23"/>
   </p:notesMasterIdLst>
   <p:sldIdLst>
     <p:sldId id="256" r:id="rId2"/>
@@ -26,7 +26,9 @@
     <p:sldId id="269" r:id="rId17"/>
     <p:sldId id="271" r:id="rId18"/>
     <p:sldId id="272" r:id="rId19"/>
-    <p:sldId id="275" r:id="rId20"/>
+    <p:sldId id="276" r:id="rId20"/>
+    <p:sldId id="277" r:id="rId21"/>
+    <p:sldId id="275" r:id="rId22"/>
   </p:sldIdLst>
   <p:sldSz cx="12192000" cy="6858000"/>
   <p:notesSz cx="6858000" cy="9144000"/>
@@ -215,7 +217,7 @@
           <a:p>
             <a:fld id="{6D2DAA21-6A95-4CC3-A4FC-AE7EB045C8F1}" type="datetimeFigureOut">
               <a:rPr lang="en-US" smtClean="0"/>
-              <a:t>8/26/2024</a:t>
+              <a:t>8/28/2024</a:t>
             </a:fld>
             <a:endParaRPr lang="en-US"/>
           </a:p>
@@ -748,7 +750,7 @@
           <a:p>
             <a:fld id="{31A92EB6-DAF0-4DCE-99E4-B48BFF75F9A4}" type="datetimeFigureOut">
               <a:rPr lang="en-US" smtClean="0"/>
-              <a:t>8/26/2024</a:t>
+              <a:t>8/28/2024</a:t>
             </a:fld>
             <a:endParaRPr lang="en-US"/>
           </a:p>
@@ -980,7 +982,7 @@
           <a:p>
             <a:fld id="{31A92EB6-DAF0-4DCE-99E4-B48BFF75F9A4}" type="datetimeFigureOut">
               <a:rPr lang="en-US" smtClean="0"/>
-              <a:t>8/26/2024</a:t>
+              <a:t>8/28/2024</a:t>
             </a:fld>
             <a:endParaRPr lang="en-US"/>
           </a:p>
@@ -1222,7 +1224,7 @@
           <a:p>
             <a:fld id="{31A92EB6-DAF0-4DCE-99E4-B48BFF75F9A4}" type="datetimeFigureOut">
               <a:rPr lang="en-US" smtClean="0"/>
-              <a:t>8/26/2024</a:t>
+              <a:t>8/28/2024</a:t>
             </a:fld>
             <a:endParaRPr lang="en-US"/>
           </a:p>
@@ -1454,7 +1456,7 @@
           <a:p>
             <a:fld id="{31A92EB6-DAF0-4DCE-99E4-B48BFF75F9A4}" type="datetimeFigureOut">
               <a:rPr lang="en-US" smtClean="0"/>
-              <a:t>8/26/2024</a:t>
+              <a:t>8/28/2024</a:t>
             </a:fld>
             <a:endParaRPr lang="en-US"/>
           </a:p>
@@ -1730,7 +1732,7 @@
           <a:p>
             <a:fld id="{31A92EB6-DAF0-4DCE-99E4-B48BFF75F9A4}" type="datetimeFigureOut">
               <a:rPr lang="en-US" smtClean="0"/>
-              <a:t>8/26/2024</a:t>
+              <a:t>8/28/2024</a:t>
             </a:fld>
             <a:endParaRPr lang="en-US"/>
           </a:p>
@@ -2062,7 +2064,7 @@
           <a:p>
             <a:fld id="{31A92EB6-DAF0-4DCE-99E4-B48BFF75F9A4}" type="datetimeFigureOut">
               <a:rPr lang="en-US" smtClean="0"/>
-              <a:t>8/26/2024</a:t>
+              <a:t>8/28/2024</a:t>
             </a:fld>
             <a:endParaRPr lang="en-US"/>
           </a:p>
@@ -2541,7 +2543,7 @@
           <a:p>
             <a:fld id="{31A92EB6-DAF0-4DCE-99E4-B48BFF75F9A4}" type="datetimeFigureOut">
               <a:rPr lang="en-US" smtClean="0"/>
-              <a:t>8/26/2024</a:t>
+              <a:t>8/28/2024</a:t>
             </a:fld>
             <a:endParaRPr lang="en-US"/>
           </a:p>
@@ -2683,7 +2685,7 @@
           <a:p>
             <a:fld id="{31A92EB6-DAF0-4DCE-99E4-B48BFF75F9A4}" type="datetimeFigureOut">
               <a:rPr lang="en-US" smtClean="0"/>
-              <a:t>8/26/2024</a:t>
+              <a:t>8/28/2024</a:t>
             </a:fld>
             <a:endParaRPr lang="en-US"/>
           </a:p>
@@ -2796,7 +2798,7 @@
           <a:p>
             <a:fld id="{31A92EB6-DAF0-4DCE-99E4-B48BFF75F9A4}" type="datetimeFigureOut">
               <a:rPr lang="en-US" smtClean="0"/>
-              <a:t>8/26/2024</a:t>
+              <a:t>8/28/2024</a:t>
             </a:fld>
             <a:endParaRPr lang="en-US"/>
           </a:p>
@@ -3141,7 +3143,7 @@
           <a:p>
             <a:fld id="{31A92EB6-DAF0-4DCE-99E4-B48BFF75F9A4}" type="datetimeFigureOut">
               <a:rPr lang="en-US" smtClean="0"/>
-              <a:t>8/26/2024</a:t>
+              <a:t>8/28/2024</a:t>
             </a:fld>
             <a:endParaRPr lang="en-US"/>
           </a:p>
@@ -3430,7 +3432,7 @@
           <a:p>
             <a:fld id="{31A92EB6-DAF0-4DCE-99E4-B48BFF75F9A4}" type="datetimeFigureOut">
               <a:rPr lang="en-US" smtClean="0"/>
-              <a:t>8/26/2024</a:t>
+              <a:t>8/28/2024</a:t>
             </a:fld>
             <a:endParaRPr lang="en-US"/>
           </a:p>
@@ -3705,7 +3707,7 @@
           <a:p>
             <a:fld id="{31A92EB6-DAF0-4DCE-99E4-B48BFF75F9A4}" type="datetimeFigureOut">
               <a:rPr lang="en-US" smtClean="0"/>
-              <a:t>8/26/2024</a:t>
+              <a:t>8/28/2024</a:t>
             </a:fld>
             <a:endParaRPr lang="en-US"/>
           </a:p>
@@ -6872,7 +6874,7 @@
         </p:nvSpPr>
         <p:spPr>
           <a:xfrm>
-            <a:off x="6892402" y="1818204"/>
+            <a:off x="6788786" y="1868377"/>
             <a:ext cx="5089275" cy="1082424"/>
           </a:xfrm>
           <a:prstGeom prst="rect">
@@ -7788,18 +7790,13 @@
           <a:lstStyle/>
           <a:p>
             <a:r>
-              <a:rPr lang="en-US" dirty="0" err="1">
+              <a:rPr lang="en-US" dirty="0">
                 <a:solidFill>
                   <a:schemeClr val="bg1"/>
                 </a:solidFill>
               </a:rPr>
-              <a:t>onClick</a:t>
-            </a:r>
-            <a:endParaRPr lang="en-US" dirty="0">
-              <a:solidFill>
-                <a:schemeClr val="bg1"/>
-              </a:solidFill>
-            </a:endParaRPr>
+              <a:t>Recoil</a:t>
+            </a:r>
           </a:p>
         </p:txBody>
       </p:sp>
@@ -7901,6 +7898,581 @@
               </a14:hiddenFill>
             </a:ext>
           </a:extLst>
+        </p:spPr>
+      </p:pic>
+      <p:pic>
+        <p:nvPicPr>
+          <p:cNvPr id="8" name="図 7">
+            <a:extLst>
+              <a:ext uri="{FF2B5EF4-FFF2-40B4-BE49-F238E27FC236}">
+                <a16:creationId xmlns:a16="http://schemas.microsoft.com/office/drawing/2014/main" id="{FE1F0ABD-FABC-D027-BDCA-4881D79DAF29}"/>
+              </a:ext>
+            </a:extLst>
+          </p:cNvPr>
+          <p:cNvPicPr>
+            <a:picLocks noChangeAspect="1"/>
+          </p:cNvPicPr>
+          <p:nvPr/>
+        </p:nvPicPr>
+        <p:blipFill>
+          <a:blip r:embed="rId4">
+            <a:extLst>
+              <a:ext uri="{28A0092B-C50C-407E-A947-70E740481C1C}">
+                <a14:useLocalDpi xmlns:a14="http://schemas.microsoft.com/office/drawing/2010/main" val="0"/>
+              </a:ext>
+            </a:extLst>
+          </a:blip>
+          <a:stretch>
+            <a:fillRect/>
+          </a:stretch>
+        </p:blipFill>
+        <p:spPr>
+          <a:xfrm>
+            <a:off x="158659" y="2478734"/>
+            <a:ext cx="5238750" cy="4114800"/>
+          </a:xfrm>
+          <a:prstGeom prst="rect">
+            <a:avLst/>
+          </a:prstGeom>
+        </p:spPr>
+      </p:pic>
+      <p:pic>
+        <p:nvPicPr>
+          <p:cNvPr id="10" name="図 9">
+            <a:extLst>
+              <a:ext uri="{FF2B5EF4-FFF2-40B4-BE49-F238E27FC236}">
+                <a16:creationId xmlns:a16="http://schemas.microsoft.com/office/drawing/2014/main" id="{497CB388-2AD0-F3F0-234F-DC23AF3072CC}"/>
+              </a:ext>
+            </a:extLst>
+          </p:cNvPr>
+          <p:cNvPicPr>
+            <a:picLocks noChangeAspect="1"/>
+          </p:cNvPicPr>
+          <p:nvPr/>
+        </p:nvPicPr>
+        <p:blipFill>
+          <a:blip r:embed="rId5">
+            <a:extLst>
+              <a:ext uri="{28A0092B-C50C-407E-A947-70E740481C1C}">
+                <a14:useLocalDpi xmlns:a14="http://schemas.microsoft.com/office/drawing/2010/main" val="0"/>
+              </a:ext>
+            </a:extLst>
+          </a:blip>
+          <a:stretch>
+            <a:fillRect/>
+          </a:stretch>
+        </p:blipFill>
+        <p:spPr>
+          <a:xfrm>
+            <a:off x="272829" y="1403266"/>
+            <a:ext cx="6121170" cy="1729602"/>
+          </a:xfrm>
+          <a:prstGeom prst="rect">
+            <a:avLst/>
+          </a:prstGeom>
+        </p:spPr>
+      </p:pic>
+      <p:sp>
+        <p:nvSpPr>
+          <p:cNvPr id="11" name="矢印: 下 10">
+            <a:extLst>
+              <a:ext uri="{FF2B5EF4-FFF2-40B4-BE49-F238E27FC236}">
+                <a16:creationId xmlns:a16="http://schemas.microsoft.com/office/drawing/2014/main" id="{037D5ED5-43C4-4816-3BE5-910AC6D24DE6}"/>
+              </a:ext>
+            </a:extLst>
+          </p:cNvPr>
+          <p:cNvSpPr/>
+          <p:nvPr/>
+        </p:nvSpPr>
+        <p:spPr>
+          <a:xfrm rot="19648791">
+            <a:off x="2640273" y="3260791"/>
+            <a:ext cx="275524" cy="527143"/>
+          </a:xfrm>
+          <a:prstGeom prst="downArrow">
+            <a:avLst/>
+          </a:prstGeom>
+          <a:solidFill>
+            <a:schemeClr val="bg1"/>
+          </a:solidFill>
+        </p:spPr>
+        <p:style>
+          <a:lnRef idx="2">
+            <a:schemeClr val="accent4">
+              <a:shade val="15000"/>
+            </a:schemeClr>
+          </a:lnRef>
+          <a:fillRef idx="1">
+            <a:schemeClr val="accent4"/>
+          </a:fillRef>
+          <a:effectRef idx="0">
+            <a:schemeClr val="accent4"/>
+          </a:effectRef>
+          <a:fontRef idx="minor">
+            <a:schemeClr val="lt1"/>
+          </a:fontRef>
+        </p:style>
+        <p:txBody>
+          <a:bodyPr rtlCol="0" anchor="ctr"/>
+          <a:lstStyle/>
+          <a:p>
+            <a:pPr algn="ctr"/>
+            <a:endParaRPr lang="en-US"/>
+          </a:p>
+        </p:txBody>
+      </p:sp>
+      <p:sp>
+        <p:nvSpPr>
+          <p:cNvPr id="12" name="タイトル 1">
+            <a:extLst>
+              <a:ext uri="{FF2B5EF4-FFF2-40B4-BE49-F238E27FC236}">
+                <a16:creationId xmlns:a16="http://schemas.microsoft.com/office/drawing/2014/main" id="{3387D8C1-6395-ED7A-9AC9-85D87A525B3F}"/>
+              </a:ext>
+            </a:extLst>
+          </p:cNvPr>
+          <p:cNvSpPr txBox="1">
+            <a:spLocks/>
+          </p:cNvSpPr>
+          <p:nvPr/>
+        </p:nvSpPr>
+        <p:spPr>
+          <a:xfrm>
+            <a:off x="548640" y="2516368"/>
+            <a:ext cx="2701877" cy="1002219"/>
+          </a:xfrm>
+          <a:prstGeom prst="rect">
+            <a:avLst/>
+          </a:prstGeom>
+        </p:spPr>
+        <p:txBody>
+          <a:bodyPr vert="horz" lIns="91440" tIns="45720" rIns="91440" bIns="45720" rtlCol="0" anchor="ctr">
+            <a:normAutofit/>
+          </a:bodyPr>
+          <a:lstStyle>
+            <a:lvl1pPr algn="l" defTabSz="914400" rtl="0" eaLnBrk="1" latinLnBrk="0" hangingPunct="1">
+              <a:lnSpc>
+                <a:spcPct val="90000"/>
+              </a:lnSpc>
+              <a:spcBef>
+                <a:spcPct val="0"/>
+              </a:spcBef>
+              <a:buNone/>
+              <a:defRPr sz="4400" kern="1200">
+                <a:solidFill>
+                  <a:schemeClr val="tx1"/>
+                </a:solidFill>
+                <a:latin typeface="+mj-lt"/>
+                <a:ea typeface="+mj-ea"/>
+                <a:cs typeface="+mj-cs"/>
+              </a:defRPr>
+            </a:lvl1pPr>
+          </a:lstStyle>
+          <a:p>
+            <a:r>
+              <a:rPr lang="ja-JP" altLang="en-US" sz="2000" dirty="0">
+                <a:solidFill>
+                  <a:schemeClr val="bg1"/>
+                </a:solidFill>
+                <a:latin typeface="+mn-ea"/>
+                <a:ea typeface="+mn-ea"/>
+              </a:rPr>
+              <a:t>変更する場所を</a:t>
+            </a:r>
+            <a:endParaRPr lang="en-US" altLang="ja-JP" sz="2000" dirty="0">
+              <a:solidFill>
+                <a:schemeClr val="bg1"/>
+              </a:solidFill>
+              <a:latin typeface="+mn-ea"/>
+              <a:ea typeface="+mn-ea"/>
+            </a:endParaRPr>
+          </a:p>
+          <a:p>
+            <a:r>
+              <a:rPr lang="en-US" sz="2000" dirty="0" err="1">
+                <a:solidFill>
+                  <a:schemeClr val="bg1"/>
+                </a:solidFill>
+                <a:latin typeface="+mn-ea"/>
+                <a:ea typeface="+mn-ea"/>
+              </a:rPr>
+              <a:t>RecoilRoot</a:t>
+            </a:r>
+            <a:r>
+              <a:rPr lang="ja-JP" altLang="en-US" sz="2000" dirty="0">
+                <a:solidFill>
+                  <a:schemeClr val="bg1"/>
+                </a:solidFill>
+                <a:latin typeface="+mn-ea"/>
+                <a:ea typeface="+mn-ea"/>
+              </a:rPr>
+              <a:t>で囲う</a:t>
+            </a:r>
+            <a:endParaRPr lang="en-US" sz="2000" dirty="0">
+              <a:solidFill>
+                <a:schemeClr val="bg1"/>
+              </a:solidFill>
+              <a:latin typeface="+mn-ea"/>
+              <a:ea typeface="+mn-ea"/>
+            </a:endParaRPr>
+          </a:p>
+        </p:txBody>
+      </p:sp>
+      <p:pic>
+        <p:nvPicPr>
+          <p:cNvPr id="15" name="図 14">
+            <a:extLst>
+              <a:ext uri="{FF2B5EF4-FFF2-40B4-BE49-F238E27FC236}">
+                <a16:creationId xmlns:a16="http://schemas.microsoft.com/office/drawing/2014/main" id="{B9A0C7ED-978D-2073-F65A-1FB4239D9390}"/>
+              </a:ext>
+            </a:extLst>
+          </p:cNvPr>
+          <p:cNvPicPr>
+            <a:picLocks noChangeAspect="1"/>
+          </p:cNvPicPr>
+          <p:nvPr/>
+        </p:nvPicPr>
+        <p:blipFill>
+          <a:blip r:embed="rId6">
+            <a:extLst>
+              <a:ext uri="{28A0092B-C50C-407E-A947-70E740481C1C}">
+                <a14:useLocalDpi xmlns:a14="http://schemas.microsoft.com/office/drawing/2010/main" val="0"/>
+              </a:ext>
+            </a:extLst>
+          </a:blip>
+          <a:stretch>
+            <a:fillRect/>
+          </a:stretch>
+        </p:blipFill>
+        <p:spPr>
+          <a:xfrm>
+            <a:off x="6666827" y="1538965"/>
+            <a:ext cx="5430251" cy="1186818"/>
+          </a:xfrm>
+          <a:prstGeom prst="rect">
+            <a:avLst/>
+          </a:prstGeom>
+        </p:spPr>
+      </p:pic>
+      <p:sp>
+        <p:nvSpPr>
+          <p:cNvPr id="16" name="タイトル 1">
+            <a:extLst>
+              <a:ext uri="{FF2B5EF4-FFF2-40B4-BE49-F238E27FC236}">
+                <a16:creationId xmlns:a16="http://schemas.microsoft.com/office/drawing/2014/main" id="{30BF1675-7191-CFD0-51BA-1E71563C2538}"/>
+              </a:ext>
+            </a:extLst>
+          </p:cNvPr>
+          <p:cNvSpPr txBox="1">
+            <a:spLocks/>
+          </p:cNvSpPr>
+          <p:nvPr/>
+        </p:nvSpPr>
+        <p:spPr>
+          <a:xfrm>
+            <a:off x="2736941" y="872041"/>
+            <a:ext cx="1068706" cy="999073"/>
+          </a:xfrm>
+          <a:prstGeom prst="rect">
+            <a:avLst/>
+          </a:prstGeom>
+        </p:spPr>
+        <p:txBody>
+          <a:bodyPr vert="horz" lIns="91440" tIns="45720" rIns="91440" bIns="45720" rtlCol="0" anchor="ctr">
+            <a:normAutofit/>
+          </a:bodyPr>
+          <a:lstStyle>
+            <a:lvl1pPr algn="l" defTabSz="914400" rtl="0" eaLnBrk="1" latinLnBrk="0" hangingPunct="1">
+              <a:lnSpc>
+                <a:spcPct val="90000"/>
+              </a:lnSpc>
+              <a:spcBef>
+                <a:spcPct val="0"/>
+              </a:spcBef>
+              <a:buNone/>
+              <a:defRPr sz="4400" kern="1200">
+                <a:solidFill>
+                  <a:schemeClr val="tx1"/>
+                </a:solidFill>
+                <a:latin typeface="+mj-lt"/>
+                <a:ea typeface="+mj-ea"/>
+                <a:cs typeface="+mj-cs"/>
+              </a:defRPr>
+            </a:lvl1pPr>
+          </a:lstStyle>
+          <a:p>
+            <a:r>
+              <a:rPr lang="ja-JP" altLang="en-US" sz="2800" dirty="0">
+                <a:solidFill>
+                  <a:schemeClr val="bg1"/>
+                </a:solidFill>
+                <a:latin typeface="+mn-ea"/>
+                <a:ea typeface="+mn-ea"/>
+              </a:rPr>
+              <a:t>親</a:t>
+            </a:r>
+            <a:endParaRPr lang="en-US" sz="2800" dirty="0">
+              <a:solidFill>
+                <a:schemeClr val="bg1"/>
+              </a:solidFill>
+              <a:latin typeface="+mn-ea"/>
+              <a:ea typeface="+mn-ea"/>
+            </a:endParaRPr>
+          </a:p>
+        </p:txBody>
+      </p:sp>
+      <p:sp>
+        <p:nvSpPr>
+          <p:cNvPr id="17" name="タイトル 1">
+            <a:extLst>
+              <a:ext uri="{FF2B5EF4-FFF2-40B4-BE49-F238E27FC236}">
+                <a16:creationId xmlns:a16="http://schemas.microsoft.com/office/drawing/2014/main" id="{1DDB7481-1439-4ED9-C6E1-7BB63FDF79F1}"/>
+              </a:ext>
+            </a:extLst>
+          </p:cNvPr>
+          <p:cNvSpPr txBox="1">
+            <a:spLocks/>
+          </p:cNvSpPr>
+          <p:nvPr/>
+        </p:nvSpPr>
+        <p:spPr>
+          <a:xfrm>
+            <a:off x="9099369" y="1056740"/>
+            <a:ext cx="1068706" cy="999073"/>
+          </a:xfrm>
+          <a:prstGeom prst="rect">
+            <a:avLst/>
+          </a:prstGeom>
+        </p:spPr>
+        <p:txBody>
+          <a:bodyPr vert="horz" lIns="91440" tIns="45720" rIns="91440" bIns="45720" rtlCol="0" anchor="ctr">
+            <a:normAutofit/>
+          </a:bodyPr>
+          <a:lstStyle>
+            <a:lvl1pPr algn="l" defTabSz="914400" rtl="0" eaLnBrk="1" latinLnBrk="0" hangingPunct="1">
+              <a:lnSpc>
+                <a:spcPct val="90000"/>
+              </a:lnSpc>
+              <a:spcBef>
+                <a:spcPct val="0"/>
+              </a:spcBef>
+              <a:buNone/>
+              <a:defRPr sz="4400" kern="1200">
+                <a:solidFill>
+                  <a:schemeClr val="tx1"/>
+                </a:solidFill>
+                <a:latin typeface="+mj-lt"/>
+                <a:ea typeface="+mj-ea"/>
+                <a:cs typeface="+mj-cs"/>
+              </a:defRPr>
+            </a:lvl1pPr>
+          </a:lstStyle>
+          <a:p>
+            <a:r>
+              <a:rPr lang="ja-JP" altLang="en-US" sz="2800" dirty="0">
+                <a:solidFill>
+                  <a:schemeClr val="bg1"/>
+                </a:solidFill>
+                <a:latin typeface="+mn-ea"/>
+                <a:ea typeface="+mn-ea"/>
+              </a:rPr>
+              <a:t>子</a:t>
+            </a:r>
+            <a:endParaRPr lang="en-US" sz="2800" dirty="0">
+              <a:solidFill>
+                <a:schemeClr val="bg1"/>
+              </a:solidFill>
+              <a:latin typeface="+mn-ea"/>
+              <a:ea typeface="+mn-ea"/>
+            </a:endParaRPr>
+          </a:p>
+        </p:txBody>
+      </p:sp>
+      <p:pic>
+        <p:nvPicPr>
+          <p:cNvPr id="19" name="図 18">
+            <a:extLst>
+              <a:ext uri="{FF2B5EF4-FFF2-40B4-BE49-F238E27FC236}">
+                <a16:creationId xmlns:a16="http://schemas.microsoft.com/office/drawing/2014/main" id="{D9005D09-87A8-3C61-1E2D-47BD9967A373}"/>
+              </a:ext>
+            </a:extLst>
+          </p:cNvPr>
+          <p:cNvPicPr>
+            <a:picLocks noChangeAspect="1"/>
+          </p:cNvPicPr>
+          <p:nvPr/>
+        </p:nvPicPr>
+        <p:blipFill>
+          <a:blip r:embed="rId7">
+            <a:extLst>
+              <a:ext uri="{28A0092B-C50C-407E-A947-70E740481C1C}">
+                <a14:useLocalDpi xmlns:a14="http://schemas.microsoft.com/office/drawing/2010/main" val="0"/>
+              </a:ext>
+            </a:extLst>
+          </a:blip>
+          <a:stretch>
+            <a:fillRect/>
+          </a:stretch>
+        </p:blipFill>
+        <p:spPr>
+          <a:xfrm>
+            <a:off x="6743494" y="2895401"/>
+            <a:ext cx="5584920" cy="2715475"/>
+          </a:xfrm>
+          <a:prstGeom prst="rect">
+            <a:avLst/>
+          </a:prstGeom>
+        </p:spPr>
+      </p:pic>
+      <p:sp>
+        <p:nvSpPr>
+          <p:cNvPr id="20" name="タイトル 1">
+            <a:extLst>
+              <a:ext uri="{FF2B5EF4-FFF2-40B4-BE49-F238E27FC236}">
+                <a16:creationId xmlns:a16="http://schemas.microsoft.com/office/drawing/2014/main" id="{78780A3F-0584-E9B2-66EC-E2F68AB4FBAA}"/>
+              </a:ext>
+            </a:extLst>
+          </p:cNvPr>
+          <p:cNvSpPr txBox="1">
+            <a:spLocks/>
+          </p:cNvSpPr>
+          <p:nvPr/>
+        </p:nvSpPr>
+        <p:spPr>
+          <a:xfrm>
+            <a:off x="7394501" y="2346576"/>
+            <a:ext cx="4579305" cy="1082424"/>
+          </a:xfrm>
+          <a:prstGeom prst="rect">
+            <a:avLst/>
+          </a:prstGeom>
+        </p:spPr>
+        <p:txBody>
+          <a:bodyPr vert="horz" lIns="91440" tIns="45720" rIns="91440" bIns="45720" rtlCol="0" anchor="ctr">
+            <a:normAutofit fontScale="92500"/>
+          </a:bodyPr>
+          <a:lstStyle>
+            <a:lvl1pPr algn="l" defTabSz="914400" rtl="0" eaLnBrk="1" latinLnBrk="0" hangingPunct="1">
+              <a:lnSpc>
+                <a:spcPct val="90000"/>
+              </a:lnSpc>
+              <a:spcBef>
+                <a:spcPct val="0"/>
+              </a:spcBef>
+              <a:buNone/>
+              <a:defRPr sz="4400" kern="1200">
+                <a:solidFill>
+                  <a:schemeClr val="tx1"/>
+                </a:solidFill>
+                <a:latin typeface="+mj-lt"/>
+                <a:ea typeface="+mj-ea"/>
+                <a:cs typeface="+mj-cs"/>
+              </a:defRPr>
+            </a:lvl1pPr>
+          </a:lstStyle>
+          <a:p>
+            <a:r>
+              <a:rPr lang="ja-JP" altLang="en-US" sz="2800" dirty="0">
+                <a:solidFill>
+                  <a:schemeClr val="bg1"/>
+                </a:solidFill>
+                <a:latin typeface="+mn-ea"/>
+                <a:ea typeface="+mn-ea"/>
+              </a:rPr>
+              <a:t>キーの設定</a:t>
+            </a:r>
+            <a:endParaRPr lang="en-US" altLang="ja-JP" sz="2800" dirty="0">
+              <a:solidFill>
+                <a:schemeClr val="bg1"/>
+              </a:solidFill>
+              <a:latin typeface="+mn-ea"/>
+              <a:ea typeface="+mn-ea"/>
+            </a:endParaRPr>
+          </a:p>
+          <a:p>
+            <a:r>
+              <a:rPr lang="ja-JP" altLang="en-US" sz="2800" dirty="0">
+                <a:solidFill>
+                  <a:schemeClr val="bg1"/>
+                </a:solidFill>
+                <a:latin typeface="+mn-ea"/>
+                <a:ea typeface="+mn-ea"/>
+              </a:rPr>
+              <a:t>（</a:t>
+            </a:r>
+            <a:r>
+              <a:rPr lang="en-US" altLang="ja-JP" sz="2800" dirty="0">
+                <a:solidFill>
+                  <a:schemeClr val="bg1"/>
+                </a:solidFill>
+                <a:latin typeface="+mn-ea"/>
+                <a:ea typeface="+mn-ea"/>
+              </a:rPr>
+              <a:t>export </a:t>
+            </a:r>
+            <a:r>
+              <a:rPr lang="en-US" altLang="ja-JP" sz="2800" dirty="0" err="1">
+                <a:solidFill>
+                  <a:schemeClr val="bg1"/>
+                </a:solidFill>
+                <a:latin typeface="+mn-ea"/>
+                <a:ea typeface="+mn-ea"/>
+              </a:rPr>
+              <a:t>defaut</a:t>
+            </a:r>
+            <a:r>
+              <a:rPr lang="ja-JP" altLang="en-US" sz="2800" dirty="0">
+                <a:solidFill>
+                  <a:schemeClr val="bg1"/>
+                </a:solidFill>
+                <a:latin typeface="+mn-ea"/>
+                <a:ea typeface="+mn-ea"/>
+              </a:rPr>
+              <a:t>の外に記述）</a:t>
+            </a:r>
+            <a:endParaRPr lang="en-US" sz="2800" dirty="0">
+              <a:solidFill>
+                <a:schemeClr val="bg1"/>
+              </a:solidFill>
+              <a:latin typeface="+mn-ea"/>
+              <a:ea typeface="+mn-ea"/>
+            </a:endParaRPr>
+          </a:p>
+        </p:txBody>
+      </p:sp>
+      <p:pic>
+        <p:nvPicPr>
+          <p:cNvPr id="22" name="図 21">
+            <a:extLst>
+              <a:ext uri="{FF2B5EF4-FFF2-40B4-BE49-F238E27FC236}">
+                <a16:creationId xmlns:a16="http://schemas.microsoft.com/office/drawing/2014/main" id="{DED3DA50-3909-D09F-7A40-9853A7FB68E7}"/>
+              </a:ext>
+            </a:extLst>
+          </p:cNvPr>
+          <p:cNvPicPr>
+            <a:picLocks noChangeAspect="1"/>
+          </p:cNvPicPr>
+          <p:nvPr/>
+        </p:nvPicPr>
+        <p:blipFill>
+          <a:blip r:embed="rId8">
+            <a:extLst>
+              <a:ext uri="{28A0092B-C50C-407E-A947-70E740481C1C}">
+                <a14:useLocalDpi xmlns:a14="http://schemas.microsoft.com/office/drawing/2010/main" val="0"/>
+              </a:ext>
+            </a:extLst>
+          </a:blip>
+          <a:stretch>
+            <a:fillRect/>
+          </a:stretch>
+        </p:blipFill>
+        <p:spPr>
+          <a:xfrm>
+            <a:off x="5290662" y="5319035"/>
+            <a:ext cx="6929071" cy="1116233"/>
+          </a:xfrm>
+          <a:prstGeom prst="rect">
+            <a:avLst/>
+          </a:prstGeom>
         </p:spPr>
       </p:pic>
     </p:spTree>
@@ -7935,17 +8507,19 @@
       </p:grpSpPr>
       <p:pic>
         <p:nvPicPr>
-          <p:cNvPr id="4" name="コンテンツ プレースホルダー 4">
-            <a:extLst>
-              <a:ext uri="{FF2B5EF4-FFF2-40B4-BE49-F238E27FC236}">
-                <a16:creationId xmlns:a16="http://schemas.microsoft.com/office/drawing/2014/main" id="{4D669C68-45B9-6DDB-C767-85131022425E}"/>
+          <p:cNvPr id="5" name="コンテンツ プレースホルダー 4">
+            <a:extLst>
+              <a:ext uri="{FF2B5EF4-FFF2-40B4-BE49-F238E27FC236}">
+                <a16:creationId xmlns:a16="http://schemas.microsoft.com/office/drawing/2014/main" id="{CA4230A3-DCFB-6784-93C5-7288726716F3}"/>
               </a:ext>
             </a:extLst>
           </p:cNvPr>
           <p:cNvPicPr>
-            <a:picLocks noChangeAspect="1"/>
+            <a:picLocks noGrp="1" noChangeAspect="1"/>
           </p:cNvPicPr>
-          <p:nvPr/>
+          <p:nvPr>
+            <p:ph idx="1"/>
+          </p:nvPr>
         </p:nvPicPr>
         <p:blipFill>
           <a:blip r:embed="rId2">
@@ -7964,17 +8538,51 @@
             <a:off x="0" y="0"/>
             <a:ext cx="12192000" cy="6858001"/>
           </a:xfrm>
-          <a:prstGeom prst="rect">
-            <a:avLst/>
-          </a:prstGeom>
         </p:spPr>
       </p:pic>
       <p:sp>
         <p:nvSpPr>
-          <p:cNvPr id="6" name="四角形: 角を丸くする 5">
-            <a:extLst>
-              <a:ext uri="{FF2B5EF4-FFF2-40B4-BE49-F238E27FC236}">
-                <a16:creationId xmlns:a16="http://schemas.microsoft.com/office/drawing/2014/main" id="{6CF3D8A3-CDD7-B736-6CFC-8975B4204DD5}"/>
+          <p:cNvPr id="2" name="タイトル 1">
+            <a:extLst>
+              <a:ext uri="{FF2B5EF4-FFF2-40B4-BE49-F238E27FC236}">
+                <a16:creationId xmlns:a16="http://schemas.microsoft.com/office/drawing/2014/main" id="{99A8EF4D-58F1-68B6-4B57-3BDAA4E34A6D}"/>
+              </a:ext>
+            </a:extLst>
+          </p:cNvPr>
+          <p:cNvSpPr>
+            <a:spLocks noGrp="1"/>
+          </p:cNvSpPr>
+          <p:nvPr>
+            <p:ph type="title"/>
+          </p:nvPr>
+        </p:nvSpPr>
+        <p:spPr/>
+        <p:txBody>
+          <a:bodyPr/>
+          <a:lstStyle/>
+          <a:p>
+            <a:r>
+              <a:rPr lang="en-US" dirty="0" err="1">
+                <a:solidFill>
+                  <a:schemeClr val="bg1"/>
+                </a:solidFill>
+              </a:rPr>
+              <a:t>onClick</a:t>
+            </a:r>
+            <a:endParaRPr lang="en-US" dirty="0">
+              <a:solidFill>
+                <a:schemeClr val="bg1"/>
+              </a:solidFill>
+            </a:endParaRPr>
+          </a:p>
+        </p:txBody>
+      </p:sp>
+      <p:sp>
+        <p:nvSpPr>
+          <p:cNvPr id="6" name="楕円 5">
+            <a:extLst>
+              <a:ext uri="{FF2B5EF4-FFF2-40B4-BE49-F238E27FC236}">
+                <a16:creationId xmlns:a16="http://schemas.microsoft.com/office/drawing/2014/main" id="{581C55BE-C550-F450-5FF0-5BD966A5833E}"/>
               </a:ext>
             </a:extLst>
           </p:cNvPr>
@@ -7983,16 +8591,14 @@
         </p:nvSpPr>
         <p:spPr>
           <a:xfrm>
-            <a:off x="3190875" y="4010025"/>
-            <a:ext cx="7715251" cy="2171700"/>
-          </a:xfrm>
-          <a:prstGeom prst="roundRect">
+            <a:off x="433749" y="825680"/>
+            <a:ext cx="404451" cy="404451"/>
+          </a:xfrm>
+          <a:prstGeom prst="ellipse">
             <a:avLst/>
           </a:prstGeom>
           <a:solidFill>
-            <a:schemeClr val="bg2">
-              <a:lumMod val="25000"/>
-            </a:schemeClr>
+            <a:schemeClr val="bg1"/>
           </a:solidFill>
         </p:spPr>
         <p:style>
@@ -8016,246 +8622,65 @@
           <a:lstStyle/>
           <a:p>
             <a:pPr algn="ctr"/>
-            <a:endParaRPr lang="en-US"/>
-          </a:p>
-        </p:txBody>
-      </p:sp>
-      <p:sp>
-        <p:nvSpPr>
-          <p:cNvPr id="2" name="タイトル 1">
-            <a:extLst>
-              <a:ext uri="{FF2B5EF4-FFF2-40B4-BE49-F238E27FC236}">
-                <a16:creationId xmlns:a16="http://schemas.microsoft.com/office/drawing/2014/main" id="{3FAD60CA-D477-A45B-5A8C-5735EDC9127D}"/>
-              </a:ext>
-            </a:extLst>
-          </p:cNvPr>
-          <p:cNvSpPr>
-            <a:spLocks noGrp="1"/>
-          </p:cNvSpPr>
-          <p:nvPr>
-            <p:ph type="ctrTitle"/>
-          </p:nvPr>
-        </p:nvSpPr>
-        <p:spPr>
-          <a:xfrm>
-            <a:off x="823912" y="750887"/>
-            <a:ext cx="10544175" cy="2954337"/>
-          </a:xfrm>
-        </p:spPr>
-        <p:txBody>
-          <a:bodyPr>
-            <a:normAutofit/>
-          </a:bodyPr>
-          <a:lstStyle/>
-          <a:p>
-            <a:r>
-              <a:rPr lang="ja-JP" altLang="en-US" dirty="0">
-                <a:solidFill>
-                  <a:schemeClr val="bg1"/>
-                </a:solidFill>
-                <a:latin typeface="BIZ UDPゴシック" panose="020B0400000000000000" pitchFamily="50" charset="-128"/>
-                <a:ea typeface="BIZ UDPゴシック" panose="020B0400000000000000" pitchFamily="50" charset="-128"/>
-              </a:rPr>
-              <a:t>この</a:t>
-            </a:r>
-            <a:r>
-              <a:rPr lang="en-US" altLang="ja-JP" dirty="0">
-                <a:solidFill>
-                  <a:schemeClr val="bg1"/>
-                </a:solidFill>
-                <a:latin typeface="BIZ UDPゴシック" panose="020B0400000000000000" pitchFamily="50" charset="-128"/>
-                <a:ea typeface="BIZ UDPゴシック" panose="020B0400000000000000" pitchFamily="50" charset="-128"/>
-              </a:rPr>
-              <a:t>ppt</a:t>
-            </a:r>
-            <a:r>
-              <a:rPr lang="ja-JP" altLang="en-US" dirty="0">
-                <a:solidFill>
-                  <a:schemeClr val="bg1"/>
-                </a:solidFill>
-                <a:latin typeface="BIZ UDPゴシック" panose="020B0400000000000000" pitchFamily="50" charset="-128"/>
-                <a:ea typeface="BIZ UDPゴシック" panose="020B0400000000000000" pitchFamily="50" charset="-128"/>
-              </a:rPr>
-              <a:t>はプロジェクトファイルにあるから、</a:t>
-            </a:r>
-            <a:r>
-              <a:rPr lang="ja-JP" altLang="en-US">
-                <a:solidFill>
-                  <a:schemeClr val="bg1"/>
-                </a:solidFill>
-                <a:latin typeface="BIZ UDPゴシック" panose="020B0400000000000000" pitchFamily="50" charset="-128"/>
-                <a:ea typeface="BIZ UDPゴシック" panose="020B0400000000000000" pitchFamily="50" charset="-128"/>
-              </a:rPr>
-              <a:t>わからなくなったら見る</a:t>
-            </a:r>
-            <a:r>
-              <a:rPr lang="ja-JP" altLang="en-US" dirty="0">
-                <a:solidFill>
-                  <a:schemeClr val="bg1"/>
-                </a:solidFill>
-                <a:latin typeface="BIZ UDPゴシック" panose="020B0400000000000000" pitchFamily="50" charset="-128"/>
-                <a:ea typeface="BIZ UDPゴシック" panose="020B0400000000000000" pitchFamily="50" charset="-128"/>
-              </a:rPr>
-              <a:t>！</a:t>
-            </a:r>
-            <a:endParaRPr lang="en-US" dirty="0">
+            <a:endParaRPr lang="en-US">
               <a:solidFill>
                 <a:schemeClr val="bg1"/>
               </a:solidFill>
-              <a:latin typeface="BIZ UDPゴシック" panose="020B0400000000000000" pitchFamily="50" charset="-128"/>
-              <a:ea typeface="BIZ UDPゴシック" panose="020B0400000000000000" pitchFamily="50" charset="-128"/>
             </a:endParaRPr>
           </a:p>
         </p:txBody>
       </p:sp>
-      <p:sp>
-        <p:nvSpPr>
-          <p:cNvPr id="5" name="タイトル 1">
-            <a:extLst>
-              <a:ext uri="{FF2B5EF4-FFF2-40B4-BE49-F238E27FC236}">
-                <a16:creationId xmlns:a16="http://schemas.microsoft.com/office/drawing/2014/main" id="{FD27990F-B268-6647-5578-F6BD20B2B220}"/>
-              </a:ext>
-            </a:extLst>
-          </p:cNvPr>
-          <p:cNvSpPr txBox="1">
-            <a:spLocks/>
-          </p:cNvSpPr>
+      <p:pic>
+        <p:nvPicPr>
+          <p:cNvPr id="13" name="Picture 4" descr="React - Wikipedia">
+            <a:extLst>
+              <a:ext uri="{FF2B5EF4-FFF2-40B4-BE49-F238E27FC236}">
+                <a16:creationId xmlns:a16="http://schemas.microsoft.com/office/drawing/2014/main" id="{2D376E7B-FD46-BD91-962D-06D65BDB3D97}"/>
+              </a:ext>
+            </a:extLst>
+          </p:cNvPr>
+          <p:cNvPicPr>
+            <a:picLocks noChangeAspect="1" noChangeArrowheads="1"/>
+          </p:cNvPicPr>
           <p:nvPr/>
-        </p:nvSpPr>
-        <p:spPr>
-          <a:xfrm>
-            <a:off x="3386137" y="4010025"/>
-            <a:ext cx="7339013" cy="2038351"/>
+        </p:nvPicPr>
+        <p:blipFill>
+          <a:blip r:embed="rId3">
+            <a:extLst>
+              <a:ext uri="{28A0092B-C50C-407E-A947-70E740481C1C}">
+                <a14:useLocalDpi xmlns:a14="http://schemas.microsoft.com/office/drawing/2010/main" val="0"/>
+              </a:ext>
+            </a:extLst>
+          </a:blip>
+          <a:srcRect/>
+          <a:stretch>
+            <a:fillRect/>
+          </a:stretch>
+        </p:blipFill>
+        <p:spPr bwMode="auto">
+          <a:xfrm>
+            <a:off x="5719171" y="279782"/>
+            <a:ext cx="1258958" cy="1091796"/>
           </a:xfrm>
           <a:prstGeom prst="rect">
             <a:avLst/>
           </a:prstGeom>
-        </p:spPr>
-        <p:txBody>
-          <a:bodyPr vert="horz" lIns="91440" tIns="45720" rIns="91440" bIns="45720" rtlCol="0" anchor="b">
-            <a:normAutofit/>
-          </a:bodyPr>
-          <a:lstStyle>
-            <a:lvl1pPr algn="ctr" defTabSz="914400" rtl="0" eaLnBrk="1" latinLnBrk="0" hangingPunct="1">
-              <a:lnSpc>
-                <a:spcPct val="90000"/>
-              </a:lnSpc>
-              <a:spcBef>
-                <a:spcPct val="0"/>
-              </a:spcBef>
-              <a:buNone/>
-              <a:defRPr sz="6000" kern="1200">
-                <a:solidFill>
-                  <a:schemeClr val="tx1"/>
-                </a:solidFill>
-                <a:latin typeface="+mj-lt"/>
-                <a:ea typeface="+mj-ea"/>
-                <a:cs typeface="+mj-cs"/>
-              </a:defRPr>
-            </a:lvl1pPr>
-          </a:lstStyle>
-          <a:p>
-            <a:pPr algn="l"/>
-            <a:r>
-              <a:rPr lang="en-US" sz="3200" b="0" i="0" dirty="0" err="1">
+          <a:noFill/>
+          <a:extLst>
+            <a:ext uri="{909E8E84-426E-40DD-AFC4-6F175D3DCCD1}">
+              <a14:hiddenFill xmlns:a14="http://schemas.microsoft.com/office/drawing/2010/main">
                 <a:solidFill>
                   <a:srgbClr val="FFFFFF"/>
                 </a:solidFill>
-                <a:effectLst/>
-                <a:latin typeface="Fira code" panose="020B0809050000020004" pitchFamily="49" charset="0"/>
-              </a:rPr>
-              <a:t>ClockShare_React</a:t>
-            </a:r>
-            <a:endParaRPr lang="en-US" sz="3200" b="0" i="0" dirty="0">
-              <a:solidFill>
-                <a:srgbClr val="FFFFFF"/>
-              </a:solidFill>
-              <a:effectLst/>
-              <a:latin typeface="Fira code" panose="020B0809050000020004" pitchFamily="49" charset="0"/>
-            </a:endParaRPr>
-          </a:p>
-          <a:p>
-            <a:pPr algn="l"/>
-            <a:r>
-              <a:rPr lang="en-US" sz="3200" b="0" i="0" dirty="0">
-                <a:solidFill>
-                  <a:srgbClr val="FFFFFF"/>
-                </a:solidFill>
-                <a:effectLst/>
-                <a:latin typeface="Fira code" panose="020B0809050000020004" pitchFamily="49" charset="0"/>
-              </a:rPr>
-              <a:t> └── assets</a:t>
-            </a:r>
-          </a:p>
-          <a:p>
-            <a:pPr algn="l"/>
-            <a:r>
-              <a:rPr lang="en-US" sz="3200" b="0" i="0" dirty="0">
-                <a:solidFill>
-                  <a:srgbClr val="FFFFFF"/>
-                </a:solidFill>
-                <a:effectLst/>
-                <a:latin typeface="Fira code" panose="020B0809050000020004" pitchFamily="49" charset="0"/>
-              </a:rPr>
-              <a:t> </a:t>
-            </a:r>
-            <a:r>
-              <a:rPr lang="ja-JP" altLang="en-US" sz="3200" b="0" i="0" dirty="0">
-                <a:solidFill>
-                  <a:srgbClr val="FFFFFF"/>
-                </a:solidFill>
-                <a:effectLst/>
-                <a:latin typeface="Fira code" panose="020B0809050000020004" pitchFamily="49" charset="0"/>
-              </a:rPr>
-              <a:t>　　　</a:t>
-            </a:r>
-            <a:r>
-              <a:rPr lang="en-US" sz="3200" b="0" i="0" dirty="0">
-                <a:solidFill>
-                  <a:srgbClr val="FFFFFF"/>
-                </a:solidFill>
-                <a:effectLst/>
-                <a:latin typeface="Fira code" panose="020B0809050000020004" pitchFamily="49" charset="0"/>
-              </a:rPr>
-              <a:t>└── Dev </a:t>
-            </a:r>
-          </a:p>
-          <a:p>
-            <a:pPr algn="l"/>
-            <a:r>
-              <a:rPr lang="ja-JP" altLang="en-US" sz="3200" b="0" i="0" dirty="0">
-                <a:solidFill>
-                  <a:srgbClr val="FFFFFF"/>
-                </a:solidFill>
-                <a:effectLst/>
-                <a:latin typeface="Fira code" panose="020B0809050000020004" pitchFamily="49" charset="0"/>
-              </a:rPr>
-              <a:t>　　　　　　</a:t>
-            </a:r>
-            <a:r>
-              <a:rPr lang="en-US" sz="3200" b="0" i="0" dirty="0">
-                <a:solidFill>
-                  <a:srgbClr val="FFFFFF"/>
-                </a:solidFill>
-                <a:effectLst/>
-                <a:latin typeface="Fira code" panose="020B0809050000020004" pitchFamily="49" charset="0"/>
-              </a:rPr>
-              <a:t>└── VuetoReact.pptx</a:t>
-            </a:r>
-            <a:endParaRPr lang="en-US" sz="3200" dirty="0">
-              <a:solidFill>
-                <a:schemeClr val="bg1"/>
-              </a:solidFill>
-              <a:latin typeface="BIZ UDPゴシック" panose="020B0400000000000000" pitchFamily="50" charset="-128"/>
-              <a:ea typeface="BIZ UDPゴシック" panose="020B0400000000000000" pitchFamily="50" charset="-128"/>
-            </a:endParaRPr>
-          </a:p>
-        </p:txBody>
-      </p:sp>
+              </a14:hiddenFill>
+            </a:ext>
+          </a:extLst>
+        </p:spPr>
+      </p:pic>
     </p:spTree>
     <p:extLst>
       <p:ext uri="{BB962C8B-B14F-4D97-AF65-F5344CB8AC3E}">
-        <p14:creationId xmlns:p14="http://schemas.microsoft.com/office/powerpoint/2010/main" val="2130425698"/>
+        <p14:creationId xmlns:p14="http://schemas.microsoft.com/office/powerpoint/2010/main" val="139453695"/>
       </p:ext>
     </p:extLst>
   </p:cSld>
@@ -8509,6 +8934,557 @@
     <p:extLst>
       <p:ext uri="{BB962C8B-B14F-4D97-AF65-F5344CB8AC3E}">
         <p14:creationId xmlns:p14="http://schemas.microsoft.com/office/powerpoint/2010/main" val="3714939258"/>
+      </p:ext>
+    </p:extLst>
+  </p:cSld>
+  <p:clrMapOvr>
+    <a:masterClrMapping/>
+  </p:clrMapOvr>
+</p:sld>
+</file>
+
+<file path=ppt/slides/slide20.xml><?xml version="1.0" encoding="utf-8"?>
+<p:sld xmlns:a="http://schemas.openxmlformats.org/drawingml/2006/main" xmlns:r="http://schemas.openxmlformats.org/officeDocument/2006/relationships" xmlns:p="http://schemas.openxmlformats.org/presentationml/2006/main">
+  <p:cSld>
+    <p:spTree>
+      <p:nvGrpSpPr>
+        <p:cNvPr id="1" name=""/>
+        <p:cNvGrpSpPr/>
+        <p:nvPr/>
+      </p:nvGrpSpPr>
+      <p:grpSpPr>
+        <a:xfrm>
+          <a:off x="0" y="0"/>
+          <a:ext cx="0" cy="0"/>
+          <a:chOff x="0" y="0"/>
+          <a:chExt cx="0" cy="0"/>
+        </a:xfrm>
+      </p:grpSpPr>
+      <p:pic>
+        <p:nvPicPr>
+          <p:cNvPr id="5" name="コンテンツ プレースホルダー 4">
+            <a:extLst>
+              <a:ext uri="{FF2B5EF4-FFF2-40B4-BE49-F238E27FC236}">
+                <a16:creationId xmlns:a16="http://schemas.microsoft.com/office/drawing/2014/main" id="{CA4230A3-DCFB-6784-93C5-7288726716F3}"/>
+              </a:ext>
+            </a:extLst>
+          </p:cNvPr>
+          <p:cNvPicPr>
+            <a:picLocks noGrp="1" noChangeAspect="1"/>
+          </p:cNvPicPr>
+          <p:nvPr>
+            <p:ph idx="1"/>
+          </p:nvPr>
+        </p:nvPicPr>
+        <p:blipFill>
+          <a:blip r:embed="rId2">
+            <a:extLst>
+              <a:ext uri="{28A0092B-C50C-407E-A947-70E740481C1C}">
+                <a14:useLocalDpi xmlns:a14="http://schemas.microsoft.com/office/drawing/2010/main" val="0"/>
+              </a:ext>
+            </a:extLst>
+          </a:blip>
+          <a:stretch>
+            <a:fillRect/>
+          </a:stretch>
+        </p:blipFill>
+        <p:spPr>
+          <a:xfrm>
+            <a:off x="0" y="0"/>
+            <a:ext cx="12192000" cy="6858001"/>
+          </a:xfrm>
+        </p:spPr>
+      </p:pic>
+      <p:sp>
+        <p:nvSpPr>
+          <p:cNvPr id="2" name="タイトル 1">
+            <a:extLst>
+              <a:ext uri="{FF2B5EF4-FFF2-40B4-BE49-F238E27FC236}">
+                <a16:creationId xmlns:a16="http://schemas.microsoft.com/office/drawing/2014/main" id="{99A8EF4D-58F1-68B6-4B57-3BDAA4E34A6D}"/>
+              </a:ext>
+            </a:extLst>
+          </p:cNvPr>
+          <p:cNvSpPr>
+            <a:spLocks noGrp="1"/>
+          </p:cNvSpPr>
+          <p:nvPr>
+            <p:ph type="title"/>
+          </p:nvPr>
+        </p:nvSpPr>
+        <p:spPr/>
+        <p:txBody>
+          <a:bodyPr/>
+          <a:lstStyle/>
+          <a:p>
+            <a:r>
+              <a:rPr lang="en-US" dirty="0" err="1">
+                <a:solidFill>
+                  <a:schemeClr val="bg1"/>
+                </a:solidFill>
+              </a:rPr>
+              <a:t>onClick</a:t>
+            </a:r>
+            <a:endParaRPr lang="en-US" dirty="0">
+              <a:solidFill>
+                <a:schemeClr val="bg1"/>
+              </a:solidFill>
+            </a:endParaRPr>
+          </a:p>
+        </p:txBody>
+      </p:sp>
+      <p:sp>
+        <p:nvSpPr>
+          <p:cNvPr id="6" name="楕円 5">
+            <a:extLst>
+              <a:ext uri="{FF2B5EF4-FFF2-40B4-BE49-F238E27FC236}">
+                <a16:creationId xmlns:a16="http://schemas.microsoft.com/office/drawing/2014/main" id="{581C55BE-C550-F450-5FF0-5BD966A5833E}"/>
+              </a:ext>
+            </a:extLst>
+          </p:cNvPr>
+          <p:cNvSpPr/>
+          <p:nvPr/>
+        </p:nvSpPr>
+        <p:spPr>
+          <a:xfrm>
+            <a:off x="433749" y="825680"/>
+            <a:ext cx="404451" cy="404451"/>
+          </a:xfrm>
+          <a:prstGeom prst="ellipse">
+            <a:avLst/>
+          </a:prstGeom>
+          <a:solidFill>
+            <a:schemeClr val="bg1"/>
+          </a:solidFill>
+        </p:spPr>
+        <p:style>
+          <a:lnRef idx="2">
+            <a:schemeClr val="accent1">
+              <a:shade val="15000"/>
+            </a:schemeClr>
+          </a:lnRef>
+          <a:fillRef idx="1">
+            <a:schemeClr val="accent1"/>
+          </a:fillRef>
+          <a:effectRef idx="0">
+            <a:schemeClr val="accent1"/>
+          </a:effectRef>
+          <a:fontRef idx="minor">
+            <a:schemeClr val="lt1"/>
+          </a:fontRef>
+        </p:style>
+        <p:txBody>
+          <a:bodyPr rtlCol="0" anchor="ctr"/>
+          <a:lstStyle/>
+          <a:p>
+            <a:pPr algn="ctr"/>
+            <a:endParaRPr lang="en-US">
+              <a:solidFill>
+                <a:schemeClr val="bg1"/>
+              </a:solidFill>
+            </a:endParaRPr>
+          </a:p>
+        </p:txBody>
+      </p:sp>
+      <p:pic>
+        <p:nvPicPr>
+          <p:cNvPr id="13" name="Picture 4" descr="React - Wikipedia">
+            <a:extLst>
+              <a:ext uri="{FF2B5EF4-FFF2-40B4-BE49-F238E27FC236}">
+                <a16:creationId xmlns:a16="http://schemas.microsoft.com/office/drawing/2014/main" id="{2D376E7B-FD46-BD91-962D-06D65BDB3D97}"/>
+              </a:ext>
+            </a:extLst>
+          </p:cNvPr>
+          <p:cNvPicPr>
+            <a:picLocks noChangeAspect="1" noChangeArrowheads="1"/>
+          </p:cNvPicPr>
+          <p:nvPr/>
+        </p:nvPicPr>
+        <p:blipFill>
+          <a:blip r:embed="rId3">
+            <a:extLst>
+              <a:ext uri="{28A0092B-C50C-407E-A947-70E740481C1C}">
+                <a14:useLocalDpi xmlns:a14="http://schemas.microsoft.com/office/drawing/2010/main" val="0"/>
+              </a:ext>
+            </a:extLst>
+          </a:blip>
+          <a:srcRect/>
+          <a:stretch>
+            <a:fillRect/>
+          </a:stretch>
+        </p:blipFill>
+        <p:spPr bwMode="auto">
+          <a:xfrm>
+            <a:off x="5719171" y="279782"/>
+            <a:ext cx="1258958" cy="1091796"/>
+          </a:xfrm>
+          <a:prstGeom prst="rect">
+            <a:avLst/>
+          </a:prstGeom>
+          <a:noFill/>
+          <a:extLst>
+            <a:ext uri="{909E8E84-426E-40DD-AFC4-6F175D3DCCD1}">
+              <a14:hiddenFill xmlns:a14="http://schemas.microsoft.com/office/drawing/2010/main">
+                <a:solidFill>
+                  <a:srgbClr val="FFFFFF"/>
+                </a:solidFill>
+              </a14:hiddenFill>
+            </a:ext>
+          </a:extLst>
+        </p:spPr>
+      </p:pic>
+    </p:spTree>
+    <p:extLst>
+      <p:ext uri="{BB962C8B-B14F-4D97-AF65-F5344CB8AC3E}">
+        <p14:creationId xmlns:p14="http://schemas.microsoft.com/office/powerpoint/2010/main" val="1719333429"/>
+      </p:ext>
+    </p:extLst>
+  </p:cSld>
+  <p:clrMapOvr>
+    <a:masterClrMapping/>
+  </p:clrMapOvr>
+</p:sld>
+</file>
+
+<file path=ppt/slides/slide21.xml><?xml version="1.0" encoding="utf-8"?>
+<p:sld xmlns:a="http://schemas.openxmlformats.org/drawingml/2006/main" xmlns:r="http://schemas.openxmlformats.org/officeDocument/2006/relationships" xmlns:p="http://schemas.openxmlformats.org/presentationml/2006/main">
+  <p:cSld>
+    <p:spTree>
+      <p:nvGrpSpPr>
+        <p:cNvPr id="1" name=""/>
+        <p:cNvGrpSpPr/>
+        <p:nvPr/>
+      </p:nvGrpSpPr>
+      <p:grpSpPr>
+        <a:xfrm>
+          <a:off x="0" y="0"/>
+          <a:ext cx="0" cy="0"/>
+          <a:chOff x="0" y="0"/>
+          <a:chExt cx="0" cy="0"/>
+        </a:xfrm>
+      </p:grpSpPr>
+      <p:pic>
+        <p:nvPicPr>
+          <p:cNvPr id="4" name="コンテンツ プレースホルダー 4">
+            <a:extLst>
+              <a:ext uri="{FF2B5EF4-FFF2-40B4-BE49-F238E27FC236}">
+                <a16:creationId xmlns:a16="http://schemas.microsoft.com/office/drawing/2014/main" id="{4D669C68-45B9-6DDB-C767-85131022425E}"/>
+              </a:ext>
+            </a:extLst>
+          </p:cNvPr>
+          <p:cNvPicPr>
+            <a:picLocks noChangeAspect="1"/>
+          </p:cNvPicPr>
+          <p:nvPr/>
+        </p:nvPicPr>
+        <p:blipFill>
+          <a:blip r:embed="rId2">
+            <a:extLst>
+              <a:ext uri="{28A0092B-C50C-407E-A947-70E740481C1C}">
+                <a14:useLocalDpi xmlns:a14="http://schemas.microsoft.com/office/drawing/2010/main" val="0"/>
+              </a:ext>
+            </a:extLst>
+          </a:blip>
+          <a:stretch>
+            <a:fillRect/>
+          </a:stretch>
+        </p:blipFill>
+        <p:spPr>
+          <a:xfrm>
+            <a:off x="0" y="0"/>
+            <a:ext cx="12192000" cy="6858001"/>
+          </a:xfrm>
+          <a:prstGeom prst="rect">
+            <a:avLst/>
+          </a:prstGeom>
+        </p:spPr>
+      </p:pic>
+      <p:sp>
+        <p:nvSpPr>
+          <p:cNvPr id="6" name="四角形: 角を丸くする 5">
+            <a:extLst>
+              <a:ext uri="{FF2B5EF4-FFF2-40B4-BE49-F238E27FC236}">
+                <a16:creationId xmlns:a16="http://schemas.microsoft.com/office/drawing/2014/main" id="{6CF3D8A3-CDD7-B736-6CFC-8975B4204DD5}"/>
+              </a:ext>
+            </a:extLst>
+          </p:cNvPr>
+          <p:cNvSpPr/>
+          <p:nvPr/>
+        </p:nvSpPr>
+        <p:spPr>
+          <a:xfrm>
+            <a:off x="3190875" y="4010025"/>
+            <a:ext cx="7715251" cy="2171700"/>
+          </a:xfrm>
+          <a:prstGeom prst="roundRect">
+            <a:avLst/>
+          </a:prstGeom>
+          <a:solidFill>
+            <a:schemeClr val="bg2">
+              <a:lumMod val="25000"/>
+            </a:schemeClr>
+          </a:solidFill>
+        </p:spPr>
+        <p:style>
+          <a:lnRef idx="2">
+            <a:schemeClr val="accent1">
+              <a:shade val="15000"/>
+            </a:schemeClr>
+          </a:lnRef>
+          <a:fillRef idx="1">
+            <a:schemeClr val="accent1"/>
+          </a:fillRef>
+          <a:effectRef idx="0">
+            <a:schemeClr val="accent1"/>
+          </a:effectRef>
+          <a:fontRef idx="minor">
+            <a:schemeClr val="lt1"/>
+          </a:fontRef>
+        </p:style>
+        <p:txBody>
+          <a:bodyPr rtlCol="0" anchor="ctr"/>
+          <a:lstStyle/>
+          <a:p>
+            <a:pPr algn="ctr"/>
+            <a:endParaRPr lang="en-US"/>
+          </a:p>
+        </p:txBody>
+      </p:sp>
+      <p:sp>
+        <p:nvSpPr>
+          <p:cNvPr id="2" name="タイトル 1">
+            <a:extLst>
+              <a:ext uri="{FF2B5EF4-FFF2-40B4-BE49-F238E27FC236}">
+                <a16:creationId xmlns:a16="http://schemas.microsoft.com/office/drawing/2014/main" id="{3FAD60CA-D477-A45B-5A8C-5735EDC9127D}"/>
+              </a:ext>
+            </a:extLst>
+          </p:cNvPr>
+          <p:cNvSpPr>
+            <a:spLocks noGrp="1"/>
+          </p:cNvSpPr>
+          <p:nvPr>
+            <p:ph type="ctrTitle"/>
+          </p:nvPr>
+        </p:nvSpPr>
+        <p:spPr>
+          <a:xfrm>
+            <a:off x="823912" y="750887"/>
+            <a:ext cx="10544175" cy="2954337"/>
+          </a:xfrm>
+        </p:spPr>
+        <p:txBody>
+          <a:bodyPr>
+            <a:normAutofit/>
+          </a:bodyPr>
+          <a:lstStyle/>
+          <a:p>
+            <a:r>
+              <a:rPr lang="ja-JP" altLang="en-US" dirty="0">
+                <a:solidFill>
+                  <a:schemeClr val="bg1"/>
+                </a:solidFill>
+                <a:latin typeface="BIZ UDPゴシック" panose="020B0400000000000000" pitchFamily="50" charset="-128"/>
+                <a:ea typeface="BIZ UDPゴシック" panose="020B0400000000000000" pitchFamily="50" charset="-128"/>
+              </a:rPr>
+              <a:t>この</a:t>
+            </a:r>
+            <a:r>
+              <a:rPr lang="en-US" altLang="ja-JP" dirty="0">
+                <a:solidFill>
+                  <a:schemeClr val="bg1"/>
+                </a:solidFill>
+                <a:latin typeface="BIZ UDPゴシック" panose="020B0400000000000000" pitchFamily="50" charset="-128"/>
+                <a:ea typeface="BIZ UDPゴシック" panose="020B0400000000000000" pitchFamily="50" charset="-128"/>
+              </a:rPr>
+              <a:t>ppt</a:t>
+            </a:r>
+            <a:r>
+              <a:rPr lang="ja-JP" altLang="en-US" dirty="0">
+                <a:solidFill>
+                  <a:schemeClr val="bg1"/>
+                </a:solidFill>
+                <a:latin typeface="BIZ UDPゴシック" panose="020B0400000000000000" pitchFamily="50" charset="-128"/>
+                <a:ea typeface="BIZ UDPゴシック" panose="020B0400000000000000" pitchFamily="50" charset="-128"/>
+              </a:rPr>
+              <a:t>はプロジェクトファイルにあるから、</a:t>
+            </a:r>
+            <a:r>
+              <a:rPr lang="ja-JP" altLang="en-US">
+                <a:solidFill>
+                  <a:schemeClr val="bg1"/>
+                </a:solidFill>
+                <a:latin typeface="BIZ UDPゴシック" panose="020B0400000000000000" pitchFamily="50" charset="-128"/>
+                <a:ea typeface="BIZ UDPゴシック" panose="020B0400000000000000" pitchFamily="50" charset="-128"/>
+              </a:rPr>
+              <a:t>わからなくなったら見る</a:t>
+            </a:r>
+            <a:r>
+              <a:rPr lang="ja-JP" altLang="en-US" dirty="0">
+                <a:solidFill>
+                  <a:schemeClr val="bg1"/>
+                </a:solidFill>
+                <a:latin typeface="BIZ UDPゴシック" panose="020B0400000000000000" pitchFamily="50" charset="-128"/>
+                <a:ea typeface="BIZ UDPゴシック" panose="020B0400000000000000" pitchFamily="50" charset="-128"/>
+              </a:rPr>
+              <a:t>！</a:t>
+            </a:r>
+            <a:endParaRPr lang="en-US" dirty="0">
+              <a:solidFill>
+                <a:schemeClr val="bg1"/>
+              </a:solidFill>
+              <a:latin typeface="BIZ UDPゴシック" panose="020B0400000000000000" pitchFamily="50" charset="-128"/>
+              <a:ea typeface="BIZ UDPゴシック" panose="020B0400000000000000" pitchFamily="50" charset="-128"/>
+            </a:endParaRPr>
+          </a:p>
+        </p:txBody>
+      </p:sp>
+      <p:sp>
+        <p:nvSpPr>
+          <p:cNvPr id="5" name="タイトル 1">
+            <a:extLst>
+              <a:ext uri="{FF2B5EF4-FFF2-40B4-BE49-F238E27FC236}">
+                <a16:creationId xmlns:a16="http://schemas.microsoft.com/office/drawing/2014/main" id="{FD27990F-B268-6647-5578-F6BD20B2B220}"/>
+              </a:ext>
+            </a:extLst>
+          </p:cNvPr>
+          <p:cNvSpPr txBox="1">
+            <a:spLocks/>
+          </p:cNvSpPr>
+          <p:nvPr/>
+        </p:nvSpPr>
+        <p:spPr>
+          <a:xfrm>
+            <a:off x="3386137" y="4010025"/>
+            <a:ext cx="7339013" cy="2038351"/>
+          </a:xfrm>
+          <a:prstGeom prst="rect">
+            <a:avLst/>
+          </a:prstGeom>
+        </p:spPr>
+        <p:txBody>
+          <a:bodyPr vert="horz" lIns="91440" tIns="45720" rIns="91440" bIns="45720" rtlCol="0" anchor="b">
+            <a:normAutofit/>
+          </a:bodyPr>
+          <a:lstStyle>
+            <a:lvl1pPr algn="ctr" defTabSz="914400" rtl="0" eaLnBrk="1" latinLnBrk="0" hangingPunct="1">
+              <a:lnSpc>
+                <a:spcPct val="90000"/>
+              </a:lnSpc>
+              <a:spcBef>
+                <a:spcPct val="0"/>
+              </a:spcBef>
+              <a:buNone/>
+              <a:defRPr sz="6000" kern="1200">
+                <a:solidFill>
+                  <a:schemeClr val="tx1"/>
+                </a:solidFill>
+                <a:latin typeface="+mj-lt"/>
+                <a:ea typeface="+mj-ea"/>
+                <a:cs typeface="+mj-cs"/>
+              </a:defRPr>
+            </a:lvl1pPr>
+          </a:lstStyle>
+          <a:p>
+            <a:pPr algn="l"/>
+            <a:r>
+              <a:rPr lang="en-US" sz="3200" b="0" i="0" dirty="0" err="1">
+                <a:solidFill>
+                  <a:srgbClr val="FFFFFF"/>
+                </a:solidFill>
+                <a:effectLst/>
+                <a:latin typeface="Fira code" panose="020B0809050000020004" pitchFamily="49" charset="0"/>
+              </a:rPr>
+              <a:t>ClockShare_React</a:t>
+            </a:r>
+            <a:endParaRPr lang="en-US" sz="3200" b="0" i="0" dirty="0">
+              <a:solidFill>
+                <a:srgbClr val="FFFFFF"/>
+              </a:solidFill>
+              <a:effectLst/>
+              <a:latin typeface="Fira code" panose="020B0809050000020004" pitchFamily="49" charset="0"/>
+            </a:endParaRPr>
+          </a:p>
+          <a:p>
+            <a:pPr algn="l"/>
+            <a:r>
+              <a:rPr lang="en-US" sz="3200" b="0" i="0" dirty="0">
+                <a:solidFill>
+                  <a:srgbClr val="FFFFFF"/>
+                </a:solidFill>
+                <a:effectLst/>
+                <a:latin typeface="Fira code" panose="020B0809050000020004" pitchFamily="49" charset="0"/>
+              </a:rPr>
+              <a:t> └── assets</a:t>
+            </a:r>
+          </a:p>
+          <a:p>
+            <a:pPr algn="l"/>
+            <a:r>
+              <a:rPr lang="en-US" sz="3200" b="0" i="0" dirty="0">
+                <a:solidFill>
+                  <a:srgbClr val="FFFFFF"/>
+                </a:solidFill>
+                <a:effectLst/>
+                <a:latin typeface="Fira code" panose="020B0809050000020004" pitchFamily="49" charset="0"/>
+              </a:rPr>
+              <a:t> </a:t>
+            </a:r>
+            <a:r>
+              <a:rPr lang="ja-JP" altLang="en-US" sz="3200" b="0" i="0" dirty="0">
+                <a:solidFill>
+                  <a:srgbClr val="FFFFFF"/>
+                </a:solidFill>
+                <a:effectLst/>
+                <a:latin typeface="Fira code" panose="020B0809050000020004" pitchFamily="49" charset="0"/>
+              </a:rPr>
+              <a:t>　　　</a:t>
+            </a:r>
+            <a:r>
+              <a:rPr lang="en-US" sz="3200" b="0" i="0" dirty="0">
+                <a:solidFill>
+                  <a:srgbClr val="FFFFFF"/>
+                </a:solidFill>
+                <a:effectLst/>
+                <a:latin typeface="Fira code" panose="020B0809050000020004" pitchFamily="49" charset="0"/>
+              </a:rPr>
+              <a:t>└── Dev </a:t>
+            </a:r>
+          </a:p>
+          <a:p>
+            <a:pPr algn="l"/>
+            <a:r>
+              <a:rPr lang="ja-JP" altLang="en-US" sz="3200" b="0" i="0" dirty="0">
+                <a:solidFill>
+                  <a:srgbClr val="FFFFFF"/>
+                </a:solidFill>
+                <a:effectLst/>
+                <a:latin typeface="Fira code" panose="020B0809050000020004" pitchFamily="49" charset="0"/>
+              </a:rPr>
+              <a:t>　　　　　　</a:t>
+            </a:r>
+            <a:r>
+              <a:rPr lang="en-US" sz="3200" b="0" i="0" dirty="0">
+                <a:solidFill>
+                  <a:srgbClr val="FFFFFF"/>
+                </a:solidFill>
+                <a:effectLst/>
+                <a:latin typeface="Fira code" panose="020B0809050000020004" pitchFamily="49" charset="0"/>
+              </a:rPr>
+              <a:t>└── VuetoReact.pptx</a:t>
+            </a:r>
+            <a:endParaRPr lang="en-US" sz="3200" dirty="0">
+              <a:solidFill>
+                <a:schemeClr val="bg1"/>
+              </a:solidFill>
+              <a:latin typeface="BIZ UDPゴシック" panose="020B0400000000000000" pitchFamily="50" charset="-128"/>
+              <a:ea typeface="BIZ UDPゴシック" panose="020B0400000000000000" pitchFamily="50" charset="-128"/>
+            </a:endParaRPr>
+          </a:p>
+        </p:txBody>
+      </p:sp>
+    </p:spTree>
+    <p:extLst>
+      <p:ext uri="{BB962C8B-B14F-4D97-AF65-F5344CB8AC3E}">
+        <p14:creationId xmlns:p14="http://schemas.microsoft.com/office/powerpoint/2010/main" val="2130425698"/>
       </p:ext>
     </p:extLst>
   </p:cSld>
